--- a/CSCI-111/week-4/week-4-lecture.pptx
+++ b/CSCI-111/week-4/week-4-lecture.pptx
@@ -11790,10 +11790,20 @@
               <a:buNone/>
             </a:pPr>
             <a:r>
-              <a:rPr lang="en" sz="3000"/>
+              <a:rPr lang="en" sz="3600">
+                <a:latin typeface="Times New Roman"/>
+                <a:ea typeface="Times New Roman"/>
+                <a:cs typeface="Times New Roman"/>
+                <a:sym typeface="Times New Roman"/>
+              </a:rPr>
               <a:t>Float</a:t>
             </a:r>
-            <a:endParaRPr sz="3000"/>
+            <a:endParaRPr sz="3600">
+              <a:latin typeface="Times New Roman"/>
+              <a:ea typeface="Times New Roman"/>
+              <a:cs typeface="Times New Roman"/>
+              <a:sym typeface="Times New Roman"/>
+            </a:endParaRPr>
           </a:p>
         </p:txBody>
       </p:sp>
@@ -11921,37 +11931,37 @@
               <a:buNone/>
             </a:pPr>
             <a:r>
-              <a:rPr b="0" i="0" lang="en" sz="2400" u="none" cap="none" strike="noStrike">
+              <a:rPr i="0" lang="en" sz="2400" u="none" cap="none" strike="noStrike">
                 <a:solidFill>
                   <a:srgbClr val="000000"/>
                 </a:solidFill>
-                <a:latin typeface="Calibri"/>
-                <a:ea typeface="Calibri"/>
-                <a:cs typeface="Calibri"/>
-                <a:sym typeface="Calibri"/>
+                <a:latin typeface="Times New Roman"/>
+                <a:ea typeface="Times New Roman"/>
+                <a:cs typeface="Times New Roman"/>
+                <a:sym typeface="Times New Roman"/>
               </a:rPr>
               <a:t>Elements in Normal flow,  </a:t>
             </a:r>
             <a:r>
-              <a:rPr b="0" i="0" lang="en" sz="2400" u="none" cap="none" strike="noStrike">
+              <a:rPr i="0" lang="en" sz="2400" u="none" cap="none" strike="noStrike">
                 <a:solidFill>
                   <a:srgbClr val="FF0000"/>
                 </a:solidFill>
-                <a:latin typeface="Calibri"/>
-                <a:ea typeface="Calibri"/>
-                <a:cs typeface="Calibri"/>
-                <a:sym typeface="Calibri"/>
+                <a:latin typeface="Times New Roman"/>
+                <a:ea typeface="Times New Roman"/>
+                <a:cs typeface="Times New Roman"/>
+                <a:sym typeface="Times New Roman"/>
               </a:rPr>
               <a:t>not floated</a:t>
             </a:r>
-            <a:endParaRPr b="0" i="0" sz="2400" u="none" cap="none" strike="noStrike">
+            <a:endParaRPr i="0" sz="2400" u="none" cap="none" strike="noStrike">
               <a:solidFill>
                 <a:srgbClr val="000000"/>
               </a:solidFill>
-              <a:latin typeface="Calibri"/>
-              <a:ea typeface="Calibri"/>
-              <a:cs typeface="Calibri"/>
-              <a:sym typeface="Calibri"/>
+              <a:latin typeface="Times New Roman"/>
+              <a:ea typeface="Times New Roman"/>
+              <a:cs typeface="Times New Roman"/>
+              <a:sym typeface="Times New Roman"/>
             </a:endParaRPr>
           </a:p>
         </p:txBody>
@@ -11999,61 +12009,61 @@
               <a:buNone/>
             </a:pPr>
             <a:r>
-              <a:rPr b="0" i="0" lang="en" sz="2400" u="sng" cap="none" strike="noStrike">
+              <a:rPr i="0" lang="en" sz="2400" u="sng" cap="none" strike="noStrike">
                 <a:solidFill>
                   <a:srgbClr val="000000"/>
                 </a:solidFill>
-                <a:latin typeface="Calibri"/>
-                <a:ea typeface="Calibri"/>
-                <a:cs typeface="Calibri"/>
-                <a:sym typeface="Calibri"/>
+                <a:latin typeface="Times New Roman"/>
+                <a:ea typeface="Times New Roman"/>
+                <a:cs typeface="Times New Roman"/>
+                <a:sym typeface="Times New Roman"/>
               </a:rPr>
               <a:t>Paragraph 1</a:t>
             </a:r>
             <a:r>
-              <a:rPr b="0" i="0" lang="en" sz="2400" u="none" cap="none" strike="noStrike">
+              <a:rPr i="0" lang="en" sz="2400" u="none" cap="none" strike="noStrike">
                 <a:solidFill>
                   <a:srgbClr val="000000"/>
                 </a:solidFill>
-                <a:latin typeface="Calibri"/>
-                <a:ea typeface="Calibri"/>
-                <a:cs typeface="Calibri"/>
-                <a:sym typeface="Calibri"/>
+                <a:latin typeface="Times New Roman"/>
+                <a:ea typeface="Times New Roman"/>
+                <a:cs typeface="Times New Roman"/>
+                <a:sym typeface="Times New Roman"/>
               </a:rPr>
               <a:t> is </a:t>
             </a:r>
             <a:r>
-              <a:rPr b="0" i="0" lang="en" sz="2400" u="none" cap="none" strike="noStrike">
+              <a:rPr i="0" lang="en" sz="2400" u="none" cap="none" strike="noStrike">
                 <a:solidFill>
                   <a:srgbClr val="FF0000"/>
                 </a:solidFill>
-                <a:latin typeface="Calibri"/>
-                <a:ea typeface="Calibri"/>
-                <a:cs typeface="Calibri"/>
-                <a:sym typeface="Calibri"/>
+                <a:latin typeface="Times New Roman"/>
+                <a:ea typeface="Times New Roman"/>
+                <a:cs typeface="Times New Roman"/>
+                <a:sym typeface="Times New Roman"/>
               </a:rPr>
               <a:t>floated </a:t>
             </a:r>
             <a:r>
-              <a:rPr b="0" i="0" lang="en" sz="2400" u="none" cap="none" strike="noStrike">
+              <a:rPr i="0" lang="en" sz="2400" u="none" cap="none" strike="noStrike">
                 <a:solidFill>
                   <a:srgbClr val="000000"/>
                 </a:solidFill>
-                <a:latin typeface="Calibri"/>
-                <a:ea typeface="Calibri"/>
-                <a:cs typeface="Calibri"/>
-                <a:sym typeface="Calibri"/>
+                <a:latin typeface="Times New Roman"/>
+                <a:ea typeface="Times New Roman"/>
+                <a:cs typeface="Times New Roman"/>
+                <a:sym typeface="Times New Roman"/>
               </a:rPr>
               <a:t>to the right</a:t>
             </a:r>
-            <a:endParaRPr b="0" i="0" sz="2400" u="none" cap="none" strike="noStrike">
+            <a:endParaRPr i="0" sz="2400" u="none" cap="none" strike="noStrike">
               <a:solidFill>
                 <a:srgbClr val="000000"/>
               </a:solidFill>
-              <a:latin typeface="Calibri"/>
-              <a:ea typeface="Calibri"/>
-              <a:cs typeface="Calibri"/>
-              <a:sym typeface="Calibri"/>
+              <a:latin typeface="Times New Roman"/>
+              <a:ea typeface="Times New Roman"/>
+              <a:cs typeface="Times New Roman"/>
+              <a:sym typeface="Times New Roman"/>
             </a:endParaRPr>
           </a:p>
         </p:txBody>
@@ -12101,74 +12111,74 @@
               <a:buNone/>
             </a:pPr>
             <a:r>
-              <a:rPr b="0" i="0" lang="en" sz="2400" u="sng" cap="none" strike="noStrike">
+              <a:rPr i="0" lang="en" sz="2400" u="sng" cap="none" strike="noStrike">
                 <a:solidFill>
                   <a:srgbClr val="000000"/>
                 </a:solidFill>
-                <a:latin typeface="Calibri"/>
-                <a:ea typeface="Calibri"/>
-                <a:cs typeface="Calibri"/>
-                <a:sym typeface="Calibri"/>
+                <a:latin typeface="Times New Roman"/>
+                <a:ea typeface="Times New Roman"/>
+                <a:cs typeface="Times New Roman"/>
+                <a:sym typeface="Times New Roman"/>
               </a:rPr>
               <a:t>Paragraph 1</a:t>
             </a:r>
             <a:r>
-              <a:rPr b="0" i="0" lang="en" sz="2400" u="none" cap="none" strike="noStrike">
+              <a:rPr i="0" lang="en" sz="2400" u="none" cap="none" strike="noStrike">
                 <a:solidFill>
                   <a:srgbClr val="000000"/>
                 </a:solidFill>
-                <a:latin typeface="Calibri"/>
-                <a:ea typeface="Calibri"/>
-                <a:cs typeface="Calibri"/>
-                <a:sym typeface="Calibri"/>
+                <a:latin typeface="Times New Roman"/>
+                <a:ea typeface="Times New Roman"/>
+                <a:cs typeface="Times New Roman"/>
+                <a:sym typeface="Times New Roman"/>
               </a:rPr>
               <a:t> is </a:t>
             </a:r>
             <a:r>
-              <a:rPr b="0" i="0" lang="en" sz="2400" u="none" cap="none" strike="noStrike">
+              <a:rPr i="0" lang="en" sz="2400" u="none" cap="none" strike="noStrike">
                 <a:solidFill>
                   <a:srgbClr val="FF0000"/>
                 </a:solidFill>
-                <a:latin typeface="Calibri"/>
-                <a:ea typeface="Calibri"/>
-                <a:cs typeface="Calibri"/>
-                <a:sym typeface="Calibri"/>
+                <a:latin typeface="Times New Roman"/>
+                <a:ea typeface="Times New Roman"/>
+                <a:cs typeface="Times New Roman"/>
+                <a:sym typeface="Times New Roman"/>
               </a:rPr>
               <a:t>floated </a:t>
             </a:r>
             <a:r>
-              <a:rPr b="0" i="0" lang="en" sz="2400" u="none" cap="none" strike="noStrike">
+              <a:rPr i="0" lang="en" sz="2400" u="none" cap="none" strike="noStrike">
                 <a:solidFill>
                   <a:srgbClr val="000000"/>
                 </a:solidFill>
-                <a:latin typeface="Calibri"/>
-                <a:ea typeface="Calibri"/>
-                <a:cs typeface="Calibri"/>
-                <a:sym typeface="Calibri"/>
+                <a:latin typeface="Times New Roman"/>
+                <a:ea typeface="Times New Roman"/>
+                <a:cs typeface="Times New Roman"/>
+                <a:sym typeface="Times New Roman"/>
               </a:rPr>
               <a:t>to the right,  </a:t>
             </a:r>
             <a:r>
-              <a:rPr b="0" i="0" lang="en" sz="2400" u="sng" cap="none" strike="noStrike">
+              <a:rPr i="0" lang="en" sz="2400" u="sng" cap="none" strike="noStrike">
                 <a:solidFill>
                   <a:srgbClr val="000000"/>
                 </a:solidFill>
-                <a:latin typeface="Calibri"/>
-                <a:ea typeface="Calibri"/>
-                <a:cs typeface="Calibri"/>
-                <a:sym typeface="Calibri"/>
+                <a:latin typeface="Times New Roman"/>
+                <a:ea typeface="Times New Roman"/>
+                <a:cs typeface="Times New Roman"/>
+                <a:sym typeface="Times New Roman"/>
               </a:rPr>
               <a:t>Paragraph 2</a:t>
             </a:r>
             <a:r>
-              <a:rPr b="0" i="0" lang="en" sz="2400" u="none" cap="none" strike="noStrike">
+              <a:rPr i="0" lang="en" sz="2400" u="none" cap="none" strike="noStrike">
                 <a:solidFill>
                   <a:srgbClr val="000000"/>
                 </a:solidFill>
-                <a:latin typeface="Calibri"/>
-                <a:ea typeface="Calibri"/>
-                <a:cs typeface="Calibri"/>
-                <a:sym typeface="Calibri"/>
+                <a:latin typeface="Times New Roman"/>
+                <a:ea typeface="Times New Roman"/>
+                <a:cs typeface="Times New Roman"/>
+                <a:sym typeface="Times New Roman"/>
               </a:rPr>
               <a:t> is </a:t>
             </a:r>
@@ -12177,21 +12187,21 @@
                 <a:solidFill>
                   <a:srgbClr val="4472C4"/>
                 </a:solidFill>
-                <a:latin typeface="Calibri"/>
-                <a:ea typeface="Calibri"/>
-                <a:cs typeface="Calibri"/>
-                <a:sym typeface="Calibri"/>
+                <a:latin typeface="Times New Roman"/>
+                <a:ea typeface="Times New Roman"/>
+                <a:cs typeface="Times New Roman"/>
+                <a:sym typeface="Times New Roman"/>
               </a:rPr>
               <a:t>cleared</a:t>
             </a:r>
-            <a:endParaRPr b="0" i="0" sz="2400" u="none" cap="none" strike="noStrike">
+            <a:endParaRPr i="0" sz="2400" u="none" cap="none" strike="noStrike">
               <a:solidFill>
                 <a:srgbClr val="000000"/>
               </a:solidFill>
-              <a:latin typeface="Calibri"/>
-              <a:ea typeface="Calibri"/>
-              <a:cs typeface="Calibri"/>
-              <a:sym typeface="Calibri"/>
+              <a:latin typeface="Times New Roman"/>
+              <a:ea typeface="Times New Roman"/>
+              <a:cs typeface="Times New Roman"/>
+              <a:sym typeface="Times New Roman"/>
             </a:endParaRPr>
           </a:p>
         </p:txBody>
@@ -12262,10 +12272,20 @@
               <a:buNone/>
             </a:pPr>
             <a:r>
-              <a:rPr lang="en" sz="3000"/>
+              <a:rPr lang="en" sz="3000">
+                <a:latin typeface="Times New Roman"/>
+                <a:ea typeface="Times New Roman"/>
+                <a:cs typeface="Times New Roman"/>
+                <a:sym typeface="Times New Roman"/>
+              </a:rPr>
               <a:t>Position</a:t>
             </a:r>
-            <a:endParaRPr sz="3000"/>
+            <a:endParaRPr sz="3000">
+              <a:latin typeface="Times New Roman"/>
+              <a:ea typeface="Times New Roman"/>
+              <a:cs typeface="Times New Roman"/>
+              <a:sym typeface="Times New Roman"/>
+            </a:endParaRPr>
           </a:p>
         </p:txBody>
       </p:sp>
@@ -12318,10 +12338,10 @@
                 <a:solidFill>
                   <a:srgbClr val="FF0000"/>
                 </a:solidFill>
-                <a:latin typeface="Calibri"/>
-                <a:ea typeface="Calibri"/>
-                <a:cs typeface="Calibri"/>
-                <a:sym typeface="Calibri"/>
+                <a:latin typeface="Times New Roman"/>
+                <a:ea typeface="Times New Roman"/>
+                <a:cs typeface="Times New Roman"/>
+                <a:sym typeface="Times New Roman"/>
               </a:rPr>
               <a:t>Position </a:t>
             </a:r>
@@ -12330,10 +12350,10 @@
                 <a:solidFill>
                   <a:schemeClr val="dk1"/>
                 </a:solidFill>
-                <a:latin typeface="Calibri"/>
-                <a:ea typeface="Calibri"/>
-                <a:cs typeface="Calibri"/>
-                <a:sym typeface="Calibri"/>
+                <a:latin typeface="Times New Roman"/>
+                <a:ea typeface="Times New Roman"/>
+                <a:cs typeface="Times New Roman"/>
+                <a:sym typeface="Times New Roman"/>
               </a:rPr>
               <a:t>property specifies the type of positioning method used for an  element:</a:t>
             </a:r>
@@ -12341,10 +12361,10 @@
               <a:solidFill>
                 <a:schemeClr val="dk1"/>
               </a:solidFill>
-              <a:latin typeface="Calibri"/>
-              <a:ea typeface="Calibri"/>
-              <a:cs typeface="Calibri"/>
-              <a:sym typeface="Calibri"/>
+              <a:latin typeface="Times New Roman"/>
+              <a:ea typeface="Times New Roman"/>
+              <a:cs typeface="Times New Roman"/>
+              <a:sym typeface="Times New Roman"/>
             </a:endParaRPr>
           </a:p>
           <a:p>
@@ -12369,10 +12389,10 @@
                 <a:solidFill>
                   <a:srgbClr val="FF0000"/>
                 </a:solidFill>
-                <a:latin typeface="Calibri"/>
-                <a:ea typeface="Calibri"/>
-                <a:cs typeface="Calibri"/>
-                <a:sym typeface="Calibri"/>
+                <a:latin typeface="Times New Roman"/>
+                <a:ea typeface="Times New Roman"/>
+                <a:cs typeface="Times New Roman"/>
+                <a:sym typeface="Times New Roman"/>
               </a:rPr>
               <a:t>static </a:t>
             </a:r>
@@ -12381,10 +12401,10 @@
                 <a:solidFill>
                   <a:schemeClr val="dk1"/>
                 </a:solidFill>
-                <a:latin typeface="Calibri"/>
-                <a:ea typeface="Calibri"/>
-                <a:cs typeface="Calibri"/>
-                <a:sym typeface="Calibri"/>
+                <a:latin typeface="Times New Roman"/>
+                <a:ea typeface="Times New Roman"/>
+                <a:cs typeface="Times New Roman"/>
+                <a:sym typeface="Times New Roman"/>
               </a:rPr>
               <a:t>- positioned according to the </a:t>
             </a:r>
@@ -12393,10 +12413,10 @@
                 <a:solidFill>
                   <a:schemeClr val="dk1"/>
                 </a:solidFill>
-                <a:latin typeface="Calibri"/>
-                <a:ea typeface="Calibri"/>
-                <a:cs typeface="Calibri"/>
-                <a:sym typeface="Calibri"/>
+                <a:latin typeface="Times New Roman"/>
+                <a:ea typeface="Times New Roman"/>
+                <a:cs typeface="Times New Roman"/>
+                <a:sym typeface="Times New Roman"/>
               </a:rPr>
               <a:t>normal flow</a:t>
             </a:r>
@@ -12405,10 +12425,10 @@
                 <a:solidFill>
                   <a:schemeClr val="dk1"/>
                 </a:solidFill>
-                <a:latin typeface="Calibri"/>
-                <a:ea typeface="Calibri"/>
-                <a:cs typeface="Calibri"/>
-                <a:sym typeface="Calibri"/>
+                <a:latin typeface="Times New Roman"/>
+                <a:ea typeface="Times New Roman"/>
+                <a:cs typeface="Times New Roman"/>
+                <a:sym typeface="Times New Roman"/>
               </a:rPr>
               <a:t> (default)</a:t>
             </a:r>
@@ -12416,10 +12436,10 @@
               <a:solidFill>
                 <a:schemeClr val="dk1"/>
               </a:solidFill>
-              <a:latin typeface="Calibri"/>
-              <a:ea typeface="Calibri"/>
-              <a:cs typeface="Calibri"/>
-              <a:sym typeface="Calibri"/>
+              <a:latin typeface="Times New Roman"/>
+              <a:ea typeface="Times New Roman"/>
+              <a:cs typeface="Times New Roman"/>
+              <a:sym typeface="Times New Roman"/>
             </a:endParaRPr>
           </a:p>
           <a:p>
@@ -12444,10 +12464,10 @@
                 <a:solidFill>
                   <a:srgbClr val="548235"/>
                 </a:solidFill>
-                <a:latin typeface="Calibri"/>
-                <a:ea typeface="Calibri"/>
-                <a:cs typeface="Calibri"/>
-                <a:sym typeface="Calibri"/>
+                <a:latin typeface="Times New Roman"/>
+                <a:ea typeface="Times New Roman"/>
+                <a:cs typeface="Times New Roman"/>
+                <a:sym typeface="Times New Roman"/>
               </a:rPr>
               <a:t>relative </a:t>
             </a:r>
@@ -12456,10 +12476,10 @@
                 <a:solidFill>
                   <a:schemeClr val="dk1"/>
                 </a:solidFill>
-                <a:latin typeface="Calibri"/>
-                <a:ea typeface="Calibri"/>
-                <a:cs typeface="Calibri"/>
-                <a:sym typeface="Calibri"/>
+                <a:latin typeface="Times New Roman"/>
+                <a:ea typeface="Times New Roman"/>
+                <a:cs typeface="Times New Roman"/>
+                <a:sym typeface="Times New Roman"/>
               </a:rPr>
               <a:t>- positioned relative to its </a:t>
             </a:r>
@@ -12468,10 +12488,10 @@
                 <a:solidFill>
                   <a:schemeClr val="dk1"/>
                 </a:solidFill>
-                <a:latin typeface="Calibri"/>
-                <a:ea typeface="Calibri"/>
-                <a:cs typeface="Calibri"/>
-                <a:sym typeface="Calibri"/>
+                <a:latin typeface="Times New Roman"/>
+                <a:ea typeface="Times New Roman"/>
+                <a:cs typeface="Times New Roman"/>
+                <a:sym typeface="Times New Roman"/>
               </a:rPr>
               <a:t>normal position</a:t>
             </a:r>
@@ -12480,10 +12500,10 @@
                 <a:solidFill>
                   <a:schemeClr val="dk1"/>
                 </a:solidFill>
-                <a:latin typeface="Calibri"/>
-                <a:ea typeface="Calibri"/>
-                <a:cs typeface="Calibri"/>
-                <a:sym typeface="Calibri"/>
+                <a:latin typeface="Times New Roman"/>
+                <a:ea typeface="Times New Roman"/>
+                <a:cs typeface="Times New Roman"/>
+                <a:sym typeface="Times New Roman"/>
               </a:rPr>
               <a:t> (</a:t>
             </a:r>
@@ -12492,10 +12512,10 @@
                 <a:solidFill>
                   <a:srgbClr val="C00000"/>
                 </a:solidFill>
-                <a:latin typeface="Calibri"/>
-                <a:ea typeface="Calibri"/>
-                <a:cs typeface="Calibri"/>
-                <a:sym typeface="Calibri"/>
+                <a:latin typeface="Times New Roman"/>
+                <a:ea typeface="Times New Roman"/>
+                <a:cs typeface="Times New Roman"/>
+                <a:sym typeface="Times New Roman"/>
               </a:rPr>
               <a:t>preserves </a:t>
             </a:r>
@@ -12504,10 +12524,10 @@
                 <a:solidFill>
                   <a:schemeClr val="dk1"/>
                 </a:solidFill>
-                <a:latin typeface="Calibri"/>
-                <a:ea typeface="Calibri"/>
-                <a:cs typeface="Calibri"/>
-                <a:sym typeface="Calibri"/>
+                <a:latin typeface="Times New Roman"/>
+                <a:ea typeface="Times New Roman"/>
+                <a:cs typeface="Times New Roman"/>
+                <a:sym typeface="Times New Roman"/>
               </a:rPr>
               <a:t>space)</a:t>
             </a:r>
@@ -12515,10 +12535,10 @@
               <a:solidFill>
                 <a:schemeClr val="dk1"/>
               </a:solidFill>
-              <a:latin typeface="Calibri"/>
-              <a:ea typeface="Calibri"/>
-              <a:cs typeface="Calibri"/>
-              <a:sym typeface="Calibri"/>
+              <a:latin typeface="Times New Roman"/>
+              <a:ea typeface="Times New Roman"/>
+              <a:cs typeface="Times New Roman"/>
+              <a:sym typeface="Times New Roman"/>
             </a:endParaRPr>
           </a:p>
           <a:p>
@@ -12543,10 +12563,10 @@
                 <a:solidFill>
                   <a:srgbClr val="4472C4"/>
                 </a:solidFill>
-                <a:latin typeface="Calibri"/>
-                <a:ea typeface="Calibri"/>
-                <a:cs typeface="Calibri"/>
-                <a:sym typeface="Calibri"/>
+                <a:latin typeface="Times New Roman"/>
+                <a:ea typeface="Times New Roman"/>
+                <a:cs typeface="Times New Roman"/>
+                <a:sym typeface="Times New Roman"/>
               </a:rPr>
               <a:t>absolute </a:t>
             </a:r>
@@ -12555,10 +12575,10 @@
                 <a:solidFill>
                   <a:schemeClr val="dk1"/>
                 </a:solidFill>
-                <a:latin typeface="Calibri"/>
-                <a:ea typeface="Calibri"/>
-                <a:cs typeface="Calibri"/>
-                <a:sym typeface="Calibri"/>
+                <a:latin typeface="Times New Roman"/>
+                <a:ea typeface="Times New Roman"/>
+                <a:cs typeface="Times New Roman"/>
+                <a:sym typeface="Times New Roman"/>
               </a:rPr>
               <a:t>- positioned relative to the </a:t>
             </a:r>
@@ -12567,10 +12587,10 @@
                 <a:solidFill>
                   <a:schemeClr val="dk1"/>
                 </a:solidFill>
-                <a:latin typeface="Calibri"/>
-                <a:ea typeface="Calibri"/>
-                <a:cs typeface="Calibri"/>
-                <a:sym typeface="Calibri"/>
+                <a:latin typeface="Times New Roman"/>
+                <a:ea typeface="Times New Roman"/>
+                <a:cs typeface="Times New Roman"/>
+                <a:sym typeface="Times New Roman"/>
               </a:rPr>
               <a:t>nearest positioned ancestor</a:t>
             </a:r>
@@ -12579,10 +12599,10 @@
                 <a:solidFill>
                   <a:schemeClr val="dk1"/>
                 </a:solidFill>
-                <a:latin typeface="Calibri"/>
-                <a:ea typeface="Calibri"/>
-                <a:cs typeface="Calibri"/>
-                <a:sym typeface="Calibri"/>
+                <a:latin typeface="Times New Roman"/>
+                <a:ea typeface="Times New Roman"/>
+                <a:cs typeface="Times New Roman"/>
+                <a:sym typeface="Times New Roman"/>
               </a:rPr>
               <a:t> (</a:t>
             </a:r>
@@ -12591,10 +12611,10 @@
                 <a:solidFill>
                   <a:srgbClr val="C00000"/>
                 </a:solidFill>
-                <a:latin typeface="Calibri"/>
-                <a:ea typeface="Calibri"/>
-                <a:cs typeface="Calibri"/>
-                <a:sym typeface="Calibri"/>
+                <a:latin typeface="Times New Roman"/>
+                <a:ea typeface="Times New Roman"/>
+                <a:cs typeface="Times New Roman"/>
+                <a:sym typeface="Times New Roman"/>
               </a:rPr>
               <a:t>removes </a:t>
             </a:r>
@@ -12603,10 +12623,10 @@
                 <a:solidFill>
                   <a:schemeClr val="dk1"/>
                 </a:solidFill>
-                <a:latin typeface="Calibri"/>
-                <a:ea typeface="Calibri"/>
-                <a:cs typeface="Calibri"/>
-                <a:sym typeface="Calibri"/>
+                <a:latin typeface="Times New Roman"/>
+                <a:ea typeface="Times New Roman"/>
+                <a:cs typeface="Times New Roman"/>
+                <a:sym typeface="Times New Roman"/>
               </a:rPr>
               <a:t>space)</a:t>
             </a:r>
@@ -12614,10 +12634,10 @@
               <a:solidFill>
                 <a:schemeClr val="dk1"/>
               </a:solidFill>
-              <a:latin typeface="Calibri"/>
-              <a:ea typeface="Calibri"/>
-              <a:cs typeface="Calibri"/>
-              <a:sym typeface="Calibri"/>
+              <a:latin typeface="Times New Roman"/>
+              <a:ea typeface="Times New Roman"/>
+              <a:cs typeface="Times New Roman"/>
+              <a:sym typeface="Times New Roman"/>
             </a:endParaRPr>
           </a:p>
           <a:p>
@@ -12642,10 +12662,10 @@
                 <a:solidFill>
                   <a:srgbClr val="843C0C"/>
                 </a:solidFill>
-                <a:latin typeface="Calibri"/>
-                <a:ea typeface="Calibri"/>
-                <a:cs typeface="Calibri"/>
-                <a:sym typeface="Calibri"/>
+                <a:latin typeface="Times New Roman"/>
+                <a:ea typeface="Times New Roman"/>
+                <a:cs typeface="Times New Roman"/>
+                <a:sym typeface="Times New Roman"/>
               </a:rPr>
               <a:t>fixed </a:t>
             </a:r>
@@ -12654,10 +12674,10 @@
                 <a:solidFill>
                   <a:schemeClr val="dk1"/>
                 </a:solidFill>
-                <a:latin typeface="Calibri"/>
-                <a:ea typeface="Calibri"/>
-                <a:cs typeface="Calibri"/>
-                <a:sym typeface="Calibri"/>
+                <a:latin typeface="Times New Roman"/>
+                <a:ea typeface="Times New Roman"/>
+                <a:cs typeface="Times New Roman"/>
+                <a:sym typeface="Times New Roman"/>
               </a:rPr>
               <a:t>- positioned relative to the </a:t>
             </a:r>
@@ -12666,10 +12686,10 @@
                 <a:solidFill>
                   <a:schemeClr val="dk1"/>
                 </a:solidFill>
-                <a:latin typeface="Calibri"/>
-                <a:ea typeface="Calibri"/>
-                <a:cs typeface="Calibri"/>
-                <a:sym typeface="Calibri"/>
+                <a:latin typeface="Times New Roman"/>
+                <a:ea typeface="Times New Roman"/>
+                <a:cs typeface="Times New Roman"/>
+                <a:sym typeface="Times New Roman"/>
               </a:rPr>
               <a:t>viewport</a:t>
             </a:r>
@@ -12678,10 +12698,10 @@
                 <a:solidFill>
                   <a:schemeClr val="dk1"/>
                 </a:solidFill>
-                <a:latin typeface="Calibri"/>
-                <a:ea typeface="Calibri"/>
-                <a:cs typeface="Calibri"/>
-                <a:sym typeface="Calibri"/>
+                <a:latin typeface="Times New Roman"/>
+                <a:ea typeface="Times New Roman"/>
+                <a:cs typeface="Times New Roman"/>
+                <a:sym typeface="Times New Roman"/>
               </a:rPr>
               <a:t> (</a:t>
             </a:r>
@@ -12690,10 +12710,10 @@
                 <a:solidFill>
                   <a:srgbClr val="C00000"/>
                 </a:solidFill>
-                <a:latin typeface="Calibri"/>
-                <a:ea typeface="Calibri"/>
-                <a:cs typeface="Calibri"/>
-                <a:sym typeface="Calibri"/>
+                <a:latin typeface="Times New Roman"/>
+                <a:ea typeface="Times New Roman"/>
+                <a:cs typeface="Times New Roman"/>
+                <a:sym typeface="Times New Roman"/>
               </a:rPr>
               <a:t>removes </a:t>
             </a:r>
@@ -12702,10 +12722,10 @@
                 <a:solidFill>
                   <a:schemeClr val="dk1"/>
                 </a:solidFill>
-                <a:latin typeface="Calibri"/>
-                <a:ea typeface="Calibri"/>
-                <a:cs typeface="Calibri"/>
-                <a:sym typeface="Calibri"/>
+                <a:latin typeface="Times New Roman"/>
+                <a:ea typeface="Times New Roman"/>
+                <a:cs typeface="Times New Roman"/>
+                <a:sym typeface="Times New Roman"/>
               </a:rPr>
               <a:t>space)</a:t>
             </a:r>
@@ -12713,10 +12733,10 @@
               <a:solidFill>
                 <a:schemeClr val="dk1"/>
               </a:solidFill>
-              <a:latin typeface="Calibri"/>
-              <a:ea typeface="Calibri"/>
-              <a:cs typeface="Calibri"/>
-              <a:sym typeface="Calibri"/>
+              <a:latin typeface="Times New Roman"/>
+              <a:ea typeface="Times New Roman"/>
+              <a:cs typeface="Times New Roman"/>
+              <a:sym typeface="Times New Roman"/>
             </a:endParaRPr>
           </a:p>
           <a:p>
@@ -12741,10 +12761,10 @@
                 <a:solidFill>
                   <a:srgbClr val="7030A0"/>
                 </a:solidFill>
-                <a:latin typeface="Calibri"/>
-                <a:ea typeface="Calibri"/>
-                <a:cs typeface="Calibri"/>
-                <a:sym typeface="Calibri"/>
+                <a:latin typeface="Times New Roman"/>
+                <a:ea typeface="Times New Roman"/>
+                <a:cs typeface="Times New Roman"/>
+                <a:sym typeface="Times New Roman"/>
               </a:rPr>
               <a:t>sticky </a:t>
             </a:r>
@@ -12753,10 +12773,10 @@
                 <a:solidFill>
                   <a:schemeClr val="dk1"/>
                 </a:solidFill>
-                <a:latin typeface="Calibri"/>
-                <a:ea typeface="Calibri"/>
-                <a:cs typeface="Calibri"/>
-                <a:sym typeface="Calibri"/>
+                <a:latin typeface="Times New Roman"/>
+                <a:ea typeface="Times New Roman"/>
+                <a:cs typeface="Times New Roman"/>
+                <a:sym typeface="Times New Roman"/>
               </a:rPr>
               <a:t>- positioned based on the user's </a:t>
             </a:r>
@@ -12765,10 +12785,10 @@
                 <a:solidFill>
                   <a:schemeClr val="dk1"/>
                 </a:solidFill>
-                <a:latin typeface="Calibri"/>
-                <a:ea typeface="Calibri"/>
-                <a:cs typeface="Calibri"/>
-                <a:sym typeface="Calibri"/>
+                <a:latin typeface="Times New Roman"/>
+                <a:ea typeface="Times New Roman"/>
+                <a:cs typeface="Times New Roman"/>
+                <a:sym typeface="Times New Roman"/>
               </a:rPr>
               <a:t>scroll position</a:t>
             </a:r>
@@ -12777,10 +12797,10 @@
                 <a:solidFill>
                   <a:schemeClr val="dk1"/>
                 </a:solidFill>
-                <a:latin typeface="Calibri"/>
-                <a:ea typeface="Calibri"/>
-                <a:cs typeface="Calibri"/>
-                <a:sym typeface="Calibri"/>
+                <a:latin typeface="Times New Roman"/>
+                <a:ea typeface="Times New Roman"/>
+                <a:cs typeface="Times New Roman"/>
+                <a:sym typeface="Times New Roman"/>
               </a:rPr>
               <a:t> (as relative or fixed)</a:t>
             </a:r>
@@ -12788,10 +12808,10 @@
               <a:solidFill>
                 <a:schemeClr val="dk1"/>
               </a:solidFill>
-              <a:latin typeface="Calibri"/>
-              <a:ea typeface="Calibri"/>
-              <a:cs typeface="Calibri"/>
-              <a:sym typeface="Calibri"/>
+              <a:latin typeface="Times New Roman"/>
+              <a:ea typeface="Times New Roman"/>
+              <a:cs typeface="Times New Roman"/>
+              <a:sym typeface="Times New Roman"/>
             </a:endParaRPr>
           </a:p>
           <a:p>
@@ -12816,10 +12836,10 @@
                 <a:solidFill>
                   <a:schemeClr val="dk1"/>
                 </a:solidFill>
-                <a:latin typeface="Calibri"/>
-                <a:ea typeface="Calibri"/>
-                <a:cs typeface="Calibri"/>
-                <a:sym typeface="Calibri"/>
+                <a:latin typeface="Times New Roman"/>
+                <a:ea typeface="Times New Roman"/>
+                <a:cs typeface="Times New Roman"/>
+                <a:sym typeface="Times New Roman"/>
               </a:rPr>
               <a:t>Elements are positioned using the </a:t>
             </a:r>
@@ -12828,10 +12848,10 @@
                 <a:solidFill>
                   <a:srgbClr val="FF0000"/>
                 </a:solidFill>
-                <a:latin typeface="Calibri"/>
-                <a:ea typeface="Calibri"/>
-                <a:cs typeface="Calibri"/>
-                <a:sym typeface="Calibri"/>
+                <a:latin typeface="Times New Roman"/>
+                <a:ea typeface="Times New Roman"/>
+                <a:cs typeface="Times New Roman"/>
+                <a:sym typeface="Times New Roman"/>
               </a:rPr>
               <a:t>top, bottom, left, </a:t>
             </a:r>
@@ -12840,10 +12860,10 @@
                 <a:solidFill>
                   <a:schemeClr val="dk1"/>
                 </a:solidFill>
-                <a:latin typeface="Calibri"/>
-                <a:ea typeface="Calibri"/>
-                <a:cs typeface="Calibri"/>
-                <a:sym typeface="Calibri"/>
+                <a:latin typeface="Times New Roman"/>
+                <a:ea typeface="Times New Roman"/>
+                <a:cs typeface="Times New Roman"/>
+                <a:sym typeface="Times New Roman"/>
               </a:rPr>
               <a:t>and </a:t>
             </a:r>
@@ -12852,10 +12872,10 @@
                 <a:solidFill>
                   <a:srgbClr val="FF0000"/>
                 </a:solidFill>
-                <a:latin typeface="Calibri"/>
-                <a:ea typeface="Calibri"/>
-                <a:cs typeface="Calibri"/>
-                <a:sym typeface="Calibri"/>
+                <a:latin typeface="Times New Roman"/>
+                <a:ea typeface="Times New Roman"/>
+                <a:cs typeface="Times New Roman"/>
+                <a:sym typeface="Times New Roman"/>
               </a:rPr>
               <a:t>right </a:t>
             </a:r>
@@ -12864,10 +12884,10 @@
                 <a:solidFill>
                   <a:schemeClr val="dk1"/>
                 </a:solidFill>
-                <a:latin typeface="Calibri"/>
-                <a:ea typeface="Calibri"/>
-                <a:cs typeface="Calibri"/>
-                <a:sym typeface="Calibri"/>
+                <a:latin typeface="Times New Roman"/>
+                <a:ea typeface="Times New Roman"/>
+                <a:cs typeface="Times New Roman"/>
+                <a:sym typeface="Times New Roman"/>
               </a:rPr>
               <a:t>properties.</a:t>
             </a:r>
@@ -14181,6 +14201,45 @@
               <a:buNone/>
             </a:pPr>
             <a:r>
+              <a:rPr lang="en" sz="2800">
+                <a:solidFill>
+                  <a:schemeClr val="dk1"/>
+                </a:solidFill>
+                <a:latin typeface="Times New Roman"/>
+                <a:ea typeface="Times New Roman"/>
+                <a:cs typeface="Times New Roman"/>
+                <a:sym typeface="Times New Roman"/>
+              </a:rPr>
+              <a:t>Several ideas to mention:</a:t>
+            </a:r>
+            <a:endParaRPr sz="2800">
+              <a:solidFill>
+                <a:schemeClr val="dk1"/>
+              </a:solidFill>
+              <a:latin typeface="Times New Roman"/>
+              <a:ea typeface="Times New Roman"/>
+              <a:cs typeface="Times New Roman"/>
+              <a:sym typeface="Times New Roman"/>
+            </a:endParaRPr>
+          </a:p>
+          <a:p>
+            <a:pPr indent="-203200" lvl="0" marL="698500" rtl="0" algn="l">
+              <a:lnSpc>
+                <a:spcPct val="100000"/>
+              </a:lnSpc>
+              <a:spcBef>
+                <a:spcPts val="540"/>
+              </a:spcBef>
+              <a:spcAft>
+                <a:spcPts val="0"/>
+              </a:spcAft>
+              <a:buClr>
+                <a:schemeClr val="dk1"/>
+              </a:buClr>
+              <a:buSzPts val="2600"/>
+              <a:buChar char="•"/>
+            </a:pPr>
+            <a:r>
               <a:rPr lang="en" sz="2600">
                 <a:solidFill>
                   <a:schemeClr val="dk1"/>
@@ -14190,7 +14249,31 @@
                 <a:cs typeface="Times New Roman"/>
                 <a:sym typeface="Times New Roman"/>
               </a:rPr>
-              <a:t>Several ideas to mention:</a:t>
+              <a:t>Use </a:t>
+            </a:r>
+            <a:r>
+              <a:rPr b="1" lang="en" sz="2600">
+                <a:solidFill>
+                  <a:srgbClr val="FF0000"/>
+                </a:solidFill>
+                <a:latin typeface="Times New Roman"/>
+                <a:ea typeface="Times New Roman"/>
+                <a:cs typeface="Times New Roman"/>
+                <a:sym typeface="Times New Roman"/>
+              </a:rPr>
+              <a:t>semantic </a:t>
+            </a:r>
+            <a:r>
+              <a:rPr lang="en" sz="2600">
+                <a:solidFill>
+                  <a:schemeClr val="dk1"/>
+                </a:solidFill>
+                <a:latin typeface="Times New Roman"/>
+                <a:ea typeface="Times New Roman"/>
+                <a:cs typeface="Times New Roman"/>
+                <a:sym typeface="Times New Roman"/>
+              </a:rPr>
+              <a:t>elements (header, nav, footer, section)</a:t>
             </a:r>
             <a:endParaRPr sz="2600">
               <a:solidFill>
@@ -14208,7 +14291,7 @@
                 <a:spcPct val="100000"/>
               </a:lnSpc>
               <a:spcBef>
-                <a:spcPts val="540"/>
+                <a:spcPts val="505"/>
               </a:spcBef>
               <a:spcAft>
                 <a:spcPts val="0"/>
@@ -14229,19 +14312,19 @@
                 <a:cs typeface="Times New Roman"/>
                 <a:sym typeface="Times New Roman"/>
               </a:rPr>
-              <a:t>Use </a:t>
+              <a:t>Header, nav and footer are </a:t>
             </a:r>
             <a:r>
               <a:rPr b="1" lang="en" sz="2600">
                 <a:solidFill>
-                  <a:srgbClr val="FF0000"/>
-                </a:solidFill>
-                <a:latin typeface="Times New Roman"/>
-                <a:ea typeface="Times New Roman"/>
-                <a:cs typeface="Times New Roman"/>
-                <a:sym typeface="Times New Roman"/>
-              </a:rPr>
-              <a:t>semantic </a:t>
+                  <a:srgbClr val="548235"/>
+                </a:solidFill>
+                <a:latin typeface="Times New Roman"/>
+                <a:ea typeface="Times New Roman"/>
+                <a:cs typeface="Times New Roman"/>
+                <a:sym typeface="Times New Roman"/>
+              </a:rPr>
+              <a:t>block </a:t>
             </a:r>
             <a:r>
               <a:rPr lang="en" sz="2600">
@@ -14253,7 +14336,7 @@
                 <a:cs typeface="Times New Roman"/>
                 <a:sym typeface="Times New Roman"/>
               </a:rPr>
-              <a:t>elements (header, nav, footer, section)</a:t>
+              <a:t>elements, i.e. take all line</a:t>
             </a:r>
             <a:endParaRPr sz="2600">
               <a:solidFill>
@@ -14292,69 +14375,6 @@
                 <a:cs typeface="Times New Roman"/>
                 <a:sym typeface="Times New Roman"/>
               </a:rPr>
-              <a:t>Header,, nav and footer are </a:t>
-            </a:r>
-            <a:r>
-              <a:rPr b="1" lang="en" sz="2600">
-                <a:solidFill>
-                  <a:srgbClr val="548235"/>
-                </a:solidFill>
-                <a:latin typeface="Times New Roman"/>
-                <a:ea typeface="Times New Roman"/>
-                <a:cs typeface="Times New Roman"/>
-                <a:sym typeface="Times New Roman"/>
-              </a:rPr>
-              <a:t>block </a:t>
-            </a:r>
-            <a:r>
-              <a:rPr lang="en" sz="2600">
-                <a:solidFill>
-                  <a:schemeClr val="dk1"/>
-                </a:solidFill>
-                <a:latin typeface="Times New Roman"/>
-                <a:ea typeface="Times New Roman"/>
-                <a:cs typeface="Times New Roman"/>
-                <a:sym typeface="Times New Roman"/>
-              </a:rPr>
-              <a:t>elements, i.e. take all line</a:t>
-            </a:r>
-            <a:endParaRPr sz="2600">
-              <a:solidFill>
-                <a:schemeClr val="dk1"/>
-              </a:solidFill>
-              <a:latin typeface="Times New Roman"/>
-              <a:ea typeface="Times New Roman"/>
-              <a:cs typeface="Times New Roman"/>
-              <a:sym typeface="Times New Roman"/>
-            </a:endParaRPr>
-          </a:p>
-          <a:p>
-            <a:pPr indent="-203200" lvl="0" marL="698500" rtl="0" algn="l">
-              <a:lnSpc>
-                <a:spcPct val="100000"/>
-              </a:lnSpc>
-              <a:spcBef>
-                <a:spcPts val="505"/>
-              </a:spcBef>
-              <a:spcAft>
-                <a:spcPts val="0"/>
-              </a:spcAft>
-              <a:buClr>
-                <a:schemeClr val="dk1"/>
-              </a:buClr>
-              <a:buSzPts val="2600"/>
-              <a:buChar char="•"/>
-            </a:pPr>
-            <a:r>
-              <a:rPr lang="en" sz="2600">
-                <a:solidFill>
-                  <a:schemeClr val="dk1"/>
-                </a:solidFill>
-                <a:latin typeface="Times New Roman"/>
-                <a:ea typeface="Times New Roman"/>
-                <a:cs typeface="Times New Roman"/>
-                <a:sym typeface="Times New Roman"/>
-              </a:rPr>
               <a:t>To make </a:t>
             </a:r>
             <a:r>
@@ -14483,46 +14503,6 @@
                 <a:sym typeface="Times New Roman"/>
               </a:rPr>
               <a:t>define column width in percentage (e.g.: 25%-50%-25%)</a:t>
-            </a:r>
-            <a:endParaRPr sz="2600">
-              <a:solidFill>
-                <a:schemeClr val="dk1"/>
-              </a:solidFill>
-              <a:latin typeface="Times New Roman"/>
-              <a:ea typeface="Times New Roman"/>
-              <a:cs typeface="Times New Roman"/>
-              <a:sym typeface="Times New Roman"/>
-            </a:endParaRPr>
-          </a:p>
-          <a:p>
-            <a:pPr indent="-203200" lvl="0" marL="698500" rtl="0" algn="l">
-              <a:lnSpc>
-                <a:spcPct val="100000"/>
-              </a:lnSpc>
-              <a:spcBef>
-                <a:spcPts val="490"/>
-              </a:spcBef>
-              <a:spcAft>
-                <a:spcPts val="0"/>
-              </a:spcAft>
-              <a:buClr>
-                <a:schemeClr val="dk1"/>
-              </a:buClr>
-              <a:buSzPts val="2600"/>
-              <a:buFont typeface="Times New Roman"/>
-              <a:buChar char="•"/>
-            </a:pPr>
-            <a:r>
-              <a:rPr lang="en" sz="2600">
-                <a:solidFill>
-                  <a:schemeClr val="dk1"/>
-                </a:solidFill>
-                <a:latin typeface="Times New Roman"/>
-                <a:ea typeface="Times New Roman"/>
-                <a:cs typeface="Times New Roman"/>
-                <a:sym typeface="Times New Roman"/>
-              </a:rPr>
-              <a:t>See the code (index_layout.html, style3.css)</a:t>
             </a:r>
             <a:endParaRPr sz="2600">
               <a:solidFill>
@@ -19657,37 +19637,37 @@
               <a:buNone/>
             </a:pPr>
             <a:r>
-              <a:rPr b="0" i="0" lang="en" sz="2400" u="none" cap="none" strike="noStrike">
+              <a:rPr i="0" lang="en" sz="2400" u="none" cap="none" strike="noStrike">
                 <a:solidFill>
                   <a:srgbClr val="FF0000"/>
                 </a:solidFill>
-                <a:latin typeface="Calibri"/>
-                <a:ea typeface="Calibri"/>
-                <a:cs typeface="Calibri"/>
-                <a:sym typeface="Calibri"/>
+                <a:latin typeface="Times New Roman"/>
+                <a:ea typeface="Times New Roman"/>
+                <a:cs typeface="Times New Roman"/>
+                <a:sym typeface="Times New Roman"/>
               </a:rPr>
               <a:t>Block </a:t>
             </a:r>
             <a:r>
-              <a:rPr b="0" i="0" lang="en" sz="2400" u="none" cap="none" strike="noStrike">
+              <a:rPr i="0" lang="en" sz="2400" u="none" cap="none" strike="noStrike">
                 <a:solidFill>
                   <a:srgbClr val="000000"/>
                 </a:solidFill>
-                <a:latin typeface="Calibri"/>
-                <a:ea typeface="Calibri"/>
-                <a:cs typeface="Calibri"/>
-                <a:sym typeface="Calibri"/>
+                <a:latin typeface="Times New Roman"/>
+                <a:ea typeface="Times New Roman"/>
+                <a:cs typeface="Times New Roman"/>
+                <a:sym typeface="Times New Roman"/>
               </a:rPr>
               <a:t>elements</a:t>
             </a:r>
-            <a:endParaRPr b="0" i="0" sz="2400" u="none" cap="none" strike="noStrike">
+            <a:endParaRPr i="0" sz="2400" u="none" cap="none" strike="noStrike">
               <a:solidFill>
                 <a:srgbClr val="000000"/>
               </a:solidFill>
-              <a:latin typeface="Calibri"/>
-              <a:ea typeface="Calibri"/>
-              <a:cs typeface="Calibri"/>
-              <a:sym typeface="Calibri"/>
+              <a:latin typeface="Times New Roman"/>
+              <a:ea typeface="Times New Roman"/>
+              <a:cs typeface="Times New Roman"/>
+              <a:sym typeface="Times New Roman"/>
             </a:endParaRPr>
           </a:p>
         </p:txBody>
@@ -19701,7 +19681,7 @@
         <p:spPr>
           <a:xfrm>
             <a:off x="6540595" y="3190714"/>
-            <a:ext cx="2603400" cy="1338600"/>
+            <a:ext cx="2603400" cy="1707900"/>
           </a:xfrm>
           <a:prstGeom prst="rect">
             <a:avLst/>
@@ -19739,33 +19719,33 @@
                 <a:solidFill>
                   <a:srgbClr val="FF0000"/>
                 </a:solidFill>
-                <a:latin typeface="Calibri"/>
-                <a:ea typeface="Calibri"/>
-                <a:cs typeface="Calibri"/>
-                <a:sym typeface="Calibri"/>
+                <a:latin typeface="Times New Roman"/>
+                <a:ea typeface="Times New Roman"/>
+                <a:cs typeface="Times New Roman"/>
+                <a:sym typeface="Times New Roman"/>
               </a:rPr>
               <a:t>Inline </a:t>
             </a:r>
             <a:r>
-              <a:rPr b="0" i="0" lang="en" sz="2400" u="none" cap="none" strike="noStrike">
+              <a:rPr i="0" lang="en" sz="2400" u="none" cap="none" strike="noStrike">
                 <a:solidFill>
                   <a:srgbClr val="000000"/>
                 </a:solidFill>
-                <a:latin typeface="Calibri"/>
-                <a:ea typeface="Calibri"/>
-                <a:cs typeface="Calibri"/>
-                <a:sym typeface="Calibri"/>
+                <a:latin typeface="Times New Roman"/>
+                <a:ea typeface="Times New Roman"/>
+                <a:cs typeface="Times New Roman"/>
+                <a:sym typeface="Times New Roman"/>
               </a:rPr>
               <a:t>element</a:t>
             </a:r>
-            <a:endParaRPr b="0" i="0" sz="2400" u="none" cap="none" strike="noStrike">
+            <a:endParaRPr i="0" sz="2400" u="none" cap="none" strike="noStrike">
               <a:solidFill>
                 <a:srgbClr val="000000"/>
               </a:solidFill>
-              <a:latin typeface="Calibri"/>
-              <a:ea typeface="Calibri"/>
-              <a:cs typeface="Calibri"/>
-              <a:sym typeface="Calibri"/>
+              <a:latin typeface="Times New Roman"/>
+              <a:ea typeface="Times New Roman"/>
+              <a:cs typeface="Times New Roman"/>
+              <a:sym typeface="Times New Roman"/>
             </a:endParaRPr>
           </a:p>
           <a:p>
@@ -19789,14 +19769,14 @@
             <a:r>
               <a:t/>
             </a:r>
-            <a:endParaRPr b="0" i="0" sz="3800" u="none" cap="none" strike="noStrike">
+            <a:endParaRPr i="0" sz="3800" u="none" cap="none" strike="noStrike">
               <a:solidFill>
                 <a:srgbClr val="000000"/>
               </a:solidFill>
-              <a:latin typeface="Calibri"/>
-              <a:ea typeface="Calibri"/>
-              <a:cs typeface="Calibri"/>
-              <a:sym typeface="Calibri"/>
+              <a:latin typeface="Times New Roman"/>
+              <a:ea typeface="Times New Roman"/>
+              <a:cs typeface="Times New Roman"/>
+              <a:sym typeface="Times New Roman"/>
             </a:endParaRPr>
           </a:p>
           <a:p>
@@ -19822,33 +19802,33 @@
                 <a:solidFill>
                   <a:srgbClr val="FF0000"/>
                 </a:solidFill>
-                <a:latin typeface="Calibri"/>
-                <a:ea typeface="Calibri"/>
-                <a:cs typeface="Calibri"/>
-                <a:sym typeface="Calibri"/>
+                <a:latin typeface="Times New Roman"/>
+                <a:ea typeface="Times New Roman"/>
+                <a:cs typeface="Times New Roman"/>
+                <a:sym typeface="Times New Roman"/>
               </a:rPr>
               <a:t>Inline-block </a:t>
             </a:r>
             <a:r>
-              <a:rPr b="0" i="0" lang="en" sz="2400" u="none" cap="none" strike="noStrike">
+              <a:rPr i="0" lang="en" sz="2400" u="none" cap="none" strike="noStrike">
                 <a:solidFill>
                   <a:srgbClr val="000000"/>
                 </a:solidFill>
-                <a:latin typeface="Calibri"/>
-                <a:ea typeface="Calibri"/>
-                <a:cs typeface="Calibri"/>
-                <a:sym typeface="Calibri"/>
+                <a:latin typeface="Times New Roman"/>
+                <a:ea typeface="Times New Roman"/>
+                <a:cs typeface="Times New Roman"/>
+                <a:sym typeface="Times New Roman"/>
               </a:rPr>
               <a:t>element</a:t>
             </a:r>
-            <a:endParaRPr b="0" i="0" sz="2400" u="none" cap="none" strike="noStrike">
+            <a:endParaRPr i="0" sz="2400" u="none" cap="none" strike="noStrike">
               <a:solidFill>
                 <a:srgbClr val="000000"/>
               </a:solidFill>
-              <a:latin typeface="Calibri"/>
-              <a:ea typeface="Calibri"/>
-              <a:cs typeface="Calibri"/>
-              <a:sym typeface="Calibri"/>
+              <a:latin typeface="Times New Roman"/>
+              <a:ea typeface="Times New Roman"/>
+              <a:cs typeface="Times New Roman"/>
+              <a:sym typeface="Times New Roman"/>
             </a:endParaRPr>
           </a:p>
         </p:txBody>
@@ -19919,10 +19899,20 @@
               <a:buNone/>
             </a:pPr>
             <a:r>
-              <a:rPr lang="en" sz="3000"/>
+              <a:rPr lang="en" sz="3600">
+                <a:latin typeface="Times New Roman"/>
+                <a:ea typeface="Times New Roman"/>
+                <a:cs typeface="Times New Roman"/>
+                <a:sym typeface="Times New Roman"/>
+              </a:rPr>
               <a:t>Float</a:t>
             </a:r>
-            <a:endParaRPr sz="3000"/>
+            <a:endParaRPr sz="3600">
+              <a:latin typeface="Times New Roman"/>
+              <a:ea typeface="Times New Roman"/>
+              <a:cs typeface="Times New Roman"/>
+              <a:sym typeface="Times New Roman"/>
+            </a:endParaRPr>
           </a:p>
         </p:txBody>
       </p:sp>
@@ -20325,6 +20315,285 @@
 </file>
 
 <file path=ppt/theme/theme1.xml><?xml version="1.0" encoding="utf-8"?>
+<a:theme xmlns:a="http://schemas.openxmlformats.org/drawingml/2006/main" xmlns:r="http://schemas.openxmlformats.org/officeDocument/2006/relationships">
+  <a:themeElements>
+    <a:clrScheme name="Default">
+      <a:dk1>
+        <a:srgbClr val="000000"/>
+      </a:dk1>
+      <a:lt1>
+        <a:srgbClr val="FFFFFF"/>
+      </a:lt1>
+      <a:dk2>
+        <a:srgbClr val="158158"/>
+      </a:dk2>
+      <a:lt2>
+        <a:srgbClr val="F3F3F3"/>
+      </a:lt2>
+      <a:accent1>
+        <a:srgbClr val="058DC7"/>
+      </a:accent1>
+      <a:accent2>
+        <a:srgbClr val="50B432"/>
+      </a:accent2>
+      <a:accent3>
+        <a:srgbClr val="ED561B"/>
+      </a:accent3>
+      <a:accent4>
+        <a:srgbClr val="EDEF00"/>
+      </a:accent4>
+      <a:accent5>
+        <a:srgbClr val="24CBE5"/>
+      </a:accent5>
+      <a:accent6>
+        <a:srgbClr val="64E572"/>
+      </a:accent6>
+      <a:hlink>
+        <a:srgbClr val="2200CC"/>
+      </a:hlink>
+      <a:folHlink>
+        <a:srgbClr val="551A8B"/>
+      </a:folHlink>
+    </a:clrScheme>
+    <a:fontScheme name="Office">
+      <a:majorFont>
+        <a:latin typeface="Arial"/>
+        <a:ea typeface=""/>
+        <a:cs typeface=""/>
+        <a:font script="Jpan" typeface="ＭＳ Ｐゴシック"/>
+        <a:font script="Hang" typeface="맑은 고딕"/>
+        <a:font script="Hans" typeface="宋体"/>
+        <a:font script="Hant" typeface="新細明體"/>
+        <a:font script="Arab" typeface="Times New Roman"/>
+        <a:font script="Hebr" typeface="Times New Roman"/>
+        <a:font script="Thai" typeface="Angsana New"/>
+        <a:font script="Ethi" typeface="Nyala"/>
+        <a:font script="Beng" typeface="Vrinda"/>
+        <a:font script="Gujr" typeface="Shruti"/>
+        <a:font script="Khmr" typeface="MoolBoran"/>
+        <a:font script="Knda" typeface="Tunga"/>
+        <a:font script="Guru" typeface="Raavi"/>
+        <a:font script="Cans" typeface="Euphemia"/>
+        <a:font script="Cher" typeface="Plantagenet Cherokee"/>
+        <a:font script="Yiii" typeface="Microsoft Yi Baiti"/>
+        <a:font script="Tibt" typeface="Microsoft Himalaya"/>
+        <a:font script="Thaa" typeface="MV Boli"/>
+        <a:font script="Deva" typeface="Mangal"/>
+        <a:font script="Telu" typeface="Gautami"/>
+        <a:font script="Taml" typeface="Latha"/>
+        <a:font script="Syrc" typeface="Estrangelo Edessa"/>
+        <a:font script="Orya" typeface="Kalinga"/>
+        <a:font script="Mlym" typeface="Kartika"/>
+        <a:font script="Laoo" typeface="DokChampa"/>
+        <a:font script="Sinh" typeface="Iskoola Pota"/>
+        <a:font script="Mong" typeface="Mongolian Baiti"/>
+        <a:font script="Viet" typeface="Times New Roman"/>
+        <a:font script="Uigh" typeface="Microsoft Uighur"/>
+        <a:font script="Geor" typeface="Sylfaen"/>
+      </a:majorFont>
+      <a:minorFont>
+        <a:latin typeface="Arial"/>
+        <a:ea typeface=""/>
+        <a:cs typeface=""/>
+        <a:font script="Jpan" typeface="ＭＳ Ｐゴシック"/>
+        <a:font script="Hang" typeface="맑은 고딕"/>
+        <a:font script="Hans" typeface="宋体"/>
+        <a:font script="Hant" typeface="新細明體"/>
+        <a:font script="Arab" typeface="Arial"/>
+        <a:font script="Hebr" typeface="Arial"/>
+        <a:font script="Thai" typeface="Cordia New"/>
+        <a:font script="Ethi" typeface="Nyala"/>
+        <a:font script="Beng" typeface="Vrinda"/>
+        <a:font script="Gujr" typeface="Shruti"/>
+        <a:font script="Khmr" typeface="DaunPenh"/>
+        <a:font script="Knda" typeface="Tunga"/>
+        <a:font script="Guru" typeface="Raavi"/>
+        <a:font script="Cans" typeface="Euphemia"/>
+        <a:font script="Cher" typeface="Plantagenet Cherokee"/>
+        <a:font script="Yiii" typeface="Microsoft Yi Baiti"/>
+        <a:font script="Tibt" typeface="Microsoft Himalaya"/>
+        <a:font script="Thaa" typeface="MV Boli"/>
+        <a:font script="Deva" typeface="Mangal"/>
+        <a:font script="Telu" typeface="Gautami"/>
+        <a:font script="Taml" typeface="Latha"/>
+        <a:font script="Syrc" typeface="Estrangelo Edessa"/>
+        <a:font script="Orya" typeface="Kalinga"/>
+        <a:font script="Mlym" typeface="Kartika"/>
+        <a:font script="Laoo" typeface="DokChampa"/>
+        <a:font script="Sinh" typeface="Iskoola Pota"/>
+        <a:font script="Mong" typeface="Mongolian Baiti"/>
+        <a:font script="Viet" typeface="Arial"/>
+        <a:font script="Uigh" typeface="Microsoft Uighur"/>
+        <a:font script="Geor" typeface="Sylfaen"/>
+      </a:minorFont>
+    </a:fontScheme>
+    <a:fmtScheme name="Office">
+      <a:fillStyleLst>
+        <a:solidFill>
+          <a:schemeClr val="phClr"/>
+        </a:solidFill>
+        <a:gradFill rotWithShape="1">
+          <a:gsLst>
+            <a:gs pos="0">
+              <a:schemeClr val="phClr">
+                <a:tint val="50000"/>
+                <a:satMod val="300000"/>
+              </a:schemeClr>
+            </a:gs>
+            <a:gs pos="35000">
+              <a:schemeClr val="phClr">
+                <a:tint val="37000"/>
+                <a:satMod val="300000"/>
+              </a:schemeClr>
+            </a:gs>
+            <a:gs pos="100000">
+              <a:schemeClr val="phClr">
+                <a:tint val="15000"/>
+                <a:satMod val="350000"/>
+              </a:schemeClr>
+            </a:gs>
+          </a:gsLst>
+          <a:lin ang="16200000" scaled="1"/>
+        </a:gradFill>
+        <a:gradFill rotWithShape="1">
+          <a:gsLst>
+            <a:gs pos="0">
+              <a:schemeClr val="phClr">
+                <a:tint val="100000"/>
+                <a:shade val="100000"/>
+                <a:satMod val="130000"/>
+              </a:schemeClr>
+            </a:gs>
+            <a:gs pos="100000">
+              <a:schemeClr val="phClr">
+                <a:tint val="50000"/>
+                <a:shade val="100000"/>
+                <a:satMod val="350000"/>
+              </a:schemeClr>
+            </a:gs>
+          </a:gsLst>
+          <a:lin ang="16200000" scaled="0"/>
+        </a:gradFill>
+      </a:fillStyleLst>
+      <a:lnStyleLst>
+        <a:ln w="9525" cap="flat" cmpd="sng" algn="ctr">
+          <a:solidFill>
+            <a:schemeClr val="phClr">
+              <a:shade val="95000"/>
+              <a:satMod val="105000"/>
+            </a:schemeClr>
+          </a:solidFill>
+          <a:prstDash val="solid"/>
+        </a:ln>
+        <a:ln w="25400" cap="flat" cmpd="sng" algn="ctr">
+          <a:solidFill>
+            <a:schemeClr val="phClr"/>
+          </a:solidFill>
+          <a:prstDash val="solid"/>
+        </a:ln>
+        <a:ln w="38100" cap="flat" cmpd="sng" algn="ctr">
+          <a:solidFill>
+            <a:schemeClr val="phClr"/>
+          </a:solidFill>
+          <a:prstDash val="solid"/>
+        </a:ln>
+      </a:lnStyleLst>
+      <a:effectStyleLst>
+        <a:effectStyle>
+          <a:effectLst>
+            <a:outerShdw blurRad="40000" dist="20000" dir="5400000" rotWithShape="0">
+              <a:srgbClr val="000000">
+                <a:alpha val="38000"/>
+              </a:srgbClr>
+            </a:outerShdw>
+          </a:effectLst>
+        </a:effectStyle>
+        <a:effectStyle>
+          <a:effectLst>
+            <a:outerShdw blurRad="40000" dist="23000" dir="5400000" rotWithShape="0">
+              <a:srgbClr val="000000">
+                <a:alpha val="35000"/>
+              </a:srgbClr>
+            </a:outerShdw>
+          </a:effectLst>
+        </a:effectStyle>
+        <a:effectStyle>
+          <a:effectLst>
+            <a:outerShdw blurRad="40000" dist="23000" dir="5400000" rotWithShape="0">
+              <a:srgbClr val="000000">
+                <a:alpha val="35000"/>
+              </a:srgbClr>
+            </a:outerShdw>
+          </a:effectLst>
+          <a:scene3d>
+            <a:camera prst="orthographicFront">
+              <a:rot lat="0" lon="0" rev="0"/>
+            </a:camera>
+            <a:lightRig rig="threePt" dir="t">
+              <a:rot lat="0" lon="0" rev="1200000"/>
+            </a:lightRig>
+          </a:scene3d>
+          <a:sp3d>
+            <a:bevelT w="63500" h="25400"/>
+          </a:sp3d>
+        </a:effectStyle>
+      </a:effectStyleLst>
+      <a:bgFillStyleLst>
+        <a:solidFill>
+          <a:schemeClr val="phClr"/>
+        </a:solidFill>
+        <a:gradFill rotWithShape="1">
+          <a:gsLst>
+            <a:gs pos="0">
+              <a:schemeClr val="phClr">
+                <a:tint val="40000"/>
+                <a:satMod val="350000"/>
+              </a:schemeClr>
+            </a:gs>
+            <a:gs pos="40000">
+              <a:schemeClr val="phClr">
+                <a:tint val="45000"/>
+                <a:shade val="99000"/>
+                <a:satMod val="350000"/>
+              </a:schemeClr>
+            </a:gs>
+            <a:gs pos="100000">
+              <a:schemeClr val="phClr">
+                <a:shade val="20000"/>
+                <a:satMod val="255000"/>
+              </a:schemeClr>
+            </a:gs>
+          </a:gsLst>
+          <a:path path="circle">
+            <a:fillToRect l="50000" t="-80000" r="50000" b="180000"/>
+          </a:path>
+        </a:gradFill>
+        <a:gradFill rotWithShape="1">
+          <a:gsLst>
+            <a:gs pos="0">
+              <a:schemeClr val="phClr">
+                <a:tint val="80000"/>
+                <a:satMod val="300000"/>
+              </a:schemeClr>
+            </a:gs>
+            <a:gs pos="100000">
+              <a:schemeClr val="phClr">
+                <a:shade val="30000"/>
+                <a:satMod val="200000"/>
+              </a:schemeClr>
+            </a:gs>
+          </a:gsLst>
+          <a:path path="circle">
+            <a:fillToRect l="50000" t="50000" r="50000" b="50000"/>
+          </a:path>
+        </a:gradFill>
+      </a:bgFillStyleLst>
+    </a:fmtScheme>
+  </a:themeElements>
+</a:theme>
+</file>
+
+<file path=ppt/theme/theme2.xml><?xml version="1.0" encoding="utf-8"?>
 <a:theme xmlns:a="http://schemas.openxmlformats.org/drawingml/2006/main" xmlns:r="http://schemas.openxmlformats.org/officeDocument/2006/relationships" name="Simple Light">
   <a:themeElements>
     <a:clrScheme name="Simple Light">
@@ -20601,283 +20870,4 @@
     </a:fmtScheme>
   </a:themeElements>
 </a:theme>
-</file>
-
-<file path=ppt/theme/theme2.xml><?xml version="1.0" encoding="utf-8"?>
-<a:theme xmlns:a="http://schemas.openxmlformats.org/drawingml/2006/main" xmlns:r="http://schemas.openxmlformats.org/officeDocument/2006/relationships">
-  <a:themeElements>
-    <a:clrScheme name="Default">
-      <a:dk1>
-        <a:srgbClr val="000000"/>
-      </a:dk1>
-      <a:lt1>
-        <a:srgbClr val="FFFFFF"/>
-      </a:lt1>
-      <a:dk2>
-        <a:srgbClr val="158158"/>
-      </a:dk2>
-      <a:lt2>
-        <a:srgbClr val="F3F3F3"/>
-      </a:lt2>
-      <a:accent1>
-        <a:srgbClr val="058DC7"/>
-      </a:accent1>
-      <a:accent2>
-        <a:srgbClr val="50B432"/>
-      </a:accent2>
-      <a:accent3>
-        <a:srgbClr val="ED561B"/>
-      </a:accent3>
-      <a:accent4>
-        <a:srgbClr val="EDEF00"/>
-      </a:accent4>
-      <a:accent5>
-        <a:srgbClr val="24CBE5"/>
-      </a:accent5>
-      <a:accent6>
-        <a:srgbClr val="64E572"/>
-      </a:accent6>
-      <a:hlink>
-        <a:srgbClr val="2200CC"/>
-      </a:hlink>
-      <a:folHlink>
-        <a:srgbClr val="551A8B"/>
-      </a:folHlink>
-    </a:clrScheme>
-    <a:fontScheme name="Office">
-      <a:majorFont>
-        <a:latin typeface="Arial"/>
-        <a:ea typeface=""/>
-        <a:cs typeface=""/>
-        <a:font script="Jpan" typeface="ＭＳ Ｐゴシック"/>
-        <a:font script="Hang" typeface="맑은 고딕"/>
-        <a:font script="Hans" typeface="宋体"/>
-        <a:font script="Hant" typeface="新細明體"/>
-        <a:font script="Arab" typeface="Times New Roman"/>
-        <a:font script="Hebr" typeface="Times New Roman"/>
-        <a:font script="Thai" typeface="Angsana New"/>
-        <a:font script="Ethi" typeface="Nyala"/>
-        <a:font script="Beng" typeface="Vrinda"/>
-        <a:font script="Gujr" typeface="Shruti"/>
-        <a:font script="Khmr" typeface="MoolBoran"/>
-        <a:font script="Knda" typeface="Tunga"/>
-        <a:font script="Guru" typeface="Raavi"/>
-        <a:font script="Cans" typeface="Euphemia"/>
-        <a:font script="Cher" typeface="Plantagenet Cherokee"/>
-        <a:font script="Yiii" typeface="Microsoft Yi Baiti"/>
-        <a:font script="Tibt" typeface="Microsoft Himalaya"/>
-        <a:font script="Thaa" typeface="MV Boli"/>
-        <a:font script="Deva" typeface="Mangal"/>
-        <a:font script="Telu" typeface="Gautami"/>
-        <a:font script="Taml" typeface="Latha"/>
-        <a:font script="Syrc" typeface="Estrangelo Edessa"/>
-        <a:font script="Orya" typeface="Kalinga"/>
-        <a:font script="Mlym" typeface="Kartika"/>
-        <a:font script="Laoo" typeface="DokChampa"/>
-        <a:font script="Sinh" typeface="Iskoola Pota"/>
-        <a:font script="Mong" typeface="Mongolian Baiti"/>
-        <a:font script="Viet" typeface="Times New Roman"/>
-        <a:font script="Uigh" typeface="Microsoft Uighur"/>
-        <a:font script="Geor" typeface="Sylfaen"/>
-      </a:majorFont>
-      <a:minorFont>
-        <a:latin typeface="Arial"/>
-        <a:ea typeface=""/>
-        <a:cs typeface=""/>
-        <a:font script="Jpan" typeface="ＭＳ Ｐゴシック"/>
-        <a:font script="Hang" typeface="맑은 고딕"/>
-        <a:font script="Hans" typeface="宋体"/>
-        <a:font script="Hant" typeface="新細明體"/>
-        <a:font script="Arab" typeface="Arial"/>
-        <a:font script="Hebr" typeface="Arial"/>
-        <a:font script="Thai" typeface="Cordia New"/>
-        <a:font script="Ethi" typeface="Nyala"/>
-        <a:font script="Beng" typeface="Vrinda"/>
-        <a:font script="Gujr" typeface="Shruti"/>
-        <a:font script="Khmr" typeface="DaunPenh"/>
-        <a:font script="Knda" typeface="Tunga"/>
-        <a:font script="Guru" typeface="Raavi"/>
-        <a:font script="Cans" typeface="Euphemia"/>
-        <a:font script="Cher" typeface="Plantagenet Cherokee"/>
-        <a:font script="Yiii" typeface="Microsoft Yi Baiti"/>
-        <a:font script="Tibt" typeface="Microsoft Himalaya"/>
-        <a:font script="Thaa" typeface="MV Boli"/>
-        <a:font script="Deva" typeface="Mangal"/>
-        <a:font script="Telu" typeface="Gautami"/>
-        <a:font script="Taml" typeface="Latha"/>
-        <a:font script="Syrc" typeface="Estrangelo Edessa"/>
-        <a:font script="Orya" typeface="Kalinga"/>
-        <a:font script="Mlym" typeface="Kartika"/>
-        <a:font script="Laoo" typeface="DokChampa"/>
-        <a:font script="Sinh" typeface="Iskoola Pota"/>
-        <a:font script="Mong" typeface="Mongolian Baiti"/>
-        <a:font script="Viet" typeface="Arial"/>
-        <a:font script="Uigh" typeface="Microsoft Uighur"/>
-        <a:font script="Geor" typeface="Sylfaen"/>
-      </a:minorFont>
-    </a:fontScheme>
-    <a:fmtScheme name="Office">
-      <a:fillStyleLst>
-        <a:solidFill>
-          <a:schemeClr val="phClr"/>
-        </a:solidFill>
-        <a:gradFill rotWithShape="1">
-          <a:gsLst>
-            <a:gs pos="0">
-              <a:schemeClr val="phClr">
-                <a:tint val="50000"/>
-                <a:satMod val="300000"/>
-              </a:schemeClr>
-            </a:gs>
-            <a:gs pos="35000">
-              <a:schemeClr val="phClr">
-                <a:tint val="37000"/>
-                <a:satMod val="300000"/>
-              </a:schemeClr>
-            </a:gs>
-            <a:gs pos="100000">
-              <a:schemeClr val="phClr">
-                <a:tint val="15000"/>
-                <a:satMod val="350000"/>
-              </a:schemeClr>
-            </a:gs>
-          </a:gsLst>
-          <a:lin ang="16200000" scaled="1"/>
-        </a:gradFill>
-        <a:gradFill rotWithShape="1">
-          <a:gsLst>
-            <a:gs pos="0">
-              <a:schemeClr val="phClr">
-                <a:tint val="100000"/>
-                <a:shade val="100000"/>
-                <a:satMod val="130000"/>
-              </a:schemeClr>
-            </a:gs>
-            <a:gs pos="100000">
-              <a:schemeClr val="phClr">
-                <a:tint val="50000"/>
-                <a:shade val="100000"/>
-                <a:satMod val="350000"/>
-              </a:schemeClr>
-            </a:gs>
-          </a:gsLst>
-          <a:lin ang="16200000" scaled="0"/>
-        </a:gradFill>
-      </a:fillStyleLst>
-      <a:lnStyleLst>
-        <a:ln w="9525" cap="flat" cmpd="sng" algn="ctr">
-          <a:solidFill>
-            <a:schemeClr val="phClr">
-              <a:shade val="95000"/>
-              <a:satMod val="105000"/>
-            </a:schemeClr>
-          </a:solidFill>
-          <a:prstDash val="solid"/>
-        </a:ln>
-        <a:ln w="25400" cap="flat" cmpd="sng" algn="ctr">
-          <a:solidFill>
-            <a:schemeClr val="phClr"/>
-          </a:solidFill>
-          <a:prstDash val="solid"/>
-        </a:ln>
-        <a:ln w="38100" cap="flat" cmpd="sng" algn="ctr">
-          <a:solidFill>
-            <a:schemeClr val="phClr"/>
-          </a:solidFill>
-          <a:prstDash val="solid"/>
-        </a:ln>
-      </a:lnStyleLst>
-      <a:effectStyleLst>
-        <a:effectStyle>
-          <a:effectLst>
-            <a:outerShdw blurRad="40000" dist="20000" dir="5400000" rotWithShape="0">
-              <a:srgbClr val="000000">
-                <a:alpha val="38000"/>
-              </a:srgbClr>
-            </a:outerShdw>
-          </a:effectLst>
-        </a:effectStyle>
-        <a:effectStyle>
-          <a:effectLst>
-            <a:outerShdw blurRad="40000" dist="23000" dir="5400000" rotWithShape="0">
-              <a:srgbClr val="000000">
-                <a:alpha val="35000"/>
-              </a:srgbClr>
-            </a:outerShdw>
-          </a:effectLst>
-        </a:effectStyle>
-        <a:effectStyle>
-          <a:effectLst>
-            <a:outerShdw blurRad="40000" dist="23000" dir="5400000" rotWithShape="0">
-              <a:srgbClr val="000000">
-                <a:alpha val="35000"/>
-              </a:srgbClr>
-            </a:outerShdw>
-          </a:effectLst>
-          <a:scene3d>
-            <a:camera prst="orthographicFront">
-              <a:rot lat="0" lon="0" rev="0"/>
-            </a:camera>
-            <a:lightRig rig="threePt" dir="t">
-              <a:rot lat="0" lon="0" rev="1200000"/>
-            </a:lightRig>
-          </a:scene3d>
-          <a:sp3d>
-            <a:bevelT w="63500" h="25400"/>
-          </a:sp3d>
-        </a:effectStyle>
-      </a:effectStyleLst>
-      <a:bgFillStyleLst>
-        <a:solidFill>
-          <a:schemeClr val="phClr"/>
-        </a:solidFill>
-        <a:gradFill rotWithShape="1">
-          <a:gsLst>
-            <a:gs pos="0">
-              <a:schemeClr val="phClr">
-                <a:tint val="40000"/>
-                <a:satMod val="350000"/>
-              </a:schemeClr>
-            </a:gs>
-            <a:gs pos="40000">
-              <a:schemeClr val="phClr">
-                <a:tint val="45000"/>
-                <a:shade val="99000"/>
-                <a:satMod val="350000"/>
-              </a:schemeClr>
-            </a:gs>
-            <a:gs pos="100000">
-              <a:schemeClr val="phClr">
-                <a:shade val="20000"/>
-                <a:satMod val="255000"/>
-              </a:schemeClr>
-            </a:gs>
-          </a:gsLst>
-          <a:path path="circle">
-            <a:fillToRect l="50000" t="-80000" r="50000" b="180000"/>
-          </a:path>
-        </a:gradFill>
-        <a:gradFill rotWithShape="1">
-          <a:gsLst>
-            <a:gs pos="0">
-              <a:schemeClr val="phClr">
-                <a:tint val="80000"/>
-                <a:satMod val="300000"/>
-              </a:schemeClr>
-            </a:gs>
-            <a:gs pos="100000">
-              <a:schemeClr val="phClr">
-                <a:shade val="30000"/>
-                <a:satMod val="200000"/>
-              </a:schemeClr>
-            </a:gs>
-          </a:gsLst>
-          <a:path path="circle">
-            <a:fillToRect l="50000" t="50000" r="50000" b="50000"/>
-          </a:path>
-        </a:gradFill>
-      </a:bgFillStyleLst>
-    </a:fmtScheme>
-  </a:themeElements>
-</a:theme>
 </file>
--- a/CSCI-111/week-4/week-4-lecture.pptx
+++ b/CSCI-111/week-4/week-4-lecture.pptx
@@ -12272,7 +12272,7 @@
               <a:buNone/>
             </a:pPr>
             <a:r>
-              <a:rPr lang="en" sz="3000">
+              <a:rPr lang="en" sz="3600">
                 <a:latin typeface="Times New Roman"/>
                 <a:ea typeface="Times New Roman"/>
                 <a:cs typeface="Times New Roman"/>
@@ -12280,7 +12280,7 @@
               </a:rPr>
               <a:t>Position</a:t>
             </a:r>
-            <a:endParaRPr sz="3000">
+            <a:endParaRPr sz="3600">
               <a:latin typeface="Times New Roman"/>
               <a:ea typeface="Times New Roman"/>
               <a:cs typeface="Times New Roman"/>
@@ -12969,10 +12969,20 @@
               <a:buNone/>
             </a:pPr>
             <a:r>
-              <a:rPr lang="en" sz="3000"/>
+              <a:rPr lang="en" sz="3600">
+                <a:latin typeface="Times New Roman"/>
+                <a:ea typeface="Times New Roman"/>
+                <a:cs typeface="Times New Roman"/>
+                <a:sym typeface="Times New Roman"/>
+              </a:rPr>
               <a:t>Position</a:t>
             </a:r>
-            <a:endParaRPr sz="3000"/>
+            <a:endParaRPr sz="3600">
+              <a:latin typeface="Times New Roman"/>
+              <a:ea typeface="Times New Roman"/>
+              <a:cs typeface="Times New Roman"/>
+              <a:sym typeface="Times New Roman"/>
+            </a:endParaRPr>
           </a:p>
         </p:txBody>
       </p:sp>
@@ -20315,6 +20325,285 @@
 </file>
 
 <file path=ppt/theme/theme1.xml><?xml version="1.0" encoding="utf-8"?>
+<a:theme xmlns:a="http://schemas.openxmlformats.org/drawingml/2006/main" xmlns:r="http://schemas.openxmlformats.org/officeDocument/2006/relationships" name="Simple Light">
+  <a:themeElements>
+    <a:clrScheme name="Simple Light">
+      <a:dk1>
+        <a:srgbClr val="000000"/>
+      </a:dk1>
+      <a:lt1>
+        <a:srgbClr val="FFFFFF"/>
+      </a:lt1>
+      <a:dk2>
+        <a:srgbClr val="595959"/>
+      </a:dk2>
+      <a:lt2>
+        <a:srgbClr val="EEEEEE"/>
+      </a:lt2>
+      <a:accent1>
+        <a:srgbClr val="4285F4"/>
+      </a:accent1>
+      <a:accent2>
+        <a:srgbClr val="212121"/>
+      </a:accent2>
+      <a:accent3>
+        <a:srgbClr val="78909C"/>
+      </a:accent3>
+      <a:accent4>
+        <a:srgbClr val="FFAB40"/>
+      </a:accent4>
+      <a:accent5>
+        <a:srgbClr val="0097A7"/>
+      </a:accent5>
+      <a:accent6>
+        <a:srgbClr val="EEFF41"/>
+      </a:accent6>
+      <a:hlink>
+        <a:srgbClr val="0097A7"/>
+      </a:hlink>
+      <a:folHlink>
+        <a:srgbClr val="0097A7"/>
+      </a:folHlink>
+    </a:clrScheme>
+    <a:fontScheme name="Office">
+      <a:majorFont>
+        <a:latin typeface="Arial"/>
+        <a:ea typeface=""/>
+        <a:cs typeface=""/>
+        <a:font script="Jpan" typeface="ＭＳ Ｐゴシック"/>
+        <a:font script="Hang" typeface="맑은 고딕"/>
+        <a:font script="Hans" typeface="宋体"/>
+        <a:font script="Hant" typeface="新細明體"/>
+        <a:font script="Arab" typeface="Times New Roman"/>
+        <a:font script="Hebr" typeface="Times New Roman"/>
+        <a:font script="Thai" typeface="Angsana New"/>
+        <a:font script="Ethi" typeface="Nyala"/>
+        <a:font script="Beng" typeface="Vrinda"/>
+        <a:font script="Gujr" typeface="Shruti"/>
+        <a:font script="Khmr" typeface="MoolBoran"/>
+        <a:font script="Knda" typeface="Tunga"/>
+        <a:font script="Guru" typeface="Raavi"/>
+        <a:font script="Cans" typeface="Euphemia"/>
+        <a:font script="Cher" typeface="Plantagenet Cherokee"/>
+        <a:font script="Yiii" typeface="Microsoft Yi Baiti"/>
+        <a:font script="Tibt" typeface="Microsoft Himalaya"/>
+        <a:font script="Thaa" typeface="MV Boli"/>
+        <a:font script="Deva" typeface="Mangal"/>
+        <a:font script="Telu" typeface="Gautami"/>
+        <a:font script="Taml" typeface="Latha"/>
+        <a:font script="Syrc" typeface="Estrangelo Edessa"/>
+        <a:font script="Orya" typeface="Kalinga"/>
+        <a:font script="Mlym" typeface="Kartika"/>
+        <a:font script="Laoo" typeface="DokChampa"/>
+        <a:font script="Sinh" typeface="Iskoola Pota"/>
+        <a:font script="Mong" typeface="Mongolian Baiti"/>
+        <a:font script="Viet" typeface="Times New Roman"/>
+        <a:font script="Uigh" typeface="Microsoft Uighur"/>
+        <a:font script="Geor" typeface="Sylfaen"/>
+      </a:majorFont>
+      <a:minorFont>
+        <a:latin typeface="Arial"/>
+        <a:ea typeface=""/>
+        <a:cs typeface=""/>
+        <a:font script="Jpan" typeface="ＭＳ Ｐゴシック"/>
+        <a:font script="Hang" typeface="맑은 고딕"/>
+        <a:font script="Hans" typeface="宋体"/>
+        <a:font script="Hant" typeface="新細明體"/>
+        <a:font script="Arab" typeface="Arial"/>
+        <a:font script="Hebr" typeface="Arial"/>
+        <a:font script="Thai" typeface="Cordia New"/>
+        <a:font script="Ethi" typeface="Nyala"/>
+        <a:font script="Beng" typeface="Vrinda"/>
+        <a:font script="Gujr" typeface="Shruti"/>
+        <a:font script="Khmr" typeface="DaunPenh"/>
+        <a:font script="Knda" typeface="Tunga"/>
+        <a:font script="Guru" typeface="Raavi"/>
+        <a:font script="Cans" typeface="Euphemia"/>
+        <a:font script="Cher" typeface="Plantagenet Cherokee"/>
+        <a:font script="Yiii" typeface="Microsoft Yi Baiti"/>
+        <a:font script="Tibt" typeface="Microsoft Himalaya"/>
+        <a:font script="Thaa" typeface="MV Boli"/>
+        <a:font script="Deva" typeface="Mangal"/>
+        <a:font script="Telu" typeface="Gautami"/>
+        <a:font script="Taml" typeface="Latha"/>
+        <a:font script="Syrc" typeface="Estrangelo Edessa"/>
+        <a:font script="Orya" typeface="Kalinga"/>
+        <a:font script="Mlym" typeface="Kartika"/>
+        <a:font script="Laoo" typeface="DokChampa"/>
+        <a:font script="Sinh" typeface="Iskoola Pota"/>
+        <a:font script="Mong" typeface="Mongolian Baiti"/>
+        <a:font script="Viet" typeface="Arial"/>
+        <a:font script="Uigh" typeface="Microsoft Uighur"/>
+        <a:font script="Geor" typeface="Sylfaen"/>
+      </a:minorFont>
+    </a:fontScheme>
+    <a:fmtScheme name="Office">
+      <a:fillStyleLst>
+        <a:solidFill>
+          <a:schemeClr val="phClr"/>
+        </a:solidFill>
+        <a:gradFill rotWithShape="1">
+          <a:gsLst>
+            <a:gs pos="0">
+              <a:schemeClr val="phClr">
+                <a:tint val="50000"/>
+                <a:satMod val="300000"/>
+              </a:schemeClr>
+            </a:gs>
+            <a:gs pos="35000">
+              <a:schemeClr val="phClr">
+                <a:tint val="37000"/>
+                <a:satMod val="300000"/>
+              </a:schemeClr>
+            </a:gs>
+            <a:gs pos="100000">
+              <a:schemeClr val="phClr">
+                <a:tint val="15000"/>
+                <a:satMod val="350000"/>
+              </a:schemeClr>
+            </a:gs>
+          </a:gsLst>
+          <a:lin ang="16200000" scaled="1"/>
+        </a:gradFill>
+        <a:gradFill rotWithShape="1">
+          <a:gsLst>
+            <a:gs pos="0">
+              <a:schemeClr val="phClr">
+                <a:tint val="100000"/>
+                <a:shade val="100000"/>
+                <a:satMod val="130000"/>
+              </a:schemeClr>
+            </a:gs>
+            <a:gs pos="100000">
+              <a:schemeClr val="phClr">
+                <a:tint val="50000"/>
+                <a:shade val="100000"/>
+                <a:satMod val="350000"/>
+              </a:schemeClr>
+            </a:gs>
+          </a:gsLst>
+          <a:lin ang="16200000" scaled="0"/>
+        </a:gradFill>
+      </a:fillStyleLst>
+      <a:lnStyleLst>
+        <a:ln w="9525" cap="flat" cmpd="sng" algn="ctr">
+          <a:solidFill>
+            <a:schemeClr val="phClr">
+              <a:shade val="95000"/>
+              <a:satMod val="105000"/>
+            </a:schemeClr>
+          </a:solidFill>
+          <a:prstDash val="solid"/>
+        </a:ln>
+        <a:ln w="25400" cap="flat" cmpd="sng" algn="ctr">
+          <a:solidFill>
+            <a:schemeClr val="phClr"/>
+          </a:solidFill>
+          <a:prstDash val="solid"/>
+        </a:ln>
+        <a:ln w="38100" cap="flat" cmpd="sng" algn="ctr">
+          <a:solidFill>
+            <a:schemeClr val="phClr"/>
+          </a:solidFill>
+          <a:prstDash val="solid"/>
+        </a:ln>
+      </a:lnStyleLst>
+      <a:effectStyleLst>
+        <a:effectStyle>
+          <a:effectLst>
+            <a:outerShdw blurRad="40000" dist="20000" dir="5400000" rotWithShape="0">
+              <a:srgbClr val="000000">
+                <a:alpha val="38000"/>
+              </a:srgbClr>
+            </a:outerShdw>
+          </a:effectLst>
+        </a:effectStyle>
+        <a:effectStyle>
+          <a:effectLst>
+            <a:outerShdw blurRad="40000" dist="23000" dir="5400000" rotWithShape="0">
+              <a:srgbClr val="000000">
+                <a:alpha val="35000"/>
+              </a:srgbClr>
+            </a:outerShdw>
+          </a:effectLst>
+        </a:effectStyle>
+        <a:effectStyle>
+          <a:effectLst>
+            <a:outerShdw blurRad="40000" dist="23000" dir="5400000" rotWithShape="0">
+              <a:srgbClr val="000000">
+                <a:alpha val="35000"/>
+              </a:srgbClr>
+            </a:outerShdw>
+          </a:effectLst>
+          <a:scene3d>
+            <a:camera prst="orthographicFront">
+              <a:rot lat="0" lon="0" rev="0"/>
+            </a:camera>
+            <a:lightRig rig="threePt" dir="t">
+              <a:rot lat="0" lon="0" rev="1200000"/>
+            </a:lightRig>
+          </a:scene3d>
+          <a:sp3d>
+            <a:bevelT w="63500" h="25400"/>
+          </a:sp3d>
+        </a:effectStyle>
+      </a:effectStyleLst>
+      <a:bgFillStyleLst>
+        <a:solidFill>
+          <a:schemeClr val="phClr"/>
+        </a:solidFill>
+        <a:gradFill rotWithShape="1">
+          <a:gsLst>
+            <a:gs pos="0">
+              <a:schemeClr val="phClr">
+                <a:tint val="40000"/>
+                <a:satMod val="350000"/>
+              </a:schemeClr>
+            </a:gs>
+            <a:gs pos="40000">
+              <a:schemeClr val="phClr">
+                <a:tint val="45000"/>
+                <a:shade val="99000"/>
+                <a:satMod val="350000"/>
+              </a:schemeClr>
+            </a:gs>
+            <a:gs pos="100000">
+              <a:schemeClr val="phClr">
+                <a:shade val="20000"/>
+                <a:satMod val="255000"/>
+              </a:schemeClr>
+            </a:gs>
+          </a:gsLst>
+          <a:path path="circle">
+            <a:fillToRect l="50000" t="-80000" r="50000" b="180000"/>
+          </a:path>
+        </a:gradFill>
+        <a:gradFill rotWithShape="1">
+          <a:gsLst>
+            <a:gs pos="0">
+              <a:schemeClr val="phClr">
+                <a:tint val="80000"/>
+                <a:satMod val="300000"/>
+              </a:schemeClr>
+            </a:gs>
+            <a:gs pos="100000">
+              <a:schemeClr val="phClr">
+                <a:shade val="30000"/>
+                <a:satMod val="200000"/>
+              </a:schemeClr>
+            </a:gs>
+          </a:gsLst>
+          <a:path path="circle">
+            <a:fillToRect l="50000" t="50000" r="50000" b="50000"/>
+          </a:path>
+        </a:gradFill>
+      </a:bgFillStyleLst>
+    </a:fmtScheme>
+  </a:themeElements>
+</a:theme>
+</file>
+
+<file path=ppt/theme/theme2.xml><?xml version="1.0" encoding="utf-8"?>
 <a:theme xmlns:a="http://schemas.openxmlformats.org/drawingml/2006/main" xmlns:r="http://schemas.openxmlformats.org/officeDocument/2006/relationships">
   <a:themeElements>
     <a:clrScheme name="Default">
@@ -20591,283 +20880,4 @@
     </a:fmtScheme>
   </a:themeElements>
 </a:theme>
-</file>
-
-<file path=ppt/theme/theme2.xml><?xml version="1.0" encoding="utf-8"?>
-<a:theme xmlns:a="http://schemas.openxmlformats.org/drawingml/2006/main" xmlns:r="http://schemas.openxmlformats.org/officeDocument/2006/relationships" name="Simple Light">
-  <a:themeElements>
-    <a:clrScheme name="Simple Light">
-      <a:dk1>
-        <a:srgbClr val="000000"/>
-      </a:dk1>
-      <a:lt1>
-        <a:srgbClr val="FFFFFF"/>
-      </a:lt1>
-      <a:dk2>
-        <a:srgbClr val="595959"/>
-      </a:dk2>
-      <a:lt2>
-        <a:srgbClr val="EEEEEE"/>
-      </a:lt2>
-      <a:accent1>
-        <a:srgbClr val="4285F4"/>
-      </a:accent1>
-      <a:accent2>
-        <a:srgbClr val="212121"/>
-      </a:accent2>
-      <a:accent3>
-        <a:srgbClr val="78909C"/>
-      </a:accent3>
-      <a:accent4>
-        <a:srgbClr val="FFAB40"/>
-      </a:accent4>
-      <a:accent5>
-        <a:srgbClr val="0097A7"/>
-      </a:accent5>
-      <a:accent6>
-        <a:srgbClr val="EEFF41"/>
-      </a:accent6>
-      <a:hlink>
-        <a:srgbClr val="0097A7"/>
-      </a:hlink>
-      <a:folHlink>
-        <a:srgbClr val="0097A7"/>
-      </a:folHlink>
-    </a:clrScheme>
-    <a:fontScheme name="Office">
-      <a:majorFont>
-        <a:latin typeface="Arial"/>
-        <a:ea typeface=""/>
-        <a:cs typeface=""/>
-        <a:font script="Jpan" typeface="ＭＳ Ｐゴシック"/>
-        <a:font script="Hang" typeface="맑은 고딕"/>
-        <a:font script="Hans" typeface="宋体"/>
-        <a:font script="Hant" typeface="新細明體"/>
-        <a:font script="Arab" typeface="Times New Roman"/>
-        <a:font script="Hebr" typeface="Times New Roman"/>
-        <a:font script="Thai" typeface="Angsana New"/>
-        <a:font script="Ethi" typeface="Nyala"/>
-        <a:font script="Beng" typeface="Vrinda"/>
-        <a:font script="Gujr" typeface="Shruti"/>
-        <a:font script="Khmr" typeface="MoolBoran"/>
-        <a:font script="Knda" typeface="Tunga"/>
-        <a:font script="Guru" typeface="Raavi"/>
-        <a:font script="Cans" typeface="Euphemia"/>
-        <a:font script="Cher" typeface="Plantagenet Cherokee"/>
-        <a:font script="Yiii" typeface="Microsoft Yi Baiti"/>
-        <a:font script="Tibt" typeface="Microsoft Himalaya"/>
-        <a:font script="Thaa" typeface="MV Boli"/>
-        <a:font script="Deva" typeface="Mangal"/>
-        <a:font script="Telu" typeface="Gautami"/>
-        <a:font script="Taml" typeface="Latha"/>
-        <a:font script="Syrc" typeface="Estrangelo Edessa"/>
-        <a:font script="Orya" typeface="Kalinga"/>
-        <a:font script="Mlym" typeface="Kartika"/>
-        <a:font script="Laoo" typeface="DokChampa"/>
-        <a:font script="Sinh" typeface="Iskoola Pota"/>
-        <a:font script="Mong" typeface="Mongolian Baiti"/>
-        <a:font script="Viet" typeface="Times New Roman"/>
-        <a:font script="Uigh" typeface="Microsoft Uighur"/>
-        <a:font script="Geor" typeface="Sylfaen"/>
-      </a:majorFont>
-      <a:minorFont>
-        <a:latin typeface="Arial"/>
-        <a:ea typeface=""/>
-        <a:cs typeface=""/>
-        <a:font script="Jpan" typeface="ＭＳ Ｐゴシック"/>
-        <a:font script="Hang" typeface="맑은 고딕"/>
-        <a:font script="Hans" typeface="宋体"/>
-        <a:font script="Hant" typeface="新細明體"/>
-        <a:font script="Arab" typeface="Arial"/>
-        <a:font script="Hebr" typeface="Arial"/>
-        <a:font script="Thai" typeface="Cordia New"/>
-        <a:font script="Ethi" typeface="Nyala"/>
-        <a:font script="Beng" typeface="Vrinda"/>
-        <a:font script="Gujr" typeface="Shruti"/>
-        <a:font script="Khmr" typeface="DaunPenh"/>
-        <a:font script="Knda" typeface="Tunga"/>
-        <a:font script="Guru" typeface="Raavi"/>
-        <a:font script="Cans" typeface="Euphemia"/>
-        <a:font script="Cher" typeface="Plantagenet Cherokee"/>
-        <a:font script="Yiii" typeface="Microsoft Yi Baiti"/>
-        <a:font script="Tibt" typeface="Microsoft Himalaya"/>
-        <a:font script="Thaa" typeface="MV Boli"/>
-        <a:font script="Deva" typeface="Mangal"/>
-        <a:font script="Telu" typeface="Gautami"/>
-        <a:font script="Taml" typeface="Latha"/>
-        <a:font script="Syrc" typeface="Estrangelo Edessa"/>
-        <a:font script="Orya" typeface="Kalinga"/>
-        <a:font script="Mlym" typeface="Kartika"/>
-        <a:font script="Laoo" typeface="DokChampa"/>
-        <a:font script="Sinh" typeface="Iskoola Pota"/>
-        <a:font script="Mong" typeface="Mongolian Baiti"/>
-        <a:font script="Viet" typeface="Arial"/>
-        <a:font script="Uigh" typeface="Microsoft Uighur"/>
-        <a:font script="Geor" typeface="Sylfaen"/>
-      </a:minorFont>
-    </a:fontScheme>
-    <a:fmtScheme name="Office">
-      <a:fillStyleLst>
-        <a:solidFill>
-          <a:schemeClr val="phClr"/>
-        </a:solidFill>
-        <a:gradFill rotWithShape="1">
-          <a:gsLst>
-            <a:gs pos="0">
-              <a:schemeClr val="phClr">
-                <a:tint val="50000"/>
-                <a:satMod val="300000"/>
-              </a:schemeClr>
-            </a:gs>
-            <a:gs pos="35000">
-              <a:schemeClr val="phClr">
-                <a:tint val="37000"/>
-                <a:satMod val="300000"/>
-              </a:schemeClr>
-            </a:gs>
-            <a:gs pos="100000">
-              <a:schemeClr val="phClr">
-                <a:tint val="15000"/>
-                <a:satMod val="350000"/>
-              </a:schemeClr>
-            </a:gs>
-          </a:gsLst>
-          <a:lin ang="16200000" scaled="1"/>
-        </a:gradFill>
-        <a:gradFill rotWithShape="1">
-          <a:gsLst>
-            <a:gs pos="0">
-              <a:schemeClr val="phClr">
-                <a:tint val="100000"/>
-                <a:shade val="100000"/>
-                <a:satMod val="130000"/>
-              </a:schemeClr>
-            </a:gs>
-            <a:gs pos="100000">
-              <a:schemeClr val="phClr">
-                <a:tint val="50000"/>
-                <a:shade val="100000"/>
-                <a:satMod val="350000"/>
-              </a:schemeClr>
-            </a:gs>
-          </a:gsLst>
-          <a:lin ang="16200000" scaled="0"/>
-        </a:gradFill>
-      </a:fillStyleLst>
-      <a:lnStyleLst>
-        <a:ln w="9525" cap="flat" cmpd="sng" algn="ctr">
-          <a:solidFill>
-            <a:schemeClr val="phClr">
-              <a:shade val="95000"/>
-              <a:satMod val="105000"/>
-            </a:schemeClr>
-          </a:solidFill>
-          <a:prstDash val="solid"/>
-        </a:ln>
-        <a:ln w="25400" cap="flat" cmpd="sng" algn="ctr">
-          <a:solidFill>
-            <a:schemeClr val="phClr"/>
-          </a:solidFill>
-          <a:prstDash val="solid"/>
-        </a:ln>
-        <a:ln w="38100" cap="flat" cmpd="sng" algn="ctr">
-          <a:solidFill>
-            <a:schemeClr val="phClr"/>
-          </a:solidFill>
-          <a:prstDash val="solid"/>
-        </a:ln>
-      </a:lnStyleLst>
-      <a:effectStyleLst>
-        <a:effectStyle>
-          <a:effectLst>
-            <a:outerShdw blurRad="40000" dist="20000" dir="5400000" rotWithShape="0">
-              <a:srgbClr val="000000">
-                <a:alpha val="38000"/>
-              </a:srgbClr>
-            </a:outerShdw>
-          </a:effectLst>
-        </a:effectStyle>
-        <a:effectStyle>
-          <a:effectLst>
-            <a:outerShdw blurRad="40000" dist="23000" dir="5400000" rotWithShape="0">
-              <a:srgbClr val="000000">
-                <a:alpha val="35000"/>
-              </a:srgbClr>
-            </a:outerShdw>
-          </a:effectLst>
-        </a:effectStyle>
-        <a:effectStyle>
-          <a:effectLst>
-            <a:outerShdw blurRad="40000" dist="23000" dir="5400000" rotWithShape="0">
-              <a:srgbClr val="000000">
-                <a:alpha val="35000"/>
-              </a:srgbClr>
-            </a:outerShdw>
-          </a:effectLst>
-          <a:scene3d>
-            <a:camera prst="orthographicFront">
-              <a:rot lat="0" lon="0" rev="0"/>
-            </a:camera>
-            <a:lightRig rig="threePt" dir="t">
-              <a:rot lat="0" lon="0" rev="1200000"/>
-            </a:lightRig>
-          </a:scene3d>
-          <a:sp3d>
-            <a:bevelT w="63500" h="25400"/>
-          </a:sp3d>
-        </a:effectStyle>
-      </a:effectStyleLst>
-      <a:bgFillStyleLst>
-        <a:solidFill>
-          <a:schemeClr val="phClr"/>
-        </a:solidFill>
-        <a:gradFill rotWithShape="1">
-          <a:gsLst>
-            <a:gs pos="0">
-              <a:schemeClr val="phClr">
-                <a:tint val="40000"/>
-                <a:satMod val="350000"/>
-              </a:schemeClr>
-            </a:gs>
-            <a:gs pos="40000">
-              <a:schemeClr val="phClr">
-                <a:tint val="45000"/>
-                <a:shade val="99000"/>
-                <a:satMod val="350000"/>
-              </a:schemeClr>
-            </a:gs>
-            <a:gs pos="100000">
-              <a:schemeClr val="phClr">
-                <a:shade val="20000"/>
-                <a:satMod val="255000"/>
-              </a:schemeClr>
-            </a:gs>
-          </a:gsLst>
-          <a:path path="circle">
-            <a:fillToRect l="50000" t="-80000" r="50000" b="180000"/>
-          </a:path>
-        </a:gradFill>
-        <a:gradFill rotWithShape="1">
-          <a:gsLst>
-            <a:gs pos="0">
-              <a:schemeClr val="phClr">
-                <a:tint val="80000"/>
-                <a:satMod val="300000"/>
-              </a:schemeClr>
-            </a:gs>
-            <a:gs pos="100000">
-              <a:schemeClr val="phClr">
-                <a:shade val="30000"/>
-                <a:satMod val="200000"/>
-              </a:schemeClr>
-            </a:gs>
-          </a:gsLst>
-          <a:path path="circle">
-            <a:fillToRect l="50000" t="50000" r="50000" b="50000"/>
-          </a:path>
-        </a:gradFill>
-      </a:bgFillStyleLst>
-    </a:fmtScheme>
-  </a:themeElements>
-</a:theme>
 </file>
--- a/CSCI-111/week-4/week-4-lecture.pptx
+++ b/CSCI-111/week-4/week-4-lecture.pptx
@@ -273,7 +273,7 @@
       </p15:sldGuideLst>
     </p:ext>
     <p:ext uri="GoogleSlidesCustomDataVersion2">
-      <go:slidesCustomData xmlns:go="http://customooxmlschemas.google.com/" r:id="rId23" roundtripDataSignature="AMtx7mhIxK2iuZe2o1UH3QqA9iqy2A+NRg=="/>
+      <go:slidesCustomData xmlns:go="http://customooxmlschemas.google.com/" r:id="rId23" roundtripDataSignature="AMtx7mhxm9jUxgvcH8dRRlFV2hoIS2RBfg=="/>
     </p:ext>
   </p:extLst>
 </p:presentation>
@@ -282,6 +282,13 @@
 <file path=ppt/notesMasters/notesMaster1.xml><?xml version="1.0" encoding="utf-8"?>
 <p:notesMaster xmlns:a="http://schemas.openxmlformats.org/drawingml/2006/main" xmlns:r="http://schemas.openxmlformats.org/officeDocument/2006/relationships" xmlns:mc="http://schemas.openxmlformats.org/markup-compatibility/2006" xmlns:mv="urn:schemas-microsoft-com:mac:vml" xmlns:p="http://schemas.openxmlformats.org/presentationml/2006/main" xmlns:c="http://schemas.openxmlformats.org/drawingml/2006/chart" xmlns:dgm="http://schemas.openxmlformats.org/drawingml/2006/diagram" xmlns:o="urn:schemas-microsoft-com:office:office" xmlns:v="urn:schemas-microsoft-com:vml" xmlns:pvml="urn:schemas-microsoft-com:office:powerpoint" xmlns:com="http://schemas.openxmlformats.org/drawingml/2006/compatibility" xmlns:p14="http://schemas.microsoft.com/office/powerpoint/2010/main" xmlns:p15="http://schemas.microsoft.com/office/powerpoint/2012/main" xmlns:ahyp="http://schemas.microsoft.com/office/drawing/2018/hyperlinkcolor">
   <p:cSld>
+    <p:bg>
+      <p:bgPr>
+        <a:solidFill>
+          <a:schemeClr val="lt1"/>
+        </a:solidFill>
+      </p:bgPr>
+    </p:bg>
     <p:spTree>
       <p:nvGrpSpPr>
         <p:cNvPr id="2" name="Shape 2"/>
@@ -962,7 +969,7 @@
   <p:cSld>
     <p:spTree>
       <p:nvGrpSpPr>
-        <p:cNvPr id="111" name="Shape 111"/>
+        <p:cNvPr id="120" name="Shape 120"/>
         <p:cNvGrpSpPr/>
         <p:nvPr/>
       </p:nvGrpSpPr>
@@ -976,7 +983,7 @@
       </p:grpSpPr>
       <p:sp>
         <p:nvSpPr>
-          <p:cNvPr id="112" name="Google Shape;112;g2face097e27_0_103:notes"/>
+          <p:cNvPr id="121" name="Google Shape;121;g2f615a3eae8_0_32:notes"/>
           <p:cNvSpPr/>
           <p:nvPr>
             <p:ph idx="2" type="sldImg"/>
@@ -1021,7 +1028,7 @@
       </p:sp>
       <p:sp>
         <p:nvSpPr>
-          <p:cNvPr id="113" name="Google Shape;113;g2face097e27_0_103:notes"/>
+          <p:cNvPr id="122" name="Google Shape;122;g2f615a3eae8_0_32:notes"/>
           <p:cNvSpPr txBox="1"/>
           <p:nvPr>
             <p:ph idx="1" type="body"/>
@@ -1079,7 +1086,7 @@
   <p:cSld>
     <p:spTree>
       <p:nvGrpSpPr>
-        <p:cNvPr id="122" name="Shape 122"/>
+        <p:cNvPr id="127" name="Shape 127"/>
         <p:cNvGrpSpPr/>
         <p:nvPr/>
       </p:nvGrpSpPr>
@@ -1093,7 +1100,7 @@
       </p:grpSpPr>
       <p:sp>
         <p:nvSpPr>
-          <p:cNvPr id="123" name="Google Shape;123;g2face097e27_0_120:notes"/>
+          <p:cNvPr id="128" name="Google Shape;128;g2face097e27_0_120:notes"/>
           <p:cNvSpPr/>
           <p:nvPr>
             <p:ph idx="2" type="sldImg"/>
@@ -1138,7 +1145,7 @@
       </p:sp>
       <p:sp>
         <p:nvSpPr>
-          <p:cNvPr id="124" name="Google Shape;124;g2face097e27_0_120:notes"/>
+          <p:cNvPr id="129" name="Google Shape;129;g2face097e27_0_120:notes"/>
           <p:cNvSpPr txBox="1"/>
           <p:nvPr>
             <p:ph idx="1" type="body"/>
@@ -1196,7 +1203,7 @@
   <p:cSld>
     <p:spTree>
       <p:nvGrpSpPr>
-        <p:cNvPr id="128" name="Shape 128"/>
+        <p:cNvPr id="133" name="Shape 133"/>
         <p:cNvGrpSpPr/>
         <p:nvPr/>
       </p:nvGrpSpPr>
@@ -1210,7 +1217,7 @@
       </p:grpSpPr>
       <p:sp>
         <p:nvSpPr>
-          <p:cNvPr id="129" name="Google Shape;129;g2face097e27_0_130:notes"/>
+          <p:cNvPr id="134" name="Google Shape;134;g2face097e27_0_130:notes"/>
           <p:cNvSpPr/>
           <p:nvPr>
             <p:ph idx="2" type="sldImg"/>
@@ -1255,7 +1262,7 @@
       </p:sp>
       <p:sp>
         <p:nvSpPr>
-          <p:cNvPr id="130" name="Google Shape;130;g2face097e27_0_130:notes"/>
+          <p:cNvPr id="135" name="Google Shape;135;g2face097e27_0_130:notes"/>
           <p:cNvSpPr txBox="1"/>
           <p:nvPr>
             <p:ph idx="1" type="body"/>
@@ -1313,7 +1320,7 @@
   <p:cSld>
     <p:spTree>
       <p:nvGrpSpPr>
-        <p:cNvPr id="137" name="Shape 137"/>
+        <p:cNvPr id="143" name="Shape 143"/>
         <p:cNvGrpSpPr/>
         <p:nvPr/>
       </p:nvGrpSpPr>
@@ -1327,7 +1334,7 @@
       </p:grpSpPr>
       <p:sp>
         <p:nvSpPr>
-          <p:cNvPr id="138" name="Google Shape;138;g2face097e27_0_139:notes"/>
+          <p:cNvPr id="144" name="Google Shape;144;g2face097e27_0_139:notes"/>
           <p:cNvSpPr/>
           <p:nvPr>
             <p:ph idx="2" type="sldImg"/>
@@ -1372,7 +1379,7 @@
       </p:sp>
       <p:sp>
         <p:nvSpPr>
-          <p:cNvPr id="139" name="Google Shape;139;g2face097e27_0_139:notes"/>
+          <p:cNvPr id="145" name="Google Shape;145;g2face097e27_0_139:notes"/>
           <p:cNvSpPr txBox="1"/>
           <p:nvPr>
             <p:ph idx="1" type="body"/>
@@ -1430,7 +1437,7 @@
   <p:cSld>
     <p:spTree>
       <p:nvGrpSpPr>
-        <p:cNvPr id="143" name="Shape 143"/>
+        <p:cNvPr id="149" name="Shape 149"/>
         <p:cNvGrpSpPr/>
         <p:nvPr/>
       </p:nvGrpSpPr>
@@ -1444,7 +1451,7 @@
       </p:grpSpPr>
       <p:sp>
         <p:nvSpPr>
-          <p:cNvPr id="144" name="Google Shape;144;g2face097e27_0_144:notes"/>
+          <p:cNvPr id="150" name="Google Shape;150;g2face097e27_0_144:notes"/>
           <p:cNvSpPr/>
           <p:nvPr>
             <p:ph idx="2" type="sldImg"/>
@@ -1489,7 +1496,7 @@
       </p:sp>
       <p:sp>
         <p:nvSpPr>
-          <p:cNvPr id="145" name="Google Shape;145;g2face097e27_0_144:notes"/>
+          <p:cNvPr id="151" name="Google Shape;151;g2face097e27_0_144:notes"/>
           <p:cNvSpPr txBox="1"/>
           <p:nvPr>
             <p:ph idx="1" type="body"/>
@@ -1547,7 +1554,7 @@
   <p:cSld>
     <p:spTree>
       <p:nvGrpSpPr>
-        <p:cNvPr id="150" name="Shape 150"/>
+        <p:cNvPr id="156" name="Shape 156"/>
         <p:cNvGrpSpPr/>
         <p:nvPr/>
       </p:nvGrpSpPr>
@@ -1561,7 +1568,7 @@
       </p:grpSpPr>
       <p:sp>
         <p:nvSpPr>
-          <p:cNvPr id="151" name="Google Shape;151;g2face097e27_0_149:notes"/>
+          <p:cNvPr id="157" name="Google Shape;157;g2face097e27_0_149:notes"/>
           <p:cNvSpPr/>
           <p:nvPr>
             <p:ph idx="2" type="sldImg"/>
@@ -1606,7 +1613,7 @@
       </p:sp>
       <p:sp>
         <p:nvSpPr>
-          <p:cNvPr id="152" name="Google Shape;152;g2face097e27_0_149:notes"/>
+          <p:cNvPr id="158" name="Google Shape;158;g2face097e27_0_149:notes"/>
           <p:cNvSpPr txBox="1"/>
           <p:nvPr>
             <p:ph idx="1" type="body"/>
@@ -1664,7 +1671,7 @@
   <p:cSld>
     <p:spTree>
       <p:nvGrpSpPr>
-        <p:cNvPr id="156" name="Shape 156"/>
+        <p:cNvPr id="162" name="Shape 162"/>
         <p:cNvGrpSpPr/>
         <p:nvPr/>
       </p:nvGrpSpPr>
@@ -1678,7 +1685,7 @@
       </p:grpSpPr>
       <p:sp>
         <p:nvSpPr>
-          <p:cNvPr id="157" name="Google Shape;157;p16:notes"/>
+          <p:cNvPr id="163" name="Google Shape;163;p16:notes"/>
           <p:cNvSpPr/>
           <p:nvPr>
             <p:ph idx="2" type="sldImg"/>
@@ -1723,7 +1730,7 @@
       </p:sp>
       <p:sp>
         <p:nvSpPr>
-          <p:cNvPr id="158" name="Google Shape;158;p16:notes"/>
+          <p:cNvPr id="164" name="Google Shape;164;p16:notes"/>
           <p:cNvSpPr txBox="1"/>
           <p:nvPr>
             <p:ph idx="1" type="body"/>
@@ -1781,7 +1788,7 @@
   <p:cSld>
     <p:spTree>
       <p:nvGrpSpPr>
-        <p:cNvPr id="162" name="Shape 162"/>
+        <p:cNvPr id="168" name="Shape 168"/>
         <p:cNvGrpSpPr/>
         <p:nvPr/>
       </p:nvGrpSpPr>
@@ -1795,7 +1802,7 @@
       </p:grpSpPr>
       <p:sp>
         <p:nvSpPr>
-          <p:cNvPr id="163" name="Google Shape;163;g2f62552a751_0_76:notes"/>
+          <p:cNvPr id="169" name="Google Shape;169;g2f62552a751_0_76:notes"/>
           <p:cNvSpPr/>
           <p:nvPr>
             <p:ph idx="2" type="sldImg"/>
@@ -1840,7 +1847,7 @@
       </p:sp>
       <p:sp>
         <p:nvSpPr>
-          <p:cNvPr id="164" name="Google Shape;164;g2f62552a751_0_76:notes"/>
+          <p:cNvPr id="170" name="Google Shape;170;g2f62552a751_0_76:notes"/>
           <p:cNvSpPr txBox="1"/>
           <p:nvPr>
             <p:ph idx="1" type="body"/>
@@ -2037,7 +2044,7 @@
         </p:nvSpPr>
         <p:spPr>
           <a:xfrm>
-            <a:off x="381300" y="685800"/>
+            <a:off x="381000" y="685800"/>
             <a:ext cx="6096000" cy="3429000"/>
           </a:xfrm>
           <a:custGeom>
@@ -2177,6 +2184,16 @@
               </a:path>
             </a:pathLst>
           </a:custGeom>
+          <a:noFill/>
+          <a:ln cap="flat" cmpd="sng" w="9525">
+            <a:solidFill>
+              <a:srgbClr val="000000"/>
+            </a:solidFill>
+            <a:prstDash val="solid"/>
+            <a:round/>
+            <a:headEnd len="sm" w="sm" type="none"/>
+            <a:tailEnd len="sm" w="sm" type="none"/>
+          </a:ln>
         </p:spPr>
       </p:sp>
       <p:sp>
@@ -2195,6 +2212,10 @@
           <a:prstGeom prst="rect">
             <a:avLst/>
           </a:prstGeom>
+          <a:noFill/>
+          <a:ln>
+            <a:noFill/>
+          </a:ln>
         </p:spPr>
         <p:txBody>
           <a:bodyPr anchorCtr="0" anchor="t" bIns="91425" lIns="91425" spcFirstLastPara="1" rIns="91425" wrap="square" tIns="91425">
@@ -2203,12 +2224,16 @@
           <a:lstStyle/>
           <a:p>
             <a:pPr indent="0" lvl="0" marL="0" rtl="0" algn="l">
-              <a:spcBef>
-                <a:spcPts val="0"/>
-              </a:spcBef>
-              <a:spcAft>
-                <a:spcPts val="0"/>
-              </a:spcAft>
+              <a:lnSpc>
+                <a:spcPct val="100000"/>
+              </a:lnSpc>
+              <a:spcBef>
+                <a:spcPts val="0"/>
+              </a:spcBef>
+              <a:spcAft>
+                <a:spcPts val="0"/>
+              </a:spcAft>
+              <a:buSzPts val="1100"/>
               <a:buNone/>
             </a:pPr>
             <a:r>
@@ -2231,7 +2256,7 @@
   <p:cSld>
     <p:spTree>
       <p:nvGrpSpPr>
-        <p:cNvPr id="74" name="Shape 74"/>
+        <p:cNvPr id="76" name="Shape 76"/>
         <p:cNvGrpSpPr/>
         <p:nvPr/>
       </p:nvGrpSpPr>
@@ -2245,403 +2270,7 @@
       </p:grpSpPr>
       <p:sp>
         <p:nvSpPr>
-          <p:cNvPr id="75" name="Google Shape;75;g2face097e27_0_68:notes"/>
-          <p:cNvSpPr/>
-          <p:nvPr>
-            <p:ph idx="2" type="sldImg"/>
-          </p:nvPr>
-        </p:nvSpPr>
-        <p:spPr>
-          <a:xfrm>
-            <a:off x="381300" y="685800"/>
-            <a:ext cx="6096000" cy="3429000"/>
-          </a:xfrm>
-          <a:custGeom>
-            <a:rect b="b" l="l" r="r" t="t"/>
-            <a:pathLst>
-              <a:path extrusionOk="0" h="120000" w="120000">
-                <a:moveTo>
-                  <a:pt x="0" y="0"/>
-                </a:moveTo>
-                <a:lnTo>
-                  <a:pt x="120000" y="0"/>
-                </a:lnTo>
-                <a:lnTo>
-                  <a:pt x="120000" y="120000"/>
-                </a:lnTo>
-                <a:lnTo>
-                  <a:pt x="0" y="120000"/>
-                </a:lnTo>
-                <a:close/>
-              </a:path>
-            </a:pathLst>
-          </a:custGeom>
-        </p:spPr>
-      </p:sp>
-      <p:sp>
-        <p:nvSpPr>
-          <p:cNvPr id="76" name="Google Shape;76;g2face097e27_0_68:notes"/>
-          <p:cNvSpPr txBox="1"/>
-          <p:nvPr>
-            <p:ph idx="1" type="body"/>
-          </p:nvPr>
-        </p:nvSpPr>
-        <p:spPr>
-          <a:xfrm>
-            <a:off x="685800" y="4343400"/>
-            <a:ext cx="5486400" cy="4114800"/>
-          </a:xfrm>
-          <a:prstGeom prst="rect">
-            <a:avLst/>
-          </a:prstGeom>
-        </p:spPr>
-        <p:txBody>
-          <a:bodyPr anchorCtr="0" anchor="t" bIns="91425" lIns="91425" spcFirstLastPara="1" rIns="91425" wrap="square" tIns="91425">
-            <a:noAutofit/>
-          </a:bodyPr>
-          <a:lstStyle/>
-          <a:p>
-            <a:pPr indent="0" lvl="0" marL="0" rtl="0" algn="l">
-              <a:spcBef>
-                <a:spcPts val="0"/>
-              </a:spcBef>
-              <a:spcAft>
-                <a:spcPts val="0"/>
-              </a:spcAft>
-              <a:buNone/>
-            </a:pPr>
-            <a:r>
-              <a:t/>
-            </a:r>
-            <a:endParaRPr/>
-          </a:p>
-        </p:txBody>
-      </p:sp>
-    </p:spTree>
-  </p:cSld>
-  <p:clrMapOvr>
-    <a:masterClrMapping/>
-  </p:clrMapOvr>
-</p:notes>
-</file>
-
-<file path=ppt/notesSlides/notesSlide6.xml><?xml version="1.0" encoding="utf-8"?>
-<p:notes xmlns:a="http://schemas.openxmlformats.org/drawingml/2006/main" xmlns:r="http://schemas.openxmlformats.org/officeDocument/2006/relationships" xmlns:mc="http://schemas.openxmlformats.org/markup-compatibility/2006" xmlns:mv="urn:schemas-microsoft-com:mac:vml" xmlns:p="http://schemas.openxmlformats.org/presentationml/2006/main" xmlns:c="http://schemas.openxmlformats.org/drawingml/2006/chart" xmlns:dgm="http://schemas.openxmlformats.org/drawingml/2006/diagram" xmlns:o="urn:schemas-microsoft-com:office:office" xmlns:v="urn:schemas-microsoft-com:vml" xmlns:pvml="urn:schemas-microsoft-com:office:powerpoint" xmlns:com="http://schemas.openxmlformats.org/drawingml/2006/compatibility" xmlns:p14="http://schemas.microsoft.com/office/powerpoint/2010/main" xmlns:p15="http://schemas.microsoft.com/office/powerpoint/2012/main" xmlns:ahyp="http://schemas.microsoft.com/office/drawing/2018/hyperlinkcolor" showMasterPhAnim="0" showMasterSp="0">
-  <p:cSld>
-    <p:spTree>
-      <p:nvGrpSpPr>
-        <p:cNvPr id="83" name="Shape 83"/>
-        <p:cNvGrpSpPr/>
-        <p:nvPr/>
-      </p:nvGrpSpPr>
-      <p:grpSpPr>
-        <a:xfrm>
-          <a:off x="0" y="0"/>
-          <a:ext cx="0" cy="0"/>
-          <a:chOff x="0" y="0"/>
-          <a:chExt cx="0" cy="0"/>
-        </a:xfrm>
-      </p:grpSpPr>
-      <p:sp>
-        <p:nvSpPr>
-          <p:cNvPr id="84" name="Google Shape;84;g2face097e27_0_77:notes"/>
-          <p:cNvSpPr/>
-          <p:nvPr>
-            <p:ph idx="2" type="sldImg"/>
-          </p:nvPr>
-        </p:nvSpPr>
-        <p:spPr>
-          <a:xfrm>
-            <a:off x="381300" y="685800"/>
-            <a:ext cx="6096000" cy="3429000"/>
-          </a:xfrm>
-          <a:custGeom>
-            <a:rect b="b" l="l" r="r" t="t"/>
-            <a:pathLst>
-              <a:path extrusionOk="0" h="120000" w="120000">
-                <a:moveTo>
-                  <a:pt x="0" y="0"/>
-                </a:moveTo>
-                <a:lnTo>
-                  <a:pt x="120000" y="0"/>
-                </a:lnTo>
-                <a:lnTo>
-                  <a:pt x="120000" y="120000"/>
-                </a:lnTo>
-                <a:lnTo>
-                  <a:pt x="0" y="120000"/>
-                </a:lnTo>
-                <a:close/>
-              </a:path>
-            </a:pathLst>
-          </a:custGeom>
-        </p:spPr>
-      </p:sp>
-      <p:sp>
-        <p:nvSpPr>
-          <p:cNvPr id="85" name="Google Shape;85;g2face097e27_0_77:notes"/>
-          <p:cNvSpPr txBox="1"/>
-          <p:nvPr>
-            <p:ph idx="1" type="body"/>
-          </p:nvPr>
-        </p:nvSpPr>
-        <p:spPr>
-          <a:xfrm>
-            <a:off x="685800" y="4343400"/>
-            <a:ext cx="5486400" cy="4114800"/>
-          </a:xfrm>
-          <a:prstGeom prst="rect">
-            <a:avLst/>
-          </a:prstGeom>
-        </p:spPr>
-        <p:txBody>
-          <a:bodyPr anchorCtr="0" anchor="t" bIns="91425" lIns="91425" spcFirstLastPara="1" rIns="91425" wrap="square" tIns="91425">
-            <a:noAutofit/>
-          </a:bodyPr>
-          <a:lstStyle/>
-          <a:p>
-            <a:pPr indent="0" lvl="0" marL="0" rtl="0" algn="l">
-              <a:spcBef>
-                <a:spcPts val="0"/>
-              </a:spcBef>
-              <a:spcAft>
-                <a:spcPts val="0"/>
-              </a:spcAft>
-              <a:buNone/>
-            </a:pPr>
-            <a:r>
-              <a:t/>
-            </a:r>
-            <a:endParaRPr/>
-          </a:p>
-        </p:txBody>
-      </p:sp>
-    </p:spTree>
-  </p:cSld>
-  <p:clrMapOvr>
-    <a:masterClrMapping/>
-  </p:clrMapOvr>
-</p:notes>
-</file>
-
-<file path=ppt/notesSlides/notesSlide7.xml><?xml version="1.0" encoding="utf-8"?>
-<p:notes xmlns:a="http://schemas.openxmlformats.org/drawingml/2006/main" xmlns:r="http://schemas.openxmlformats.org/officeDocument/2006/relationships" xmlns:mc="http://schemas.openxmlformats.org/markup-compatibility/2006" xmlns:mv="urn:schemas-microsoft-com:mac:vml" xmlns:p="http://schemas.openxmlformats.org/presentationml/2006/main" xmlns:c="http://schemas.openxmlformats.org/drawingml/2006/chart" xmlns:dgm="http://schemas.openxmlformats.org/drawingml/2006/diagram" xmlns:o="urn:schemas-microsoft-com:office:office" xmlns:v="urn:schemas-microsoft-com:vml" xmlns:pvml="urn:schemas-microsoft-com:office:powerpoint" xmlns:com="http://schemas.openxmlformats.org/drawingml/2006/compatibility" xmlns:p14="http://schemas.microsoft.com/office/powerpoint/2010/main" xmlns:p15="http://schemas.microsoft.com/office/powerpoint/2012/main" xmlns:ahyp="http://schemas.microsoft.com/office/drawing/2018/hyperlinkcolor" showMasterPhAnim="0" showMasterSp="0">
-  <p:cSld>
-    <p:spTree>
-      <p:nvGrpSpPr>
-        <p:cNvPr id="89" name="Shape 89"/>
-        <p:cNvGrpSpPr/>
-        <p:nvPr/>
-      </p:nvGrpSpPr>
-      <p:grpSpPr>
-        <a:xfrm>
-          <a:off x="0" y="0"/>
-          <a:ext cx="0" cy="0"/>
-          <a:chOff x="0" y="0"/>
-          <a:chExt cx="0" cy="0"/>
-        </a:xfrm>
-      </p:grpSpPr>
-      <p:sp>
-        <p:nvSpPr>
-          <p:cNvPr id="90" name="Google Shape;90;g2face097e27_0_82:notes"/>
-          <p:cNvSpPr/>
-          <p:nvPr>
-            <p:ph idx="2" type="sldImg"/>
-          </p:nvPr>
-        </p:nvSpPr>
-        <p:spPr>
-          <a:xfrm>
-            <a:off x="381300" y="685800"/>
-            <a:ext cx="6096000" cy="3429000"/>
-          </a:xfrm>
-          <a:custGeom>
-            <a:rect b="b" l="l" r="r" t="t"/>
-            <a:pathLst>
-              <a:path extrusionOk="0" h="120000" w="120000">
-                <a:moveTo>
-                  <a:pt x="0" y="0"/>
-                </a:moveTo>
-                <a:lnTo>
-                  <a:pt x="120000" y="0"/>
-                </a:lnTo>
-                <a:lnTo>
-                  <a:pt x="120000" y="120000"/>
-                </a:lnTo>
-                <a:lnTo>
-                  <a:pt x="0" y="120000"/>
-                </a:lnTo>
-                <a:close/>
-              </a:path>
-            </a:pathLst>
-          </a:custGeom>
-        </p:spPr>
-      </p:sp>
-      <p:sp>
-        <p:nvSpPr>
-          <p:cNvPr id="91" name="Google Shape;91;g2face097e27_0_82:notes"/>
-          <p:cNvSpPr txBox="1"/>
-          <p:nvPr>
-            <p:ph idx="1" type="body"/>
-          </p:nvPr>
-        </p:nvSpPr>
-        <p:spPr>
-          <a:xfrm>
-            <a:off x="685800" y="4343400"/>
-            <a:ext cx="5486400" cy="4114800"/>
-          </a:xfrm>
-          <a:prstGeom prst="rect">
-            <a:avLst/>
-          </a:prstGeom>
-        </p:spPr>
-        <p:txBody>
-          <a:bodyPr anchorCtr="0" anchor="t" bIns="91425" lIns="91425" spcFirstLastPara="1" rIns="91425" wrap="square" tIns="91425">
-            <a:noAutofit/>
-          </a:bodyPr>
-          <a:lstStyle/>
-          <a:p>
-            <a:pPr indent="0" lvl="0" marL="0" rtl="0" algn="l">
-              <a:spcBef>
-                <a:spcPts val="0"/>
-              </a:spcBef>
-              <a:spcAft>
-                <a:spcPts val="0"/>
-              </a:spcAft>
-              <a:buNone/>
-            </a:pPr>
-            <a:r>
-              <a:t/>
-            </a:r>
-            <a:endParaRPr/>
-          </a:p>
-        </p:txBody>
-      </p:sp>
-    </p:spTree>
-  </p:cSld>
-  <p:clrMapOvr>
-    <a:masterClrMapping/>
-  </p:clrMapOvr>
-</p:notes>
-</file>
-
-<file path=ppt/notesSlides/notesSlide8.xml><?xml version="1.0" encoding="utf-8"?>
-<p:notes xmlns:a="http://schemas.openxmlformats.org/drawingml/2006/main" xmlns:r="http://schemas.openxmlformats.org/officeDocument/2006/relationships" xmlns:mc="http://schemas.openxmlformats.org/markup-compatibility/2006" xmlns:mv="urn:schemas-microsoft-com:mac:vml" xmlns:p="http://schemas.openxmlformats.org/presentationml/2006/main" xmlns:c="http://schemas.openxmlformats.org/drawingml/2006/chart" xmlns:dgm="http://schemas.openxmlformats.org/drawingml/2006/diagram" xmlns:o="urn:schemas-microsoft-com:office:office" xmlns:v="urn:schemas-microsoft-com:vml" xmlns:pvml="urn:schemas-microsoft-com:office:powerpoint" xmlns:com="http://schemas.openxmlformats.org/drawingml/2006/compatibility" xmlns:p14="http://schemas.microsoft.com/office/powerpoint/2010/main" xmlns:p15="http://schemas.microsoft.com/office/powerpoint/2012/main" xmlns:ahyp="http://schemas.microsoft.com/office/drawing/2018/hyperlinkcolor" showMasterPhAnim="0" showMasterSp="0">
-  <p:cSld>
-    <p:spTree>
-      <p:nvGrpSpPr>
-        <p:cNvPr id="95" name="Shape 95"/>
-        <p:cNvGrpSpPr/>
-        <p:nvPr/>
-      </p:nvGrpSpPr>
-      <p:grpSpPr>
-        <a:xfrm>
-          <a:off x="0" y="0"/>
-          <a:ext cx="0" cy="0"/>
-          <a:chOff x="0" y="0"/>
-          <a:chExt cx="0" cy="0"/>
-        </a:xfrm>
-      </p:grpSpPr>
-      <p:sp>
-        <p:nvSpPr>
-          <p:cNvPr id="96" name="Google Shape;96;g2face097e27_0_87:notes"/>
-          <p:cNvSpPr/>
-          <p:nvPr>
-            <p:ph idx="2" type="sldImg"/>
-          </p:nvPr>
-        </p:nvSpPr>
-        <p:spPr>
-          <a:xfrm>
-            <a:off x="381300" y="685800"/>
-            <a:ext cx="6096000" cy="3429000"/>
-          </a:xfrm>
-          <a:custGeom>
-            <a:rect b="b" l="l" r="r" t="t"/>
-            <a:pathLst>
-              <a:path extrusionOk="0" h="120000" w="120000">
-                <a:moveTo>
-                  <a:pt x="0" y="0"/>
-                </a:moveTo>
-                <a:lnTo>
-                  <a:pt x="120000" y="0"/>
-                </a:lnTo>
-                <a:lnTo>
-                  <a:pt x="120000" y="120000"/>
-                </a:lnTo>
-                <a:lnTo>
-                  <a:pt x="0" y="120000"/>
-                </a:lnTo>
-                <a:close/>
-              </a:path>
-            </a:pathLst>
-          </a:custGeom>
-        </p:spPr>
-      </p:sp>
-      <p:sp>
-        <p:nvSpPr>
-          <p:cNvPr id="97" name="Google Shape;97;g2face097e27_0_87:notes"/>
-          <p:cNvSpPr txBox="1"/>
-          <p:nvPr>
-            <p:ph idx="1" type="body"/>
-          </p:nvPr>
-        </p:nvSpPr>
-        <p:spPr>
-          <a:xfrm>
-            <a:off x="685800" y="4343400"/>
-            <a:ext cx="5486400" cy="4114800"/>
-          </a:xfrm>
-          <a:prstGeom prst="rect">
-            <a:avLst/>
-          </a:prstGeom>
-        </p:spPr>
-        <p:txBody>
-          <a:bodyPr anchorCtr="0" anchor="t" bIns="91425" lIns="91425" spcFirstLastPara="1" rIns="91425" wrap="square" tIns="91425">
-            <a:noAutofit/>
-          </a:bodyPr>
-          <a:lstStyle/>
-          <a:p>
-            <a:pPr indent="0" lvl="0" marL="0" rtl="0" algn="l">
-              <a:spcBef>
-                <a:spcPts val="0"/>
-              </a:spcBef>
-              <a:spcAft>
-                <a:spcPts val="0"/>
-              </a:spcAft>
-              <a:buNone/>
-            </a:pPr>
-            <a:r>
-              <a:t/>
-            </a:r>
-            <a:endParaRPr/>
-          </a:p>
-        </p:txBody>
-      </p:sp>
-    </p:spTree>
-  </p:cSld>
-  <p:clrMapOvr>
-    <a:masterClrMapping/>
-  </p:clrMapOvr>
-</p:notes>
-</file>
-
-<file path=ppt/notesSlides/notesSlide9.xml><?xml version="1.0" encoding="utf-8"?>
-<p:notes xmlns:a="http://schemas.openxmlformats.org/drawingml/2006/main" xmlns:r="http://schemas.openxmlformats.org/officeDocument/2006/relationships" xmlns:mc="http://schemas.openxmlformats.org/markup-compatibility/2006" xmlns:mv="urn:schemas-microsoft-com:mac:vml" xmlns:p="http://schemas.openxmlformats.org/presentationml/2006/main" xmlns:c="http://schemas.openxmlformats.org/drawingml/2006/chart" xmlns:dgm="http://schemas.openxmlformats.org/drawingml/2006/diagram" xmlns:o="urn:schemas-microsoft-com:office:office" xmlns:v="urn:schemas-microsoft-com:vml" xmlns:pvml="urn:schemas-microsoft-com:office:powerpoint" xmlns:com="http://schemas.openxmlformats.org/drawingml/2006/compatibility" xmlns:p14="http://schemas.microsoft.com/office/powerpoint/2010/main" xmlns:p15="http://schemas.microsoft.com/office/powerpoint/2012/main" xmlns:ahyp="http://schemas.microsoft.com/office/drawing/2018/hyperlinkcolor" showMasterPhAnim="0" showMasterSp="0">
-  <p:cSld>
-    <p:spTree>
-      <p:nvGrpSpPr>
-        <p:cNvPr id="105" name="Shape 105"/>
-        <p:cNvGrpSpPr/>
-        <p:nvPr/>
-      </p:nvGrpSpPr>
-      <p:grpSpPr>
-        <a:xfrm>
-          <a:off x="0" y="0"/>
-          <a:ext cx="0" cy="0"/>
-          <a:chOff x="0" y="0"/>
-          <a:chExt cx="0" cy="0"/>
-        </a:xfrm>
-      </p:grpSpPr>
-      <p:sp>
-        <p:nvSpPr>
-          <p:cNvPr id="106" name="Google Shape;106;g2f615a3eae8_0_32:notes"/>
+          <p:cNvPr id="77" name="Google Shape;77;g2face097e27_0_68:notes"/>
           <p:cNvSpPr/>
           <p:nvPr>
             <p:ph idx="2" type="sldImg"/>
@@ -2686,7 +2315,475 @@
       </p:sp>
       <p:sp>
         <p:nvSpPr>
-          <p:cNvPr id="107" name="Google Shape;107;g2f615a3eae8_0_32:notes"/>
+          <p:cNvPr id="78" name="Google Shape;78;g2face097e27_0_68:notes"/>
+          <p:cNvSpPr txBox="1"/>
+          <p:nvPr>
+            <p:ph idx="1" type="body"/>
+          </p:nvPr>
+        </p:nvSpPr>
+        <p:spPr>
+          <a:xfrm>
+            <a:off x="685800" y="4343400"/>
+            <a:ext cx="5486400" cy="4114800"/>
+          </a:xfrm>
+          <a:prstGeom prst="rect">
+            <a:avLst/>
+          </a:prstGeom>
+          <a:noFill/>
+          <a:ln>
+            <a:noFill/>
+          </a:ln>
+        </p:spPr>
+        <p:txBody>
+          <a:bodyPr anchorCtr="0" anchor="t" bIns="91425" lIns="91425" spcFirstLastPara="1" rIns="91425" wrap="square" tIns="91425">
+            <a:noAutofit/>
+          </a:bodyPr>
+          <a:lstStyle/>
+          <a:p>
+            <a:pPr indent="0" lvl="0" marL="0" rtl="0" algn="l">
+              <a:lnSpc>
+                <a:spcPct val="100000"/>
+              </a:lnSpc>
+              <a:spcBef>
+                <a:spcPts val="0"/>
+              </a:spcBef>
+              <a:spcAft>
+                <a:spcPts val="0"/>
+              </a:spcAft>
+              <a:buSzPts val="1100"/>
+              <a:buNone/>
+            </a:pPr>
+            <a:r>
+              <a:t/>
+            </a:r>
+            <a:endParaRPr/>
+          </a:p>
+        </p:txBody>
+      </p:sp>
+    </p:spTree>
+  </p:cSld>
+  <p:clrMapOvr>
+    <a:masterClrMapping/>
+  </p:clrMapOvr>
+</p:notes>
+</file>
+
+<file path=ppt/notesSlides/notesSlide6.xml><?xml version="1.0" encoding="utf-8"?>
+<p:notes xmlns:a="http://schemas.openxmlformats.org/drawingml/2006/main" xmlns:r="http://schemas.openxmlformats.org/officeDocument/2006/relationships" xmlns:mc="http://schemas.openxmlformats.org/markup-compatibility/2006" xmlns:mv="urn:schemas-microsoft-com:mac:vml" xmlns:p="http://schemas.openxmlformats.org/presentationml/2006/main" xmlns:c="http://schemas.openxmlformats.org/drawingml/2006/chart" xmlns:dgm="http://schemas.openxmlformats.org/drawingml/2006/diagram" xmlns:o="urn:schemas-microsoft-com:office:office" xmlns:v="urn:schemas-microsoft-com:vml" xmlns:pvml="urn:schemas-microsoft-com:office:powerpoint" xmlns:com="http://schemas.openxmlformats.org/drawingml/2006/compatibility" xmlns:p14="http://schemas.microsoft.com/office/powerpoint/2010/main" xmlns:p15="http://schemas.microsoft.com/office/powerpoint/2012/main" xmlns:ahyp="http://schemas.microsoft.com/office/drawing/2018/hyperlinkcolor" showMasterPhAnim="0" showMasterSp="0">
+  <p:cSld>
+    <p:spTree>
+      <p:nvGrpSpPr>
+        <p:cNvPr id="86" name="Shape 86"/>
+        <p:cNvGrpSpPr/>
+        <p:nvPr/>
+      </p:nvGrpSpPr>
+      <p:grpSpPr>
+        <a:xfrm>
+          <a:off x="0" y="0"/>
+          <a:ext cx="0" cy="0"/>
+          <a:chOff x="0" y="0"/>
+          <a:chExt cx="0" cy="0"/>
+        </a:xfrm>
+      </p:grpSpPr>
+      <p:sp>
+        <p:nvSpPr>
+          <p:cNvPr id="87" name="Google Shape;87;g2face097e27_0_77:notes"/>
+          <p:cNvSpPr/>
+          <p:nvPr>
+            <p:ph idx="2" type="sldImg"/>
+          </p:nvPr>
+        </p:nvSpPr>
+        <p:spPr>
+          <a:xfrm>
+            <a:off x="381300" y="685800"/>
+            <a:ext cx="6096000" cy="3429000"/>
+          </a:xfrm>
+          <a:custGeom>
+            <a:rect b="b" l="l" r="r" t="t"/>
+            <a:pathLst>
+              <a:path extrusionOk="0" h="120000" w="120000">
+                <a:moveTo>
+                  <a:pt x="0" y="0"/>
+                </a:moveTo>
+                <a:lnTo>
+                  <a:pt x="120000" y="0"/>
+                </a:lnTo>
+                <a:lnTo>
+                  <a:pt x="120000" y="120000"/>
+                </a:lnTo>
+                <a:lnTo>
+                  <a:pt x="0" y="120000"/>
+                </a:lnTo>
+                <a:close/>
+              </a:path>
+            </a:pathLst>
+          </a:custGeom>
+          <a:noFill/>
+          <a:ln cap="flat" cmpd="sng" w="9525">
+            <a:solidFill>
+              <a:srgbClr val="000000"/>
+            </a:solidFill>
+            <a:prstDash val="solid"/>
+            <a:round/>
+            <a:headEnd len="sm" w="sm" type="none"/>
+            <a:tailEnd len="sm" w="sm" type="none"/>
+          </a:ln>
+        </p:spPr>
+      </p:sp>
+      <p:sp>
+        <p:nvSpPr>
+          <p:cNvPr id="88" name="Google Shape;88;g2face097e27_0_77:notes"/>
+          <p:cNvSpPr txBox="1"/>
+          <p:nvPr>
+            <p:ph idx="1" type="body"/>
+          </p:nvPr>
+        </p:nvSpPr>
+        <p:spPr>
+          <a:xfrm>
+            <a:off x="685800" y="4343400"/>
+            <a:ext cx="5486400" cy="4114800"/>
+          </a:xfrm>
+          <a:prstGeom prst="rect">
+            <a:avLst/>
+          </a:prstGeom>
+          <a:noFill/>
+          <a:ln>
+            <a:noFill/>
+          </a:ln>
+        </p:spPr>
+        <p:txBody>
+          <a:bodyPr anchorCtr="0" anchor="t" bIns="91425" lIns="91425" spcFirstLastPara="1" rIns="91425" wrap="square" tIns="91425">
+            <a:noAutofit/>
+          </a:bodyPr>
+          <a:lstStyle/>
+          <a:p>
+            <a:pPr indent="0" lvl="0" marL="0" rtl="0" algn="l">
+              <a:lnSpc>
+                <a:spcPct val="100000"/>
+              </a:lnSpc>
+              <a:spcBef>
+                <a:spcPts val="0"/>
+              </a:spcBef>
+              <a:spcAft>
+                <a:spcPts val="0"/>
+              </a:spcAft>
+              <a:buSzPts val="1100"/>
+              <a:buNone/>
+            </a:pPr>
+            <a:r>
+              <a:t/>
+            </a:r>
+            <a:endParaRPr/>
+          </a:p>
+        </p:txBody>
+      </p:sp>
+    </p:spTree>
+  </p:cSld>
+  <p:clrMapOvr>
+    <a:masterClrMapping/>
+  </p:clrMapOvr>
+</p:notes>
+</file>
+
+<file path=ppt/notesSlides/notesSlide7.xml><?xml version="1.0" encoding="utf-8"?>
+<p:notes xmlns:a="http://schemas.openxmlformats.org/drawingml/2006/main" xmlns:r="http://schemas.openxmlformats.org/officeDocument/2006/relationships" xmlns:mc="http://schemas.openxmlformats.org/markup-compatibility/2006" xmlns:mv="urn:schemas-microsoft-com:mac:vml" xmlns:p="http://schemas.openxmlformats.org/presentationml/2006/main" xmlns:c="http://schemas.openxmlformats.org/drawingml/2006/chart" xmlns:dgm="http://schemas.openxmlformats.org/drawingml/2006/diagram" xmlns:o="urn:schemas-microsoft-com:office:office" xmlns:v="urn:schemas-microsoft-com:vml" xmlns:pvml="urn:schemas-microsoft-com:office:powerpoint" xmlns:com="http://schemas.openxmlformats.org/drawingml/2006/compatibility" xmlns:p14="http://schemas.microsoft.com/office/powerpoint/2010/main" xmlns:p15="http://schemas.microsoft.com/office/powerpoint/2012/main" xmlns:ahyp="http://schemas.microsoft.com/office/drawing/2018/hyperlinkcolor" showMasterPhAnim="0" showMasterSp="0">
+  <p:cSld>
+    <p:spTree>
+      <p:nvGrpSpPr>
+        <p:cNvPr id="92" name="Shape 92"/>
+        <p:cNvGrpSpPr/>
+        <p:nvPr/>
+      </p:nvGrpSpPr>
+      <p:grpSpPr>
+        <a:xfrm>
+          <a:off x="0" y="0"/>
+          <a:ext cx="0" cy="0"/>
+          <a:chOff x="0" y="0"/>
+          <a:chExt cx="0" cy="0"/>
+        </a:xfrm>
+      </p:grpSpPr>
+      <p:sp>
+        <p:nvSpPr>
+          <p:cNvPr id="93" name="Google Shape;93;g2face097e27_0_82:notes"/>
+          <p:cNvSpPr/>
+          <p:nvPr>
+            <p:ph idx="2" type="sldImg"/>
+          </p:nvPr>
+        </p:nvSpPr>
+        <p:spPr>
+          <a:xfrm>
+            <a:off x="381300" y="685800"/>
+            <a:ext cx="6096000" cy="3429000"/>
+          </a:xfrm>
+          <a:custGeom>
+            <a:rect b="b" l="l" r="r" t="t"/>
+            <a:pathLst>
+              <a:path extrusionOk="0" h="120000" w="120000">
+                <a:moveTo>
+                  <a:pt x="0" y="0"/>
+                </a:moveTo>
+                <a:lnTo>
+                  <a:pt x="120000" y="0"/>
+                </a:lnTo>
+                <a:lnTo>
+                  <a:pt x="120000" y="120000"/>
+                </a:lnTo>
+                <a:lnTo>
+                  <a:pt x="0" y="120000"/>
+                </a:lnTo>
+                <a:close/>
+              </a:path>
+            </a:pathLst>
+          </a:custGeom>
+          <a:noFill/>
+          <a:ln cap="flat" cmpd="sng" w="9525">
+            <a:solidFill>
+              <a:srgbClr val="000000"/>
+            </a:solidFill>
+            <a:prstDash val="solid"/>
+            <a:round/>
+            <a:headEnd len="sm" w="sm" type="none"/>
+            <a:tailEnd len="sm" w="sm" type="none"/>
+          </a:ln>
+        </p:spPr>
+      </p:sp>
+      <p:sp>
+        <p:nvSpPr>
+          <p:cNvPr id="94" name="Google Shape;94;g2face097e27_0_82:notes"/>
+          <p:cNvSpPr txBox="1"/>
+          <p:nvPr>
+            <p:ph idx="1" type="body"/>
+          </p:nvPr>
+        </p:nvSpPr>
+        <p:spPr>
+          <a:xfrm>
+            <a:off x="685800" y="4343400"/>
+            <a:ext cx="5486400" cy="4114800"/>
+          </a:xfrm>
+          <a:prstGeom prst="rect">
+            <a:avLst/>
+          </a:prstGeom>
+          <a:noFill/>
+          <a:ln>
+            <a:noFill/>
+          </a:ln>
+        </p:spPr>
+        <p:txBody>
+          <a:bodyPr anchorCtr="0" anchor="t" bIns="91425" lIns="91425" spcFirstLastPara="1" rIns="91425" wrap="square" tIns="91425">
+            <a:noAutofit/>
+          </a:bodyPr>
+          <a:lstStyle/>
+          <a:p>
+            <a:pPr indent="0" lvl="0" marL="0" rtl="0" algn="l">
+              <a:lnSpc>
+                <a:spcPct val="100000"/>
+              </a:lnSpc>
+              <a:spcBef>
+                <a:spcPts val="0"/>
+              </a:spcBef>
+              <a:spcAft>
+                <a:spcPts val="0"/>
+              </a:spcAft>
+              <a:buSzPts val="1100"/>
+              <a:buNone/>
+            </a:pPr>
+            <a:r>
+              <a:t/>
+            </a:r>
+            <a:endParaRPr/>
+          </a:p>
+        </p:txBody>
+      </p:sp>
+    </p:spTree>
+  </p:cSld>
+  <p:clrMapOvr>
+    <a:masterClrMapping/>
+  </p:clrMapOvr>
+</p:notes>
+</file>
+
+<file path=ppt/notesSlides/notesSlide8.xml><?xml version="1.0" encoding="utf-8"?>
+<p:notes xmlns:a="http://schemas.openxmlformats.org/drawingml/2006/main" xmlns:r="http://schemas.openxmlformats.org/officeDocument/2006/relationships" xmlns:mc="http://schemas.openxmlformats.org/markup-compatibility/2006" xmlns:mv="urn:schemas-microsoft-com:mac:vml" xmlns:p="http://schemas.openxmlformats.org/presentationml/2006/main" xmlns:c="http://schemas.openxmlformats.org/drawingml/2006/chart" xmlns:dgm="http://schemas.openxmlformats.org/drawingml/2006/diagram" xmlns:o="urn:schemas-microsoft-com:office:office" xmlns:v="urn:schemas-microsoft-com:vml" xmlns:pvml="urn:schemas-microsoft-com:office:powerpoint" xmlns:com="http://schemas.openxmlformats.org/drawingml/2006/compatibility" xmlns:p14="http://schemas.microsoft.com/office/powerpoint/2010/main" xmlns:p15="http://schemas.microsoft.com/office/powerpoint/2012/main" xmlns:ahyp="http://schemas.microsoft.com/office/drawing/2018/hyperlinkcolor" showMasterPhAnim="0" showMasterSp="0">
+  <p:cSld>
+    <p:spTree>
+      <p:nvGrpSpPr>
+        <p:cNvPr id="98" name="Shape 98"/>
+        <p:cNvGrpSpPr/>
+        <p:nvPr/>
+      </p:nvGrpSpPr>
+      <p:grpSpPr>
+        <a:xfrm>
+          <a:off x="0" y="0"/>
+          <a:ext cx="0" cy="0"/>
+          <a:chOff x="0" y="0"/>
+          <a:chExt cx="0" cy="0"/>
+        </a:xfrm>
+      </p:grpSpPr>
+      <p:sp>
+        <p:nvSpPr>
+          <p:cNvPr id="99" name="Google Shape;99;g2face097e27_0_87:notes"/>
+          <p:cNvSpPr/>
+          <p:nvPr>
+            <p:ph idx="2" type="sldImg"/>
+          </p:nvPr>
+        </p:nvSpPr>
+        <p:spPr>
+          <a:xfrm>
+            <a:off x="381300" y="685800"/>
+            <a:ext cx="6096000" cy="3429000"/>
+          </a:xfrm>
+          <a:custGeom>
+            <a:rect b="b" l="l" r="r" t="t"/>
+            <a:pathLst>
+              <a:path extrusionOk="0" h="120000" w="120000">
+                <a:moveTo>
+                  <a:pt x="0" y="0"/>
+                </a:moveTo>
+                <a:lnTo>
+                  <a:pt x="120000" y="0"/>
+                </a:lnTo>
+                <a:lnTo>
+                  <a:pt x="120000" y="120000"/>
+                </a:lnTo>
+                <a:lnTo>
+                  <a:pt x="0" y="120000"/>
+                </a:lnTo>
+                <a:close/>
+              </a:path>
+            </a:pathLst>
+          </a:custGeom>
+          <a:noFill/>
+          <a:ln cap="flat" cmpd="sng" w="9525">
+            <a:solidFill>
+              <a:srgbClr val="000000"/>
+            </a:solidFill>
+            <a:prstDash val="solid"/>
+            <a:round/>
+            <a:headEnd len="sm" w="sm" type="none"/>
+            <a:tailEnd len="sm" w="sm" type="none"/>
+          </a:ln>
+        </p:spPr>
+      </p:sp>
+      <p:sp>
+        <p:nvSpPr>
+          <p:cNvPr id="100" name="Google Shape;100;g2face097e27_0_87:notes"/>
+          <p:cNvSpPr txBox="1"/>
+          <p:nvPr>
+            <p:ph idx="1" type="body"/>
+          </p:nvPr>
+        </p:nvSpPr>
+        <p:spPr>
+          <a:xfrm>
+            <a:off x="685800" y="4343400"/>
+            <a:ext cx="5486400" cy="4114800"/>
+          </a:xfrm>
+          <a:prstGeom prst="rect">
+            <a:avLst/>
+          </a:prstGeom>
+          <a:noFill/>
+          <a:ln>
+            <a:noFill/>
+          </a:ln>
+        </p:spPr>
+        <p:txBody>
+          <a:bodyPr anchorCtr="0" anchor="t" bIns="91425" lIns="91425" spcFirstLastPara="1" rIns="91425" wrap="square" tIns="91425">
+            <a:noAutofit/>
+          </a:bodyPr>
+          <a:lstStyle/>
+          <a:p>
+            <a:pPr indent="0" lvl="0" marL="0" rtl="0" algn="l">
+              <a:lnSpc>
+                <a:spcPct val="100000"/>
+              </a:lnSpc>
+              <a:spcBef>
+                <a:spcPts val="0"/>
+              </a:spcBef>
+              <a:spcAft>
+                <a:spcPts val="0"/>
+              </a:spcAft>
+              <a:buSzPts val="1100"/>
+              <a:buNone/>
+            </a:pPr>
+            <a:r>
+              <a:t/>
+            </a:r>
+            <a:endParaRPr/>
+          </a:p>
+        </p:txBody>
+      </p:sp>
+    </p:spTree>
+  </p:cSld>
+  <p:clrMapOvr>
+    <a:masterClrMapping/>
+  </p:clrMapOvr>
+</p:notes>
+</file>
+
+<file path=ppt/notesSlides/notesSlide9.xml><?xml version="1.0" encoding="utf-8"?>
+<p:notes xmlns:a="http://schemas.openxmlformats.org/drawingml/2006/main" xmlns:r="http://schemas.openxmlformats.org/officeDocument/2006/relationships" xmlns:mc="http://schemas.openxmlformats.org/markup-compatibility/2006" xmlns:mv="urn:schemas-microsoft-com:mac:vml" xmlns:p="http://schemas.openxmlformats.org/presentationml/2006/main" xmlns:c="http://schemas.openxmlformats.org/drawingml/2006/chart" xmlns:dgm="http://schemas.openxmlformats.org/drawingml/2006/diagram" xmlns:o="urn:schemas-microsoft-com:office:office" xmlns:v="urn:schemas-microsoft-com:vml" xmlns:pvml="urn:schemas-microsoft-com:office:powerpoint" xmlns:com="http://schemas.openxmlformats.org/drawingml/2006/compatibility" xmlns:p14="http://schemas.microsoft.com/office/powerpoint/2010/main" xmlns:p15="http://schemas.microsoft.com/office/powerpoint/2012/main" xmlns:ahyp="http://schemas.microsoft.com/office/drawing/2018/hyperlinkcolor" showMasterPhAnim="0" showMasterSp="0">
+  <p:cSld>
+    <p:spTree>
+      <p:nvGrpSpPr>
+        <p:cNvPr id="109" name="Shape 109"/>
+        <p:cNvGrpSpPr/>
+        <p:nvPr/>
+      </p:nvGrpSpPr>
+      <p:grpSpPr>
+        <a:xfrm>
+          <a:off x="0" y="0"/>
+          <a:ext cx="0" cy="0"/>
+          <a:chOff x="0" y="0"/>
+          <a:chExt cx="0" cy="0"/>
+        </a:xfrm>
+      </p:grpSpPr>
+      <p:sp>
+        <p:nvSpPr>
+          <p:cNvPr id="110" name="Google Shape;110;g2face097e27_0_103:notes"/>
+          <p:cNvSpPr/>
+          <p:nvPr>
+            <p:ph idx="2" type="sldImg"/>
+          </p:nvPr>
+        </p:nvSpPr>
+        <p:spPr>
+          <a:xfrm>
+            <a:off x="381300" y="685800"/>
+            <a:ext cx="6096000" cy="3429000"/>
+          </a:xfrm>
+          <a:custGeom>
+            <a:rect b="b" l="l" r="r" t="t"/>
+            <a:pathLst>
+              <a:path extrusionOk="0" h="120000" w="120000">
+                <a:moveTo>
+                  <a:pt x="0" y="0"/>
+                </a:moveTo>
+                <a:lnTo>
+                  <a:pt x="120000" y="0"/>
+                </a:lnTo>
+                <a:lnTo>
+                  <a:pt x="120000" y="120000"/>
+                </a:lnTo>
+                <a:lnTo>
+                  <a:pt x="0" y="120000"/>
+                </a:lnTo>
+                <a:close/>
+              </a:path>
+            </a:pathLst>
+          </a:custGeom>
+          <a:noFill/>
+          <a:ln cap="flat" cmpd="sng" w="9525">
+            <a:solidFill>
+              <a:srgbClr val="000000"/>
+            </a:solidFill>
+            <a:prstDash val="solid"/>
+            <a:round/>
+            <a:headEnd len="sm" w="sm" type="none"/>
+            <a:tailEnd len="sm" w="sm" type="none"/>
+          </a:ln>
+        </p:spPr>
+      </p:sp>
+      <p:sp>
+        <p:nvSpPr>
+          <p:cNvPr id="111" name="Google Shape;111;g2face097e27_0_103:notes"/>
           <p:cNvSpPr txBox="1"/>
           <p:nvPr>
             <p:ph idx="1" type="body"/>
@@ -11249,7 +11346,7 @@
                 <a:cs typeface="Courier New"/>
                 <a:sym typeface="Courier New"/>
               </a:rPr>
-              <a:t>Dr. Talgat Manglayev</a:t>
+              <a:t>Talgat Manglayev</a:t>
             </a:r>
             <a:r>
               <a:rPr lang="en" sz="1800">
@@ -11367,7 +11464,7 @@
                 <a:cs typeface="Courier New"/>
                 <a:sym typeface="Courier New"/>
               </a:rPr>
-              <a:t>Dr. Irina Dolzhikova</a:t>
+              <a:t>Irina Dolzhikova</a:t>
             </a:r>
             <a:r>
               <a:rPr lang="en" sz="1800">
@@ -11481,7 +11578,7 @@
                 <a:cs typeface="Courier New"/>
                 <a:sym typeface="Courier New"/>
               </a:rPr>
-              <a:t>Marat Isteleyev</a:t>
+              <a:t>Aigerim Yessenbayeva</a:t>
             </a:r>
             <a:r>
               <a:rPr lang="en" sz="1800">
@@ -11737,7 +11834,7 @@
   <p:cSld>
     <p:spTree>
       <p:nvGrpSpPr>
-        <p:cNvPr id="114" name="Shape 114"/>
+        <p:cNvPr id="123" name="Shape 123"/>
         <p:cNvGrpSpPr/>
         <p:nvPr/>
       </p:nvGrpSpPr>
@@ -11751,7 +11848,7 @@
       </p:grpSpPr>
       <p:sp>
         <p:nvSpPr>
-          <p:cNvPr id="115" name="Google Shape;115;g2face097e27_0_103"/>
+          <p:cNvPr id="124" name="Google Shape;124;g2f615a3eae8_0_32"/>
           <p:cNvSpPr txBox="1"/>
           <p:nvPr>
             <p:ph type="title"/>
@@ -11807,97 +11904,18 @@
           </a:p>
         </p:txBody>
       </p:sp>
-      <p:pic>
-        <p:nvPicPr>
-          <p:cNvPr id="116" name="Google Shape;116;g2face097e27_0_103"/>
-          <p:cNvPicPr preferRelativeResize="0"/>
-          <p:nvPr/>
-        </p:nvPicPr>
-        <p:blipFill rotWithShape="1">
-          <a:blip r:embed="rId3">
-            <a:alphaModFix/>
-          </a:blip>
-          <a:srcRect b="0" l="0" r="2666" t="0"/>
-          <a:stretch/>
-        </p:blipFill>
-        <p:spPr>
-          <a:xfrm>
-            <a:off x="27525" y="572700"/>
-            <a:ext cx="5603649" cy="1265475"/>
-          </a:xfrm>
-          <a:prstGeom prst="rect">
-            <a:avLst/>
-          </a:prstGeom>
-          <a:noFill/>
-          <a:ln>
-            <a:noFill/>
-          </a:ln>
-        </p:spPr>
-      </p:pic>
-      <p:pic>
-        <p:nvPicPr>
-          <p:cNvPr id="117" name="Google Shape;117;g2face097e27_0_103"/>
-          <p:cNvPicPr preferRelativeResize="0"/>
-          <p:nvPr/>
-        </p:nvPicPr>
-        <p:blipFill rotWithShape="1">
-          <a:blip r:embed="rId4">
-            <a:alphaModFix/>
-          </a:blip>
-          <a:srcRect b="0" l="0" r="0" t="0"/>
-          <a:stretch/>
-        </p:blipFill>
-        <p:spPr>
-          <a:xfrm>
-            <a:off x="3" y="2379419"/>
-            <a:ext cx="5603646" cy="953456"/>
-          </a:xfrm>
-          <a:prstGeom prst="rect">
-            <a:avLst/>
-          </a:prstGeom>
-          <a:noFill/>
-          <a:ln>
-            <a:noFill/>
-          </a:ln>
-        </p:spPr>
-      </p:pic>
-      <p:pic>
-        <p:nvPicPr>
-          <p:cNvPr id="118" name="Google Shape;118;g2face097e27_0_103"/>
-          <p:cNvPicPr preferRelativeResize="0"/>
-          <p:nvPr/>
-        </p:nvPicPr>
-        <p:blipFill rotWithShape="1">
-          <a:blip r:embed="rId5">
-            <a:alphaModFix/>
-          </a:blip>
-          <a:srcRect b="0" l="0" r="0" t="0"/>
-          <a:stretch/>
-        </p:blipFill>
-        <p:spPr>
-          <a:xfrm>
-            <a:off x="5" y="3874124"/>
-            <a:ext cx="5603645" cy="1269379"/>
-          </a:xfrm>
-          <a:prstGeom prst="rect">
-            <a:avLst/>
-          </a:prstGeom>
-          <a:noFill/>
-          <a:ln>
-            <a:noFill/>
-          </a:ln>
-        </p:spPr>
-      </p:pic>
       <p:sp>
         <p:nvSpPr>
-          <p:cNvPr id="119" name="Google Shape;119;g2face097e27_0_103"/>
+          <p:cNvPr id="125" name="Google Shape;125;g2f615a3eae8_0_32"/>
           <p:cNvSpPr txBox="1"/>
-          <p:nvPr/>
+          <p:nvPr>
+            <p:ph idx="1" type="body"/>
+          </p:nvPr>
         </p:nvSpPr>
         <p:spPr>
           <a:xfrm>
-            <a:off x="6026108" y="829683"/>
-            <a:ext cx="3117900" cy="751500"/>
+            <a:off x="0" y="572700"/>
+            <a:ext cx="9144000" cy="4570800"/>
           </a:xfrm>
           <a:prstGeom prst="rect">
             <a:avLst/>
@@ -11908,42 +11926,38 @@
           </a:ln>
         </p:spPr>
         <p:txBody>
-          <a:bodyPr anchorCtr="0" anchor="t" bIns="0" lIns="0" spcFirstLastPara="1" rIns="0" wrap="square" tIns="9525">
-            <a:spAutoFit/>
+          <a:bodyPr anchorCtr="0" anchor="t" bIns="91425" lIns="91425" spcFirstLastPara="1" rIns="91425" wrap="square" tIns="91425">
+            <a:normAutofit/>
           </a:bodyPr>
           <a:lstStyle/>
           <a:p>
-            <a:pPr indent="0" lvl="0" marL="12700" marR="5080" rtl="0" algn="l">
-              <a:lnSpc>
-                <a:spcPct val="100800"/>
-              </a:lnSpc>
-              <a:spcBef>
-                <a:spcPts val="0"/>
-              </a:spcBef>
-              <a:spcAft>
-                <a:spcPts val="0"/>
-              </a:spcAft>
-              <a:buClr>
-                <a:srgbClr val="000000"/>
-              </a:buClr>
-              <a:buSzPts val="2400"/>
-              <a:buFont typeface="Arial"/>
+            <a:pPr indent="0" lvl="0" marL="12700" rtl="0" algn="l">
+              <a:lnSpc>
+                <a:spcPct val="100000"/>
+              </a:lnSpc>
+              <a:spcBef>
+                <a:spcPts val="0"/>
+              </a:spcBef>
+              <a:spcAft>
+                <a:spcPts val="0"/>
+              </a:spcAft>
+              <a:buSzPts val="1800"/>
               <a:buNone/>
             </a:pPr>
             <a:r>
-              <a:rPr i="0" lang="en" sz="2400" u="none" cap="none" strike="noStrike">
-                <a:solidFill>
-                  <a:srgbClr val="000000"/>
-                </a:solidFill>
-                <a:latin typeface="Times New Roman"/>
-                <a:ea typeface="Times New Roman"/>
-                <a:cs typeface="Times New Roman"/>
-                <a:sym typeface="Times New Roman"/>
-              </a:rPr>
-              <a:t>Elements in Normal flow,  </a:t>
-            </a:r>
-            <a:r>
-              <a:rPr i="0" lang="en" sz="2400" u="none" cap="none" strike="noStrike">
+              <a:rPr lang="en" sz="2800">
+                <a:solidFill>
+                  <a:schemeClr val="dk1"/>
+                </a:solidFill>
+                <a:latin typeface="Times New Roman"/>
+                <a:ea typeface="Times New Roman"/>
+                <a:cs typeface="Times New Roman"/>
+                <a:sym typeface="Times New Roman"/>
+              </a:rPr>
+              <a:t>The </a:t>
+            </a:r>
+            <a:r>
+              <a:rPr b="1" lang="en" sz="2800">
                 <a:solidFill>
                   <a:srgbClr val="FF0000"/>
                 </a:solidFill>
@@ -11952,11 +11966,326 @@
                 <a:cs typeface="Times New Roman"/>
                 <a:sym typeface="Times New Roman"/>
               </a:rPr>
-              <a:t>not floated</a:t>
-            </a:r>
-            <a:endParaRPr i="0" sz="2400" u="none" cap="none" strike="noStrike">
+              <a:t>float </a:t>
+            </a:r>
+            <a:r>
+              <a:rPr lang="en" sz="2800">
+                <a:solidFill>
+                  <a:schemeClr val="dk1"/>
+                </a:solidFill>
+                <a:latin typeface="Times New Roman"/>
+                <a:ea typeface="Times New Roman"/>
+                <a:cs typeface="Times New Roman"/>
+                <a:sym typeface="Times New Roman"/>
+              </a:rPr>
+              <a:t>property specifies how an element should float:</a:t>
+            </a:r>
+            <a:endParaRPr sz="2800">
               <a:solidFill>
-                <a:srgbClr val="000000"/>
+                <a:schemeClr val="dk1"/>
+              </a:solidFill>
+              <a:latin typeface="Times New Roman"/>
+              <a:ea typeface="Times New Roman"/>
+              <a:cs typeface="Times New Roman"/>
+              <a:sym typeface="Times New Roman"/>
+            </a:endParaRPr>
+          </a:p>
+          <a:p>
+            <a:pPr indent="-228600" lvl="0" marL="698500" rtl="0" algn="l">
+              <a:lnSpc>
+                <a:spcPct val="100000"/>
+              </a:lnSpc>
+              <a:spcBef>
+                <a:spcPts val="1145"/>
+              </a:spcBef>
+              <a:spcAft>
+                <a:spcPts val="0"/>
+              </a:spcAft>
+              <a:buClr>
+                <a:schemeClr val="dk1"/>
+              </a:buClr>
+              <a:buSzPts val="2800"/>
+              <a:buFont typeface="Times New Roman"/>
+              <a:buChar char="•"/>
+            </a:pPr>
+            <a:r>
+              <a:rPr lang="en" sz="2800">
+                <a:solidFill>
+                  <a:schemeClr val="dk1"/>
+                </a:solidFill>
+                <a:latin typeface="Times New Roman"/>
+                <a:ea typeface="Times New Roman"/>
+                <a:cs typeface="Times New Roman"/>
+                <a:sym typeface="Times New Roman"/>
+              </a:rPr>
+              <a:t>Elements can float to the </a:t>
+            </a:r>
+            <a:r>
+              <a:rPr lang="en" sz="2800">
+                <a:solidFill>
+                  <a:srgbClr val="FF0000"/>
+                </a:solidFill>
+                <a:latin typeface="Times New Roman"/>
+                <a:ea typeface="Times New Roman"/>
+                <a:cs typeface="Times New Roman"/>
+                <a:sym typeface="Times New Roman"/>
+              </a:rPr>
+              <a:t>right </a:t>
+            </a:r>
+            <a:r>
+              <a:rPr lang="en" sz="2800">
+                <a:solidFill>
+                  <a:schemeClr val="dk1"/>
+                </a:solidFill>
+                <a:latin typeface="Times New Roman"/>
+                <a:ea typeface="Times New Roman"/>
+                <a:cs typeface="Times New Roman"/>
+                <a:sym typeface="Times New Roman"/>
+              </a:rPr>
+              <a:t>or </a:t>
+            </a:r>
+            <a:r>
+              <a:rPr lang="en" sz="2800">
+                <a:solidFill>
+                  <a:srgbClr val="FF0000"/>
+                </a:solidFill>
+                <a:latin typeface="Times New Roman"/>
+                <a:ea typeface="Times New Roman"/>
+                <a:cs typeface="Times New Roman"/>
+                <a:sym typeface="Times New Roman"/>
+              </a:rPr>
+              <a:t>left </a:t>
+            </a:r>
+            <a:r>
+              <a:rPr lang="en" sz="2800">
+                <a:solidFill>
+                  <a:schemeClr val="dk1"/>
+                </a:solidFill>
+                <a:latin typeface="Times New Roman"/>
+                <a:ea typeface="Times New Roman"/>
+                <a:cs typeface="Times New Roman"/>
+                <a:sym typeface="Times New Roman"/>
+              </a:rPr>
+              <a:t>(</a:t>
+            </a:r>
+            <a:r>
+              <a:rPr lang="en" sz="2800">
+                <a:solidFill>
+                  <a:srgbClr val="FF0000"/>
+                </a:solidFill>
+                <a:latin typeface="Times New Roman"/>
+                <a:ea typeface="Times New Roman"/>
+                <a:cs typeface="Times New Roman"/>
+                <a:sym typeface="Times New Roman"/>
+              </a:rPr>
+              <a:t>none </a:t>
+            </a:r>
+            <a:r>
+              <a:rPr lang="en" sz="2800">
+                <a:solidFill>
+                  <a:schemeClr val="dk1"/>
+                </a:solidFill>
+                <a:latin typeface="Times New Roman"/>
+                <a:ea typeface="Times New Roman"/>
+                <a:cs typeface="Times New Roman"/>
+                <a:sym typeface="Times New Roman"/>
+              </a:rPr>
+              <a:t>is default)</a:t>
+            </a:r>
+            <a:endParaRPr sz="2800">
+              <a:solidFill>
+                <a:schemeClr val="dk1"/>
+              </a:solidFill>
+              <a:latin typeface="Times New Roman"/>
+              <a:ea typeface="Times New Roman"/>
+              <a:cs typeface="Times New Roman"/>
+              <a:sym typeface="Times New Roman"/>
+            </a:endParaRPr>
+          </a:p>
+          <a:p>
+            <a:pPr indent="-228600" lvl="0" marL="698500" rtl="0" algn="l">
+              <a:lnSpc>
+                <a:spcPct val="100000"/>
+              </a:lnSpc>
+              <a:spcBef>
+                <a:spcPts val="1250"/>
+              </a:spcBef>
+              <a:spcAft>
+                <a:spcPts val="0"/>
+              </a:spcAft>
+              <a:buClr>
+                <a:schemeClr val="dk1"/>
+              </a:buClr>
+              <a:buSzPts val="2800"/>
+              <a:buFont typeface="Times New Roman"/>
+              <a:buChar char="•"/>
+            </a:pPr>
+            <a:r>
+              <a:rPr lang="en" sz="2800">
+                <a:solidFill>
+                  <a:schemeClr val="dk1"/>
+                </a:solidFill>
+                <a:latin typeface="Times New Roman"/>
+                <a:ea typeface="Times New Roman"/>
+                <a:cs typeface="Times New Roman"/>
+                <a:sym typeface="Times New Roman"/>
+              </a:rPr>
+              <a:t>Floated elements are </a:t>
+            </a:r>
+            <a:r>
+              <a:rPr lang="en" sz="2800">
+                <a:solidFill>
+                  <a:srgbClr val="FF0000"/>
+                </a:solidFill>
+                <a:latin typeface="Times New Roman"/>
+                <a:ea typeface="Times New Roman"/>
+                <a:cs typeface="Times New Roman"/>
+                <a:sym typeface="Times New Roman"/>
+              </a:rPr>
+              <a:t>removed </a:t>
+            </a:r>
+            <a:r>
+              <a:rPr lang="en" sz="2800">
+                <a:solidFill>
+                  <a:schemeClr val="dk1"/>
+                </a:solidFill>
+                <a:latin typeface="Times New Roman"/>
+                <a:ea typeface="Times New Roman"/>
+                <a:cs typeface="Times New Roman"/>
+                <a:sym typeface="Times New Roman"/>
+              </a:rPr>
+              <a:t>from the Normal flow</a:t>
+            </a:r>
+            <a:endParaRPr sz="2800">
+              <a:solidFill>
+                <a:schemeClr val="dk1"/>
+              </a:solidFill>
+              <a:latin typeface="Times New Roman"/>
+              <a:ea typeface="Times New Roman"/>
+              <a:cs typeface="Times New Roman"/>
+              <a:sym typeface="Times New Roman"/>
+            </a:endParaRPr>
+          </a:p>
+          <a:p>
+            <a:pPr indent="-228600" lvl="0" marL="698500" marR="850263" rtl="0" algn="l">
+              <a:lnSpc>
+                <a:spcPct val="118600"/>
+              </a:lnSpc>
+              <a:spcBef>
+                <a:spcPts val="525"/>
+              </a:spcBef>
+              <a:spcAft>
+                <a:spcPts val="0"/>
+              </a:spcAft>
+              <a:buClr>
+                <a:schemeClr val="dk1"/>
+              </a:buClr>
+              <a:buSzPts val="2800"/>
+              <a:buFont typeface="Times New Roman"/>
+              <a:buChar char="•"/>
+            </a:pPr>
+            <a:r>
+              <a:rPr lang="en" sz="2800">
+                <a:solidFill>
+                  <a:schemeClr val="dk1"/>
+                </a:solidFill>
+                <a:latin typeface="Times New Roman"/>
+                <a:ea typeface="Times New Roman"/>
+                <a:cs typeface="Times New Roman"/>
+                <a:sym typeface="Times New Roman"/>
+              </a:rPr>
+              <a:t>The next element </a:t>
+            </a:r>
+            <a:r>
+              <a:rPr lang="en" sz="2800">
+                <a:solidFill>
+                  <a:srgbClr val="FF0000"/>
+                </a:solidFill>
+                <a:latin typeface="Times New Roman"/>
+                <a:ea typeface="Times New Roman"/>
+                <a:cs typeface="Times New Roman"/>
+                <a:sym typeface="Times New Roman"/>
+              </a:rPr>
+              <a:t>occupies </a:t>
+            </a:r>
+            <a:r>
+              <a:rPr lang="en" sz="2800">
+                <a:solidFill>
+                  <a:schemeClr val="dk1"/>
+                </a:solidFill>
+                <a:latin typeface="Times New Roman"/>
+                <a:ea typeface="Times New Roman"/>
+                <a:cs typeface="Times New Roman"/>
+                <a:sym typeface="Times New Roman"/>
+              </a:rPr>
+              <a:t>the free space of the floated  element</a:t>
+            </a:r>
+            <a:endParaRPr sz="2800">
+              <a:solidFill>
+                <a:schemeClr val="dk1"/>
+              </a:solidFill>
+              <a:latin typeface="Times New Roman"/>
+              <a:ea typeface="Times New Roman"/>
+              <a:cs typeface="Times New Roman"/>
+              <a:sym typeface="Times New Roman"/>
+            </a:endParaRPr>
+          </a:p>
+          <a:p>
+            <a:pPr indent="-228600" lvl="0" marL="698500" marR="5080" rtl="0" algn="l">
+              <a:lnSpc>
+                <a:spcPct val="119300"/>
+              </a:lnSpc>
+              <a:spcBef>
+                <a:spcPts val="600"/>
+              </a:spcBef>
+              <a:spcAft>
+                <a:spcPts val="0"/>
+              </a:spcAft>
+              <a:buClr>
+                <a:schemeClr val="dk1"/>
+              </a:buClr>
+              <a:buSzPts val="2800"/>
+              <a:buChar char="•"/>
+            </a:pPr>
+            <a:r>
+              <a:rPr lang="en" sz="2800">
+                <a:solidFill>
+                  <a:schemeClr val="dk1"/>
+                </a:solidFill>
+                <a:latin typeface="Times New Roman"/>
+                <a:ea typeface="Times New Roman"/>
+                <a:cs typeface="Times New Roman"/>
+                <a:sym typeface="Times New Roman"/>
+              </a:rPr>
+              <a:t>The </a:t>
+            </a:r>
+            <a:r>
+              <a:rPr b="1" lang="en" sz="2800">
+                <a:solidFill>
+                  <a:srgbClr val="FF0000"/>
+                </a:solidFill>
+                <a:latin typeface="Times New Roman"/>
+                <a:ea typeface="Times New Roman"/>
+                <a:cs typeface="Times New Roman"/>
+                <a:sym typeface="Times New Roman"/>
+              </a:rPr>
+              <a:t>clear </a:t>
+            </a:r>
+            <a:r>
+              <a:rPr lang="en" sz="2800">
+                <a:solidFill>
+                  <a:schemeClr val="dk1"/>
+                </a:solidFill>
+                <a:latin typeface="Times New Roman"/>
+                <a:ea typeface="Times New Roman"/>
+                <a:cs typeface="Times New Roman"/>
+                <a:sym typeface="Times New Roman"/>
+              </a:rPr>
+              <a:t>property prevents the next element from occupying  free space of the floating element</a:t>
+            </a:r>
+            <a:endParaRPr sz="2800">
+              <a:solidFill>
+                <a:schemeClr val="dk1"/>
               </a:solidFill>
               <a:latin typeface="Times New Roman"/>
               <a:ea typeface="Times New Roman"/>
@@ -11968,14 +12297,14 @@
       </p:sp>
       <p:sp>
         <p:nvSpPr>
-          <p:cNvPr id="120" name="Google Shape;120;g2face097e27_0_103"/>
+          <p:cNvPr id="126" name="Google Shape;126;g2f615a3eae8_0_32"/>
           <p:cNvSpPr txBox="1"/>
           <p:nvPr/>
         </p:nvSpPr>
         <p:spPr>
           <a:xfrm>
-            <a:off x="6026102" y="2380650"/>
-            <a:ext cx="3117900" cy="751800"/>
+            <a:off x="0" y="4758600"/>
+            <a:ext cx="9144000" cy="384900"/>
           </a:xfrm>
           <a:prstGeom prst="rect">
             <a:avLst/>
@@ -11986,222 +12315,64 @@
           </a:ln>
         </p:spPr>
         <p:txBody>
-          <a:bodyPr anchorCtr="0" anchor="t" bIns="0" lIns="0" spcFirstLastPara="1" rIns="0" wrap="square" tIns="12700">
+          <a:bodyPr anchorCtr="0" anchor="t" bIns="91425" lIns="91425" spcFirstLastPara="1" rIns="91425" wrap="square" tIns="91425">
             <a:spAutoFit/>
           </a:bodyPr>
           <a:lstStyle/>
           <a:p>
-            <a:pPr indent="0" lvl="0" marL="12700" marR="0" rtl="0" algn="l">
-              <a:lnSpc>
-                <a:spcPct val="100000"/>
-              </a:lnSpc>
-              <a:spcBef>
-                <a:spcPts val="0"/>
-              </a:spcBef>
-              <a:spcAft>
-                <a:spcPts val="0"/>
-              </a:spcAft>
-              <a:buClr>
-                <a:srgbClr val="000000"/>
-              </a:buClr>
-              <a:buSzPts val="2400"/>
-              <a:buFont typeface="Arial"/>
+            <a:pPr indent="0" lvl="0" marL="0" rtl="0" algn="l">
+              <a:spcBef>
+                <a:spcPts val="0"/>
+              </a:spcBef>
+              <a:spcAft>
+                <a:spcPts val="0"/>
+              </a:spcAft>
               <a:buNone/>
             </a:pPr>
             <a:r>
-              <a:rPr i="0" lang="en" sz="2400" u="sng" cap="none" strike="noStrike">
-                <a:solidFill>
-                  <a:srgbClr val="000000"/>
-                </a:solidFill>
-                <a:latin typeface="Times New Roman"/>
-                <a:ea typeface="Times New Roman"/>
-                <a:cs typeface="Times New Roman"/>
-                <a:sym typeface="Times New Roman"/>
-              </a:rPr>
-              <a:t>Paragraph 1</a:t>
-            </a:r>
-            <a:r>
-              <a:rPr i="0" lang="en" sz="2400" u="none" cap="none" strike="noStrike">
-                <a:solidFill>
-                  <a:srgbClr val="000000"/>
-                </a:solidFill>
-                <a:latin typeface="Times New Roman"/>
-                <a:ea typeface="Times New Roman"/>
-                <a:cs typeface="Times New Roman"/>
-                <a:sym typeface="Times New Roman"/>
-              </a:rPr>
-              <a:t> is </a:t>
-            </a:r>
-            <a:r>
-              <a:rPr i="0" lang="en" sz="2400" u="none" cap="none" strike="noStrike">
-                <a:solidFill>
-                  <a:srgbClr val="FF0000"/>
-                </a:solidFill>
-                <a:latin typeface="Times New Roman"/>
-                <a:ea typeface="Times New Roman"/>
-                <a:cs typeface="Times New Roman"/>
-                <a:sym typeface="Times New Roman"/>
-              </a:rPr>
-              <a:t>floated </a:t>
-            </a:r>
-            <a:r>
-              <a:rPr i="0" lang="en" sz="2400" u="none" cap="none" strike="noStrike">
-                <a:solidFill>
-                  <a:srgbClr val="000000"/>
-                </a:solidFill>
-                <a:latin typeface="Times New Roman"/>
-                <a:ea typeface="Times New Roman"/>
-                <a:cs typeface="Times New Roman"/>
-                <a:sym typeface="Times New Roman"/>
-              </a:rPr>
-              <a:t>to the right</a:t>
-            </a:r>
-            <a:endParaRPr i="0" sz="2400" u="none" cap="none" strike="noStrike">
+              <a:rPr b="1" lang="en" sz="1300">
+                <a:solidFill>
+                  <a:srgbClr val="7030A0"/>
+                </a:solidFill>
+                <a:latin typeface="Courier New"/>
+                <a:ea typeface="Courier New"/>
+                <a:cs typeface="Courier New"/>
+                <a:sym typeface="Courier New"/>
+              </a:rPr>
+              <a:t>4</a:t>
+            </a:r>
+            <a:r>
+              <a:rPr b="1" lang="en" sz="1300">
+                <a:solidFill>
+                  <a:srgbClr val="7030A0"/>
+                </a:solidFill>
+                <a:latin typeface="Courier New"/>
+                <a:ea typeface="Courier New"/>
+                <a:cs typeface="Courier New"/>
+                <a:sym typeface="Courier New"/>
+              </a:rPr>
+              <a:t>.1 float.html, </a:t>
+            </a:r>
+            <a:r>
+              <a:rPr b="1" lang="en" sz="1300">
+                <a:solidFill>
+                  <a:srgbClr val="7030A0"/>
+                </a:solidFill>
+                <a:latin typeface="Courier New"/>
+                <a:ea typeface="Courier New"/>
+                <a:cs typeface="Courier New"/>
+                <a:sym typeface="Courier New"/>
+              </a:rPr>
+              <a:t>4.2 float.html, 4.3 float.html</a:t>
+            </a:r>
+            <a:endParaRPr b="1" sz="1300">
               <a:solidFill>
-                <a:srgbClr val="000000"/>
+                <a:srgbClr val="7030A0"/>
               </a:solidFill>
-              <a:latin typeface="Times New Roman"/>
-              <a:ea typeface="Times New Roman"/>
-              <a:cs typeface="Times New Roman"/>
-              <a:sym typeface="Times New Roman"/>
-            </a:endParaRPr>
-          </a:p>
-        </p:txBody>
-      </p:sp>
-      <p:sp>
-        <p:nvSpPr>
-          <p:cNvPr id="121" name="Google Shape;121;g2face097e27_0_103"/>
-          <p:cNvSpPr txBox="1"/>
-          <p:nvPr/>
-        </p:nvSpPr>
-        <p:spPr>
-          <a:xfrm>
-            <a:off x="6026102" y="3874125"/>
-            <a:ext cx="3117900" cy="1121100"/>
-          </a:xfrm>
-          <a:prstGeom prst="rect">
-            <a:avLst/>
-          </a:prstGeom>
-          <a:noFill/>
-          <a:ln>
-            <a:noFill/>
-          </a:ln>
-        </p:spPr>
-        <p:txBody>
-          <a:bodyPr anchorCtr="0" anchor="t" bIns="0" lIns="0" spcFirstLastPara="1" rIns="0" wrap="square" tIns="12700">
-            <a:spAutoFit/>
-          </a:bodyPr>
-          <a:lstStyle/>
-          <a:p>
-            <a:pPr indent="0" lvl="0" marL="12700" marR="5080" rtl="0" algn="l">
-              <a:lnSpc>
-                <a:spcPct val="100000"/>
-              </a:lnSpc>
-              <a:spcBef>
-                <a:spcPts val="0"/>
-              </a:spcBef>
-              <a:spcAft>
-                <a:spcPts val="0"/>
-              </a:spcAft>
-              <a:buClr>
-                <a:srgbClr val="000000"/>
-              </a:buClr>
-              <a:buSzPts val="2400"/>
-              <a:buFont typeface="Arial"/>
-              <a:buNone/>
-            </a:pPr>
-            <a:r>
-              <a:rPr i="0" lang="en" sz="2400" u="sng" cap="none" strike="noStrike">
-                <a:solidFill>
-                  <a:srgbClr val="000000"/>
-                </a:solidFill>
-                <a:latin typeface="Times New Roman"/>
-                <a:ea typeface="Times New Roman"/>
-                <a:cs typeface="Times New Roman"/>
-                <a:sym typeface="Times New Roman"/>
-              </a:rPr>
-              <a:t>Paragraph 1</a:t>
-            </a:r>
-            <a:r>
-              <a:rPr i="0" lang="en" sz="2400" u="none" cap="none" strike="noStrike">
-                <a:solidFill>
-                  <a:srgbClr val="000000"/>
-                </a:solidFill>
-                <a:latin typeface="Times New Roman"/>
-                <a:ea typeface="Times New Roman"/>
-                <a:cs typeface="Times New Roman"/>
-                <a:sym typeface="Times New Roman"/>
-              </a:rPr>
-              <a:t> is </a:t>
-            </a:r>
-            <a:r>
-              <a:rPr i="0" lang="en" sz="2400" u="none" cap="none" strike="noStrike">
-                <a:solidFill>
-                  <a:srgbClr val="FF0000"/>
-                </a:solidFill>
-                <a:latin typeface="Times New Roman"/>
-                <a:ea typeface="Times New Roman"/>
-                <a:cs typeface="Times New Roman"/>
-                <a:sym typeface="Times New Roman"/>
-              </a:rPr>
-              <a:t>floated </a:t>
-            </a:r>
-            <a:r>
-              <a:rPr i="0" lang="en" sz="2400" u="none" cap="none" strike="noStrike">
-                <a:solidFill>
-                  <a:srgbClr val="000000"/>
-                </a:solidFill>
-                <a:latin typeface="Times New Roman"/>
-                <a:ea typeface="Times New Roman"/>
-                <a:cs typeface="Times New Roman"/>
-                <a:sym typeface="Times New Roman"/>
-              </a:rPr>
-              <a:t>to the right,  </a:t>
-            </a:r>
-            <a:r>
-              <a:rPr i="0" lang="en" sz="2400" u="sng" cap="none" strike="noStrike">
-                <a:solidFill>
-                  <a:srgbClr val="000000"/>
-                </a:solidFill>
-                <a:latin typeface="Times New Roman"/>
-                <a:ea typeface="Times New Roman"/>
-                <a:cs typeface="Times New Roman"/>
-                <a:sym typeface="Times New Roman"/>
-              </a:rPr>
-              <a:t>Paragraph 2</a:t>
-            </a:r>
-            <a:r>
-              <a:rPr i="0" lang="en" sz="2400" u="none" cap="none" strike="noStrike">
-                <a:solidFill>
-                  <a:srgbClr val="000000"/>
-                </a:solidFill>
-                <a:latin typeface="Times New Roman"/>
-                <a:ea typeface="Times New Roman"/>
-                <a:cs typeface="Times New Roman"/>
-                <a:sym typeface="Times New Roman"/>
-              </a:rPr>
-              <a:t> is </a:t>
-            </a:r>
-            <a:r>
-              <a:rPr b="1" i="0" lang="en" sz="2400" u="none" cap="none" strike="noStrike">
-                <a:solidFill>
-                  <a:srgbClr val="4472C4"/>
-                </a:solidFill>
-                <a:latin typeface="Times New Roman"/>
-                <a:ea typeface="Times New Roman"/>
-                <a:cs typeface="Times New Roman"/>
-                <a:sym typeface="Times New Roman"/>
-              </a:rPr>
-              <a:t>cleared</a:t>
-            </a:r>
-            <a:endParaRPr i="0" sz="2400" u="none" cap="none" strike="noStrike">
-              <a:solidFill>
-                <a:srgbClr val="000000"/>
-              </a:solidFill>
-              <a:latin typeface="Times New Roman"/>
-              <a:ea typeface="Times New Roman"/>
-              <a:cs typeface="Times New Roman"/>
-              <a:sym typeface="Times New Roman"/>
+              <a:latin typeface="Courier New"/>
+              <a:ea typeface="Courier New"/>
+              <a:cs typeface="Courier New"/>
+              <a:sym typeface="Courier New"/>
             </a:endParaRPr>
           </a:p>
         </p:txBody>
@@ -12219,7 +12390,7 @@
   <p:cSld>
     <p:spTree>
       <p:nvGrpSpPr>
-        <p:cNvPr id="125" name="Shape 125"/>
+        <p:cNvPr id="130" name="Shape 130"/>
         <p:cNvGrpSpPr/>
         <p:nvPr/>
       </p:nvGrpSpPr>
@@ -12233,7 +12404,7 @@
       </p:grpSpPr>
       <p:sp>
         <p:nvSpPr>
-          <p:cNvPr id="126" name="Google Shape;126;g2face097e27_0_120"/>
+          <p:cNvPr id="131" name="Google Shape;131;g2face097e27_0_120"/>
           <p:cNvSpPr txBox="1"/>
           <p:nvPr>
             <p:ph type="title"/>
@@ -12291,7 +12462,7 @@
       </p:sp>
       <p:sp>
         <p:nvSpPr>
-          <p:cNvPr id="127" name="Google Shape;127;g2face097e27_0_120"/>
+          <p:cNvPr id="132" name="Google Shape;132;g2face097e27_0_120"/>
           <p:cNvSpPr txBox="1"/>
           <p:nvPr>
             <p:ph idx="1" type="body"/>
@@ -12312,7 +12483,7 @@
         </p:spPr>
         <p:txBody>
           <a:bodyPr anchorCtr="0" anchor="t" bIns="91425" lIns="91425" spcFirstLastPara="1" rIns="91425" wrap="square" tIns="91425">
-            <a:normAutofit lnSpcReduction="20000"/>
+            <a:normAutofit/>
           </a:bodyPr>
           <a:lstStyle/>
           <a:p>
@@ -12334,30 +12505,9 @@
               <a:buNone/>
             </a:pPr>
             <a:r>
-              <a:rPr b="1" lang="en" sz="2800">
-                <a:solidFill>
-                  <a:srgbClr val="FF0000"/>
-                </a:solidFill>
-                <a:latin typeface="Times New Roman"/>
-                <a:ea typeface="Times New Roman"/>
-                <a:cs typeface="Times New Roman"/>
-                <a:sym typeface="Times New Roman"/>
-              </a:rPr>
-              <a:t>Position </a:t>
-            </a:r>
-            <a:r>
-              <a:rPr lang="en" sz="2800">
-                <a:solidFill>
-                  <a:schemeClr val="dk1"/>
-                </a:solidFill>
-                <a:latin typeface="Times New Roman"/>
-                <a:ea typeface="Times New Roman"/>
-                <a:cs typeface="Times New Roman"/>
-                <a:sym typeface="Times New Roman"/>
-              </a:rPr>
-              <a:t>property specifies the type of positioning method used for an  element:</a:t>
-            </a:r>
-            <a:endParaRPr sz="2800">
+              <a:t/>
+            </a:r>
+            <a:endParaRPr sz="2400">
               <a:solidFill>
                 <a:schemeClr val="dk1"/>
               </a:solidFill>
@@ -12368,36 +12518,25 @@
             </a:endParaRPr>
           </a:p>
           <a:p>
-            <a:pPr indent="-228600" lvl="0" marL="698500" rtl="0" algn="l">
-              <a:lnSpc>
-                <a:spcPct val="100000"/>
-              </a:lnSpc>
-              <a:spcBef>
-                <a:spcPts val="540"/>
-              </a:spcBef>
-              <a:spcAft>
-                <a:spcPts val="0"/>
-              </a:spcAft>
-              <a:buClr>
-                <a:srgbClr val="FF0000"/>
-              </a:buClr>
-              <a:buSzPts val="2500"/>
-              <a:buChar char="•"/>
+            <a:pPr indent="0" lvl="0" marL="12700" marR="1065530" rtl="0" algn="l">
+              <a:lnSpc>
+                <a:spcPct val="101400"/>
+              </a:lnSpc>
+              <a:spcBef>
+                <a:spcPts val="0"/>
+              </a:spcBef>
+              <a:spcAft>
+                <a:spcPts val="0"/>
+              </a:spcAft>
+              <a:buClr>
+                <a:schemeClr val="dk1"/>
+              </a:buClr>
+              <a:buSzPts val="2800"/>
+              <a:buFont typeface="Arial"/>
+              <a:buNone/>
             </a:pPr>
             <a:r>
-              <a:rPr b="1" lang="en" sz="2500">
-                <a:solidFill>
-                  <a:srgbClr val="FF0000"/>
-                </a:solidFill>
-                <a:latin typeface="Times New Roman"/>
-                <a:ea typeface="Times New Roman"/>
-                <a:cs typeface="Times New Roman"/>
-                <a:sym typeface="Times New Roman"/>
-              </a:rPr>
-              <a:t>static </a:t>
-            </a:r>
-            <a:r>
-              <a:rPr lang="en" sz="2500">
+              <a:rPr lang="en" sz="2400">
                 <a:solidFill>
                   <a:schemeClr val="dk1"/>
                 </a:solidFill>
@@ -12406,10 +12545,10 @@
                 <a:cs typeface="Times New Roman"/>
                 <a:sym typeface="Times New Roman"/>
               </a:rPr>
-              <a:t>- positioned according to the </a:t>
-            </a:r>
-            <a:r>
-              <a:rPr lang="en" sz="2500" u="sng">
+              <a:t>S</a:t>
+            </a:r>
+            <a:r>
+              <a:rPr lang="en" sz="2400">
                 <a:solidFill>
                   <a:schemeClr val="dk1"/>
                 </a:solidFill>
@@ -12418,21 +12557,9 @@
                 <a:cs typeface="Times New Roman"/>
                 <a:sym typeface="Times New Roman"/>
               </a:rPr>
-              <a:t>normal flow</a:t>
-            </a:r>
-            <a:r>
-              <a:rPr lang="en" sz="2500">
-                <a:solidFill>
-                  <a:schemeClr val="dk1"/>
-                </a:solidFill>
-                <a:latin typeface="Times New Roman"/>
-                <a:ea typeface="Times New Roman"/>
-                <a:cs typeface="Times New Roman"/>
-                <a:sym typeface="Times New Roman"/>
-              </a:rPr>
-              <a:t> (default)</a:t>
-            </a:r>
-            <a:endParaRPr sz="2500">
+              <a:t>pecifies the type of positioning method used for an  element:</a:t>
+            </a:r>
+            <a:endParaRPr sz="2400">
               <a:solidFill>
                 <a:schemeClr val="dk1"/>
               </a:solidFill>
@@ -12443,95 +12570,27 @@
             </a:endParaRPr>
           </a:p>
           <a:p>
-            <a:pPr indent="-228600" lvl="0" marL="698500" rtl="0" algn="l">
-              <a:lnSpc>
-                <a:spcPct val="100000"/>
-              </a:lnSpc>
-              <a:spcBef>
-                <a:spcPts val="505"/>
-              </a:spcBef>
-              <a:spcAft>
-                <a:spcPts val="0"/>
-              </a:spcAft>
-              <a:buClr>
-                <a:srgbClr val="548235"/>
-              </a:buClr>
-              <a:buSzPts val="2500"/>
-              <a:buChar char="•"/>
+            <a:pPr indent="0" lvl="0" marL="12700" marR="1065530" rtl="0" algn="l">
+              <a:lnSpc>
+                <a:spcPct val="101400"/>
+              </a:lnSpc>
+              <a:spcBef>
+                <a:spcPts val="0"/>
+              </a:spcBef>
+              <a:spcAft>
+                <a:spcPts val="0"/>
+              </a:spcAft>
+              <a:buClr>
+                <a:schemeClr val="dk1"/>
+              </a:buClr>
+              <a:buSzPts val="2800"/>
+              <a:buFont typeface="Arial"/>
+              <a:buNone/>
             </a:pPr>
             <a:r>
-              <a:rPr b="1" lang="en" sz="2500">
-                <a:solidFill>
-                  <a:srgbClr val="548235"/>
-                </a:solidFill>
-                <a:latin typeface="Times New Roman"/>
-                <a:ea typeface="Times New Roman"/>
-                <a:cs typeface="Times New Roman"/>
-                <a:sym typeface="Times New Roman"/>
-              </a:rPr>
-              <a:t>relative </a:t>
-            </a:r>
-            <a:r>
-              <a:rPr lang="en" sz="2500">
-                <a:solidFill>
-                  <a:schemeClr val="dk1"/>
-                </a:solidFill>
-                <a:latin typeface="Times New Roman"/>
-                <a:ea typeface="Times New Roman"/>
-                <a:cs typeface="Times New Roman"/>
-                <a:sym typeface="Times New Roman"/>
-              </a:rPr>
-              <a:t>- positioned relative to its </a:t>
-            </a:r>
-            <a:r>
-              <a:rPr lang="en" sz="2500" u="sng">
-                <a:solidFill>
-                  <a:schemeClr val="dk1"/>
-                </a:solidFill>
-                <a:latin typeface="Times New Roman"/>
-                <a:ea typeface="Times New Roman"/>
-                <a:cs typeface="Times New Roman"/>
-                <a:sym typeface="Times New Roman"/>
-              </a:rPr>
-              <a:t>normal position</a:t>
-            </a:r>
-            <a:r>
-              <a:rPr lang="en" sz="2500">
-                <a:solidFill>
-                  <a:schemeClr val="dk1"/>
-                </a:solidFill>
-                <a:latin typeface="Times New Roman"/>
-                <a:ea typeface="Times New Roman"/>
-                <a:cs typeface="Times New Roman"/>
-                <a:sym typeface="Times New Roman"/>
-              </a:rPr>
-              <a:t> (</a:t>
-            </a:r>
-            <a:r>
-              <a:rPr b="1" lang="en" sz="2500">
-                <a:solidFill>
-                  <a:srgbClr val="C00000"/>
-                </a:solidFill>
-                <a:latin typeface="Times New Roman"/>
-                <a:ea typeface="Times New Roman"/>
-                <a:cs typeface="Times New Roman"/>
-                <a:sym typeface="Times New Roman"/>
-              </a:rPr>
-              <a:t>preserves </a:t>
-            </a:r>
-            <a:r>
-              <a:rPr lang="en" sz="2500">
-                <a:solidFill>
-                  <a:schemeClr val="dk1"/>
-                </a:solidFill>
-                <a:latin typeface="Times New Roman"/>
-                <a:ea typeface="Times New Roman"/>
-                <a:cs typeface="Times New Roman"/>
-                <a:sym typeface="Times New Roman"/>
-              </a:rPr>
-              <a:t>space)</a:t>
-            </a:r>
-            <a:endParaRPr sz="2500">
+              <a:t/>
+            </a:r>
+            <a:endParaRPr sz="2400">
               <a:solidFill>
                 <a:schemeClr val="dk1"/>
               </a:solidFill>
@@ -12542,36 +12601,36 @@
             </a:endParaRPr>
           </a:p>
           <a:p>
-            <a:pPr indent="-228600" lvl="0" marL="698500" rtl="0" algn="l">
-              <a:lnSpc>
-                <a:spcPct val="100000"/>
-              </a:lnSpc>
-              <a:spcBef>
-                <a:spcPts val="505"/>
-              </a:spcBef>
-              <a:spcAft>
-                <a:spcPts val="0"/>
-              </a:spcAft>
-              <a:buClr>
-                <a:srgbClr val="4472C4"/>
-              </a:buClr>
-              <a:buSzPts val="2500"/>
+            <a:pPr indent="-136525" lvl="0" marL="571500" rtl="0" algn="l">
+              <a:lnSpc>
+                <a:spcPct val="100000"/>
+              </a:lnSpc>
+              <a:spcBef>
+                <a:spcPts val="540"/>
+              </a:spcBef>
+              <a:spcAft>
+                <a:spcPts val="0"/>
+              </a:spcAft>
+              <a:buClr>
+                <a:srgbClr val="FF0000"/>
+              </a:buClr>
+              <a:buSzPts val="2000"/>
               <a:buChar char="•"/>
             </a:pPr>
             <a:r>
-              <a:rPr b="1" lang="en" sz="2500">
-                <a:solidFill>
-                  <a:srgbClr val="4472C4"/>
-                </a:solidFill>
-                <a:latin typeface="Times New Roman"/>
-                <a:ea typeface="Times New Roman"/>
-                <a:cs typeface="Times New Roman"/>
-                <a:sym typeface="Times New Roman"/>
-              </a:rPr>
-              <a:t>absolute </a:t>
-            </a:r>
-            <a:r>
-              <a:rPr lang="en" sz="2500">
+              <a:rPr b="1" lang="en" sz="2000">
+                <a:solidFill>
+                  <a:srgbClr val="FF0000"/>
+                </a:solidFill>
+                <a:latin typeface="Times New Roman"/>
+                <a:ea typeface="Times New Roman"/>
+                <a:cs typeface="Times New Roman"/>
+                <a:sym typeface="Times New Roman"/>
+              </a:rPr>
+              <a:t>static </a:t>
+            </a:r>
+            <a:r>
+              <a:rPr lang="en" sz="2000">
                 <a:solidFill>
                   <a:schemeClr val="dk1"/>
                 </a:solidFill>
@@ -12580,10 +12639,10 @@
                 <a:cs typeface="Times New Roman"/>
                 <a:sym typeface="Times New Roman"/>
               </a:rPr>
-              <a:t>- positioned relative to the </a:t>
-            </a:r>
-            <a:r>
-              <a:rPr lang="en" sz="2500" u="sng">
+              <a:t>- positioned according to the </a:t>
+            </a:r>
+            <a:r>
+              <a:rPr lang="en" sz="2000" u="sng">
                 <a:solidFill>
                   <a:schemeClr val="dk1"/>
                 </a:solidFill>
@@ -12592,10 +12651,10 @@
                 <a:cs typeface="Times New Roman"/>
                 <a:sym typeface="Times New Roman"/>
               </a:rPr>
-              <a:t>nearest positioned ancestor</a:t>
-            </a:r>
-            <a:r>
-              <a:rPr lang="en" sz="2500">
+              <a:t>normal flow</a:t>
+            </a:r>
+            <a:r>
+              <a:rPr lang="en" sz="2000">
                 <a:solidFill>
                   <a:schemeClr val="dk1"/>
                 </a:solidFill>
@@ -12604,33 +12663,9 @@
                 <a:cs typeface="Times New Roman"/>
                 <a:sym typeface="Times New Roman"/>
               </a:rPr>
-              <a:t> (</a:t>
-            </a:r>
-            <a:r>
-              <a:rPr b="1" lang="en" sz="2500">
-                <a:solidFill>
-                  <a:srgbClr val="C00000"/>
-                </a:solidFill>
-                <a:latin typeface="Times New Roman"/>
-                <a:ea typeface="Times New Roman"/>
-                <a:cs typeface="Times New Roman"/>
-                <a:sym typeface="Times New Roman"/>
-              </a:rPr>
-              <a:t>removes </a:t>
-            </a:r>
-            <a:r>
-              <a:rPr lang="en" sz="2500">
-                <a:solidFill>
-                  <a:schemeClr val="dk1"/>
-                </a:solidFill>
-                <a:latin typeface="Times New Roman"/>
-                <a:ea typeface="Times New Roman"/>
-                <a:cs typeface="Times New Roman"/>
-                <a:sym typeface="Times New Roman"/>
-              </a:rPr>
-              <a:t>space)</a:t>
-            </a:r>
-            <a:endParaRPr sz="2500">
+              <a:t> (default)</a:t>
+            </a:r>
+            <a:endParaRPr sz="2000">
               <a:solidFill>
                 <a:schemeClr val="dk1"/>
               </a:solidFill>
@@ -12641,7 +12676,7 @@
             </a:endParaRPr>
           </a:p>
           <a:p>
-            <a:pPr indent="-228600" lvl="0" marL="698500" rtl="0" algn="l">
+            <a:pPr indent="-136525" lvl="0" marL="571500" rtl="0" algn="l">
               <a:lnSpc>
                 <a:spcPct val="100000"/>
               </a:lnSpc>
@@ -12652,25 +12687,25 @@
                 <a:spcPts val="0"/>
               </a:spcAft>
               <a:buClr>
-                <a:srgbClr val="843C0C"/>
-              </a:buClr>
-              <a:buSzPts val="2500"/>
+                <a:srgbClr val="548235"/>
+              </a:buClr>
+              <a:buSzPts val="2000"/>
               <a:buChar char="•"/>
             </a:pPr>
             <a:r>
-              <a:rPr b="1" lang="en" sz="2500">
-                <a:solidFill>
-                  <a:srgbClr val="843C0C"/>
-                </a:solidFill>
-                <a:latin typeface="Times New Roman"/>
-                <a:ea typeface="Times New Roman"/>
-                <a:cs typeface="Times New Roman"/>
-                <a:sym typeface="Times New Roman"/>
-              </a:rPr>
-              <a:t>fixed </a:t>
-            </a:r>
-            <a:r>
-              <a:rPr lang="en" sz="2500">
+              <a:rPr b="1" lang="en" sz="2000">
+                <a:solidFill>
+                  <a:srgbClr val="548235"/>
+                </a:solidFill>
+                <a:latin typeface="Times New Roman"/>
+                <a:ea typeface="Times New Roman"/>
+                <a:cs typeface="Times New Roman"/>
+                <a:sym typeface="Times New Roman"/>
+              </a:rPr>
+              <a:t>relative </a:t>
+            </a:r>
+            <a:r>
+              <a:rPr lang="en" sz="2000">
                 <a:solidFill>
                   <a:schemeClr val="dk1"/>
                 </a:solidFill>
@@ -12679,10 +12714,10 @@
                 <a:cs typeface="Times New Roman"/>
                 <a:sym typeface="Times New Roman"/>
               </a:rPr>
-              <a:t>- positioned relative to the </a:t>
-            </a:r>
-            <a:r>
-              <a:rPr lang="en" sz="2500" u="sng">
+              <a:t>- positioned relative to its </a:t>
+            </a:r>
+            <a:r>
+              <a:rPr lang="en" sz="2000" u="sng">
                 <a:solidFill>
                   <a:schemeClr val="dk1"/>
                 </a:solidFill>
@@ -12691,10 +12726,10 @@
                 <a:cs typeface="Times New Roman"/>
                 <a:sym typeface="Times New Roman"/>
               </a:rPr>
-              <a:t>viewport</a:t>
-            </a:r>
-            <a:r>
-              <a:rPr lang="en" sz="2500">
+              <a:t>normal position</a:t>
+            </a:r>
+            <a:r>
+              <a:rPr lang="en" sz="2000">
                 <a:solidFill>
                   <a:schemeClr val="dk1"/>
                 </a:solidFill>
@@ -12706,7 +12741,7 @@
               <a:t> (</a:t>
             </a:r>
             <a:r>
-              <a:rPr b="1" lang="en" sz="2500">
+              <a:rPr b="1" lang="en" sz="2000">
                 <a:solidFill>
                   <a:srgbClr val="C00000"/>
                 </a:solidFill>
@@ -12715,10 +12750,10 @@
                 <a:cs typeface="Times New Roman"/>
                 <a:sym typeface="Times New Roman"/>
               </a:rPr>
-              <a:t>removes </a:t>
-            </a:r>
-            <a:r>
-              <a:rPr lang="en" sz="2500">
+              <a:t>preserves </a:t>
+            </a:r>
+            <a:r>
+              <a:rPr lang="en" sz="2000">
                 <a:solidFill>
                   <a:schemeClr val="dk1"/>
                 </a:solidFill>
@@ -12729,7 +12764,7 @@
               </a:rPr>
               <a:t>space)</a:t>
             </a:r>
-            <a:endParaRPr sz="2500">
+            <a:endParaRPr sz="2000">
               <a:solidFill>
                 <a:schemeClr val="dk1"/>
               </a:solidFill>
@@ -12740,36 +12775,36 @@
             </a:endParaRPr>
           </a:p>
           <a:p>
-            <a:pPr indent="-228600" lvl="0" marL="698500" rtl="0" algn="l">
-              <a:lnSpc>
-                <a:spcPct val="100000"/>
-              </a:lnSpc>
-              <a:spcBef>
-                <a:spcPts val="480"/>
-              </a:spcBef>
-              <a:spcAft>
-                <a:spcPts val="0"/>
-              </a:spcAft>
-              <a:buClr>
-                <a:srgbClr val="7030A0"/>
-              </a:buClr>
-              <a:buSzPts val="2500"/>
+            <a:pPr indent="-136525" lvl="0" marL="571500" rtl="0" algn="l">
+              <a:lnSpc>
+                <a:spcPct val="100000"/>
+              </a:lnSpc>
+              <a:spcBef>
+                <a:spcPts val="505"/>
+              </a:spcBef>
+              <a:spcAft>
+                <a:spcPts val="0"/>
+              </a:spcAft>
+              <a:buClr>
+                <a:srgbClr val="4472C4"/>
+              </a:buClr>
+              <a:buSzPts val="2000"/>
               <a:buChar char="•"/>
             </a:pPr>
             <a:r>
-              <a:rPr b="1" lang="en" sz="2500">
-                <a:solidFill>
-                  <a:srgbClr val="7030A0"/>
-                </a:solidFill>
-                <a:latin typeface="Times New Roman"/>
-                <a:ea typeface="Times New Roman"/>
-                <a:cs typeface="Times New Roman"/>
-                <a:sym typeface="Times New Roman"/>
-              </a:rPr>
-              <a:t>sticky </a:t>
-            </a:r>
-            <a:r>
-              <a:rPr lang="en" sz="2500">
+              <a:rPr b="1" lang="en" sz="2000">
+                <a:solidFill>
+                  <a:srgbClr val="4472C4"/>
+                </a:solidFill>
+                <a:latin typeface="Times New Roman"/>
+                <a:ea typeface="Times New Roman"/>
+                <a:cs typeface="Times New Roman"/>
+                <a:sym typeface="Times New Roman"/>
+              </a:rPr>
+              <a:t>absolute </a:t>
+            </a:r>
+            <a:r>
+              <a:rPr lang="en" sz="2000">
                 <a:solidFill>
                   <a:schemeClr val="dk1"/>
                 </a:solidFill>
@@ -12778,10 +12813,10 @@
                 <a:cs typeface="Times New Roman"/>
                 <a:sym typeface="Times New Roman"/>
               </a:rPr>
-              <a:t>- positioned based on the user's </a:t>
-            </a:r>
-            <a:r>
-              <a:rPr lang="en" sz="2500" u="sng">
+              <a:t>- positioned relative to the </a:t>
+            </a:r>
+            <a:r>
+              <a:rPr lang="en" sz="2000" u="sng">
                 <a:solidFill>
                   <a:schemeClr val="dk1"/>
                 </a:solidFill>
@@ -12790,10 +12825,10 @@
                 <a:cs typeface="Times New Roman"/>
                 <a:sym typeface="Times New Roman"/>
               </a:rPr>
-              <a:t>scroll position</a:t>
-            </a:r>
-            <a:r>
-              <a:rPr lang="en" sz="2500">
+              <a:t>nearest positioned ancestor</a:t>
+            </a:r>
+            <a:r>
+              <a:rPr lang="en" sz="2000">
                 <a:solidFill>
                   <a:schemeClr val="dk1"/>
                 </a:solidFill>
@@ -12802,9 +12837,33 @@
                 <a:cs typeface="Times New Roman"/>
                 <a:sym typeface="Times New Roman"/>
               </a:rPr>
-              <a:t> (as relative or fixed)</a:t>
-            </a:r>
-            <a:endParaRPr sz="2500">
+              <a:t> (</a:t>
+            </a:r>
+            <a:r>
+              <a:rPr b="1" lang="en" sz="2000">
+                <a:solidFill>
+                  <a:srgbClr val="C00000"/>
+                </a:solidFill>
+                <a:latin typeface="Times New Roman"/>
+                <a:ea typeface="Times New Roman"/>
+                <a:cs typeface="Times New Roman"/>
+                <a:sym typeface="Times New Roman"/>
+              </a:rPr>
+              <a:t>removes </a:t>
+            </a:r>
+            <a:r>
+              <a:rPr lang="en" sz="2000">
+                <a:solidFill>
+                  <a:schemeClr val="dk1"/>
+                </a:solidFill>
+                <a:latin typeface="Times New Roman"/>
+                <a:ea typeface="Times New Roman"/>
+                <a:cs typeface="Times New Roman"/>
+                <a:sym typeface="Times New Roman"/>
+              </a:rPr>
+              <a:t>space)</a:t>
+            </a:r>
+            <a:endParaRPr sz="2000">
               <a:solidFill>
                 <a:schemeClr val="dk1"/>
               </a:solidFill>
@@ -12815,24 +12874,36 @@
             </a:endParaRPr>
           </a:p>
           <a:p>
-            <a:pPr indent="-228600" lvl="0" marL="241300" rtl="0" algn="l">
-              <a:lnSpc>
-                <a:spcPct val="100000"/>
-              </a:lnSpc>
-              <a:spcBef>
-                <a:spcPts val="900"/>
-              </a:spcBef>
-              <a:spcAft>
-                <a:spcPts val="0"/>
-              </a:spcAft>
-              <a:buClr>
-                <a:schemeClr val="dk1"/>
-              </a:buClr>
-              <a:buSzPts val="2800"/>
+            <a:pPr indent="-136525" lvl="0" marL="571500" rtl="0" algn="l">
+              <a:lnSpc>
+                <a:spcPct val="100000"/>
+              </a:lnSpc>
+              <a:spcBef>
+                <a:spcPts val="505"/>
+              </a:spcBef>
+              <a:spcAft>
+                <a:spcPts val="0"/>
+              </a:spcAft>
+              <a:buClr>
+                <a:srgbClr val="843C0C"/>
+              </a:buClr>
+              <a:buSzPts val="2000"/>
               <a:buChar char="•"/>
             </a:pPr>
             <a:r>
-              <a:rPr lang="en" sz="2800">
+              <a:rPr b="1" lang="en" sz="2000">
+                <a:solidFill>
+                  <a:srgbClr val="843C0C"/>
+                </a:solidFill>
+                <a:latin typeface="Times New Roman"/>
+                <a:ea typeface="Times New Roman"/>
+                <a:cs typeface="Times New Roman"/>
+                <a:sym typeface="Times New Roman"/>
+              </a:rPr>
+              <a:t>fixed </a:t>
+            </a:r>
+            <a:r>
+              <a:rPr lang="en" sz="2000">
                 <a:solidFill>
                   <a:schemeClr val="dk1"/>
                 </a:solidFill>
@@ -12841,10 +12912,194 @@
                 <a:cs typeface="Times New Roman"/>
                 <a:sym typeface="Times New Roman"/>
               </a:rPr>
+              <a:t>- positioned relative to the </a:t>
+            </a:r>
+            <a:r>
+              <a:rPr lang="en" sz="2000" u="sng">
+                <a:solidFill>
+                  <a:schemeClr val="dk1"/>
+                </a:solidFill>
+                <a:latin typeface="Times New Roman"/>
+                <a:ea typeface="Times New Roman"/>
+                <a:cs typeface="Times New Roman"/>
+                <a:sym typeface="Times New Roman"/>
+              </a:rPr>
+              <a:t>viewport</a:t>
+            </a:r>
+            <a:r>
+              <a:rPr lang="en" sz="2000">
+                <a:solidFill>
+                  <a:schemeClr val="dk1"/>
+                </a:solidFill>
+                <a:latin typeface="Times New Roman"/>
+                <a:ea typeface="Times New Roman"/>
+                <a:cs typeface="Times New Roman"/>
+                <a:sym typeface="Times New Roman"/>
+              </a:rPr>
+              <a:t> (</a:t>
+            </a:r>
+            <a:r>
+              <a:rPr b="1" lang="en" sz="2000">
+                <a:solidFill>
+                  <a:srgbClr val="C00000"/>
+                </a:solidFill>
+                <a:latin typeface="Times New Roman"/>
+                <a:ea typeface="Times New Roman"/>
+                <a:cs typeface="Times New Roman"/>
+                <a:sym typeface="Times New Roman"/>
+              </a:rPr>
+              <a:t>removes </a:t>
+            </a:r>
+            <a:r>
+              <a:rPr lang="en" sz="2000">
+                <a:solidFill>
+                  <a:schemeClr val="dk1"/>
+                </a:solidFill>
+                <a:latin typeface="Times New Roman"/>
+                <a:ea typeface="Times New Roman"/>
+                <a:cs typeface="Times New Roman"/>
+                <a:sym typeface="Times New Roman"/>
+              </a:rPr>
+              <a:t>space)</a:t>
+            </a:r>
+            <a:endParaRPr sz="2000">
+              <a:solidFill>
+                <a:schemeClr val="dk1"/>
+              </a:solidFill>
+              <a:latin typeface="Times New Roman"/>
+              <a:ea typeface="Times New Roman"/>
+              <a:cs typeface="Times New Roman"/>
+              <a:sym typeface="Times New Roman"/>
+            </a:endParaRPr>
+          </a:p>
+          <a:p>
+            <a:pPr indent="-136525" lvl="0" marL="571500" rtl="0" algn="l">
+              <a:lnSpc>
+                <a:spcPct val="100000"/>
+              </a:lnSpc>
+              <a:spcBef>
+                <a:spcPts val="480"/>
+              </a:spcBef>
+              <a:spcAft>
+                <a:spcPts val="0"/>
+              </a:spcAft>
+              <a:buClr>
+                <a:srgbClr val="7030A0"/>
+              </a:buClr>
+              <a:buSzPts val="2000"/>
+              <a:buChar char="•"/>
+            </a:pPr>
+            <a:r>
+              <a:rPr b="1" lang="en" sz="2000">
+                <a:solidFill>
+                  <a:srgbClr val="7030A0"/>
+                </a:solidFill>
+                <a:latin typeface="Times New Roman"/>
+                <a:ea typeface="Times New Roman"/>
+                <a:cs typeface="Times New Roman"/>
+                <a:sym typeface="Times New Roman"/>
+              </a:rPr>
+              <a:t>sticky </a:t>
+            </a:r>
+            <a:r>
+              <a:rPr lang="en" sz="2000">
+                <a:solidFill>
+                  <a:schemeClr val="dk1"/>
+                </a:solidFill>
+                <a:latin typeface="Times New Roman"/>
+                <a:ea typeface="Times New Roman"/>
+                <a:cs typeface="Times New Roman"/>
+                <a:sym typeface="Times New Roman"/>
+              </a:rPr>
+              <a:t>- positioned based on the user's </a:t>
+            </a:r>
+            <a:r>
+              <a:rPr lang="en" sz="2000" u="sng">
+                <a:solidFill>
+                  <a:schemeClr val="dk1"/>
+                </a:solidFill>
+                <a:latin typeface="Times New Roman"/>
+                <a:ea typeface="Times New Roman"/>
+                <a:cs typeface="Times New Roman"/>
+                <a:sym typeface="Times New Roman"/>
+              </a:rPr>
+              <a:t>scroll position</a:t>
+            </a:r>
+            <a:r>
+              <a:rPr lang="en" sz="2000">
+                <a:solidFill>
+                  <a:schemeClr val="dk1"/>
+                </a:solidFill>
+                <a:latin typeface="Times New Roman"/>
+                <a:ea typeface="Times New Roman"/>
+                <a:cs typeface="Times New Roman"/>
+                <a:sym typeface="Times New Roman"/>
+              </a:rPr>
+              <a:t> (as relative or fixed)</a:t>
+            </a:r>
+            <a:endParaRPr sz="2000">
+              <a:solidFill>
+                <a:schemeClr val="dk1"/>
+              </a:solidFill>
+              <a:latin typeface="Times New Roman"/>
+              <a:ea typeface="Times New Roman"/>
+              <a:cs typeface="Times New Roman"/>
+              <a:sym typeface="Times New Roman"/>
+            </a:endParaRPr>
+          </a:p>
+          <a:p>
+            <a:pPr indent="0" lvl="0" marL="0" rtl="0" algn="l">
+              <a:lnSpc>
+                <a:spcPct val="100000"/>
+              </a:lnSpc>
+              <a:spcBef>
+                <a:spcPts val="480"/>
+              </a:spcBef>
+              <a:spcAft>
+                <a:spcPts val="0"/>
+              </a:spcAft>
+              <a:buNone/>
+            </a:pPr>
+            <a:r>
+              <a:t/>
+            </a:r>
+            <a:endParaRPr sz="2000">
+              <a:solidFill>
+                <a:schemeClr val="dk1"/>
+              </a:solidFill>
+              <a:latin typeface="Times New Roman"/>
+              <a:ea typeface="Times New Roman"/>
+              <a:cs typeface="Times New Roman"/>
+              <a:sym typeface="Times New Roman"/>
+            </a:endParaRPr>
+          </a:p>
+          <a:p>
+            <a:pPr indent="0" lvl="0" marL="0" rtl="0" algn="l">
+              <a:lnSpc>
+                <a:spcPct val="100000"/>
+              </a:lnSpc>
+              <a:spcBef>
+                <a:spcPts val="900"/>
+              </a:spcBef>
+              <a:spcAft>
+                <a:spcPts val="0"/>
+              </a:spcAft>
+              <a:buNone/>
+            </a:pPr>
+            <a:r>
+              <a:rPr lang="en" sz="2400">
+                <a:solidFill>
+                  <a:schemeClr val="dk1"/>
+                </a:solidFill>
+                <a:latin typeface="Times New Roman"/>
+                <a:ea typeface="Times New Roman"/>
+                <a:cs typeface="Times New Roman"/>
+                <a:sym typeface="Times New Roman"/>
+              </a:rPr>
               <a:t>Elements are positioned using the </a:t>
             </a:r>
             <a:r>
-              <a:rPr b="1" lang="en" sz="2800">
+              <a:rPr b="1" lang="en" sz="2400">
                 <a:solidFill>
                   <a:srgbClr val="FF0000"/>
                 </a:solidFill>
@@ -12856,7 +13111,7 @@
               <a:t>top, bottom, left, </a:t>
             </a:r>
             <a:r>
-              <a:rPr lang="en" sz="2800">
+              <a:rPr lang="en" sz="2400">
                 <a:solidFill>
                   <a:schemeClr val="dk1"/>
                 </a:solidFill>
@@ -12868,7 +13123,7 @@
               <a:t>and </a:t>
             </a:r>
             <a:r>
-              <a:rPr b="1" lang="en" sz="2800">
+              <a:rPr b="1" lang="en" sz="2400">
                 <a:solidFill>
                   <a:srgbClr val="FF0000"/>
                 </a:solidFill>
@@ -12880,7 +13135,7 @@
               <a:t>right </a:t>
             </a:r>
             <a:r>
-              <a:rPr lang="en" sz="2800">
+              <a:rPr lang="en" sz="2400">
                 <a:solidFill>
                   <a:schemeClr val="dk1"/>
                 </a:solidFill>
@@ -12891,7 +13146,7 @@
               </a:rPr>
               <a:t>properties.</a:t>
             </a:r>
-            <a:endParaRPr sz="2800">
+            <a:endParaRPr sz="2400">
               <a:solidFill>
                 <a:schemeClr val="dk1"/>
               </a:solidFill>
@@ -12916,7 +13171,7 @@
   <p:cSld>
     <p:spTree>
       <p:nvGrpSpPr>
-        <p:cNvPr id="131" name="Shape 131"/>
+        <p:cNvPr id="136" name="Shape 136"/>
         <p:cNvGrpSpPr/>
         <p:nvPr/>
       </p:nvGrpSpPr>
@@ -12930,7 +13185,7 @@
       </p:grpSpPr>
       <p:sp>
         <p:nvSpPr>
-          <p:cNvPr id="132" name="Google Shape;132;g2face097e27_0_130"/>
+          <p:cNvPr id="137" name="Google Shape;137;g2face097e27_0_130"/>
           <p:cNvSpPr txBox="1"/>
           <p:nvPr>
             <p:ph type="title"/>
@@ -12988,7 +13243,7 @@
       </p:sp>
       <p:sp>
         <p:nvSpPr>
-          <p:cNvPr id="133" name="Google Shape;133;g2face097e27_0_130"/>
+          <p:cNvPr id="138" name="Google Shape;138;g2face097e27_0_130"/>
           <p:cNvSpPr txBox="1"/>
           <p:nvPr>
             <p:ph idx="1" type="body"/>
@@ -13023,6 +13278,7 @@
               <a:spcAft>
                 <a:spcPts val="0"/>
               </a:spcAft>
+              <a:buSzPts val="1800"/>
               <a:buNone/>
             </a:pPr>
             <a:r>
@@ -13042,7 +13298,7 @@
       </p:sp>
       <p:pic>
         <p:nvPicPr>
-          <p:cNvPr id="134" name="Google Shape;134;g2face097e27_0_130"/>
+          <p:cNvPr id="139" name="Google Shape;139;g2face097e27_0_130"/>
           <p:cNvPicPr preferRelativeResize="0"/>
           <p:nvPr/>
         </p:nvPicPr>
@@ -13069,7 +13325,7 @@
       </p:pic>
       <p:sp>
         <p:nvSpPr>
-          <p:cNvPr id="135" name="Google Shape;135;g2face097e27_0_130"/>
+          <p:cNvPr id="140" name="Google Shape;140;g2face097e27_0_130"/>
           <p:cNvSpPr txBox="1"/>
           <p:nvPr/>
         </p:nvSpPr>
@@ -13110,7 +13366,7 @@
               <a:buNone/>
             </a:pPr>
             <a:r>
-              <a:rPr i="0" lang="en" sz="2000" u="none" cap="none" strike="noStrike">
+              <a:rPr b="0" i="0" lang="en" sz="2000" u="none" cap="none" strike="noStrike">
                 <a:solidFill>
                   <a:srgbClr val="000000"/>
                 </a:solidFill>
@@ -13121,7 +13377,7 @@
               </a:rPr>
               <a:t>Notes:</a:t>
             </a:r>
-            <a:endParaRPr i="0" sz="2000" u="none" cap="none" strike="noStrike">
+            <a:endParaRPr b="0" i="0" sz="2000" u="none" cap="none" strike="noStrike">
               <a:solidFill>
                 <a:srgbClr val="000000"/>
               </a:solidFill>
@@ -13150,7 +13406,7 @@
               <a:buChar char="•"/>
             </a:pPr>
             <a:r>
-              <a:rPr i="0" lang="en" sz="2000" u="none" cap="none" strike="noStrike">
+              <a:rPr b="0" i="0" lang="en" sz="2000" u="none" cap="none" strike="noStrike">
                 <a:solidFill>
                   <a:srgbClr val="000000"/>
                 </a:solidFill>
@@ -13162,7 +13418,7 @@
               <a:t>To use </a:t>
             </a:r>
             <a:r>
-              <a:rPr i="0" lang="en" sz="2000" u="none" cap="none" strike="noStrike">
+              <a:rPr b="0" i="0" lang="en" sz="2000" u="none" cap="none" strike="noStrike">
                 <a:solidFill>
                   <a:srgbClr val="FF0000"/>
                 </a:solidFill>
@@ -13174,7 +13430,7 @@
               <a:t>absolute </a:t>
             </a:r>
             <a:r>
-              <a:rPr i="0" lang="en" sz="2000" u="none" cap="none" strike="noStrike">
+              <a:rPr b="0" i="0" lang="en" sz="2000" u="none" cap="none" strike="noStrike">
                 <a:solidFill>
                   <a:srgbClr val="000000"/>
                 </a:solidFill>
@@ -13183,19 +13439,22 @@
                 <a:cs typeface="Times New Roman"/>
                 <a:sym typeface="Times New Roman"/>
               </a:rPr>
-              <a:t>position,</a:t>
-            </a:r>
-            <a:r>
-              <a:rPr lang="en" sz="2000">
-                <a:latin typeface="Times New Roman"/>
-                <a:ea typeface="Times New Roman"/>
-                <a:cs typeface="Times New Roman"/>
-                <a:sym typeface="Times New Roman"/>
-              </a:rPr>
-              <a:t> </a:t>
-            </a:r>
-            <a:r>
-              <a:rPr i="0" lang="en" sz="2000" u="none" cap="none" strike="noStrike">
+              <a:t>position, you need to define </a:t>
+            </a:r>
+            <a:r>
+              <a:rPr b="1" i="0" lang="en" sz="2000" u="none" cap="none" strike="noStrike">
+                <a:solidFill>
+                  <a:srgbClr val="548235"/>
+                </a:solidFill>
+                <a:latin typeface="Times New Roman"/>
+                <a:ea typeface="Times New Roman"/>
+                <a:cs typeface="Times New Roman"/>
+                <a:sym typeface="Times New Roman"/>
+              </a:rPr>
+              <a:t>position </a:t>
+            </a:r>
+            <a:r>
+              <a:rPr b="0" i="0" lang="en" sz="2000" u="none" cap="none" strike="noStrike">
                 <a:solidFill>
                   <a:srgbClr val="000000"/>
                 </a:solidFill>
@@ -13204,34 +13463,10 @@
                 <a:cs typeface="Times New Roman"/>
                 <a:sym typeface="Times New Roman"/>
               </a:rPr>
-              <a:t>you need to define </a:t>
-            </a:r>
-            <a:r>
-              <a:rPr b="1" i="0" lang="en" sz="2000" u="none" cap="none" strike="noStrike">
-                <a:solidFill>
-                  <a:srgbClr val="548235"/>
-                </a:solidFill>
-                <a:latin typeface="Times New Roman"/>
-                <a:ea typeface="Times New Roman"/>
-                <a:cs typeface="Times New Roman"/>
-                <a:sym typeface="Times New Roman"/>
-              </a:rPr>
-              <a:t>position </a:t>
-            </a:r>
-            <a:r>
-              <a:rPr i="0" lang="en" sz="2000" u="none" cap="none" strike="noStrike">
-                <a:solidFill>
-                  <a:srgbClr val="000000"/>
-                </a:solidFill>
-                <a:latin typeface="Times New Roman"/>
-                <a:ea typeface="Times New Roman"/>
-                <a:cs typeface="Times New Roman"/>
-                <a:sym typeface="Times New Roman"/>
-              </a:rPr>
               <a:t>property on some </a:t>
             </a:r>
             <a:r>
-              <a:rPr i="0" lang="en" sz="2000" u="none" cap="none" strike="noStrike">
+              <a:rPr b="0" i="0" lang="en" sz="2000" u="none" cap="none" strike="noStrike">
                 <a:solidFill>
                   <a:srgbClr val="4472C4"/>
                 </a:solidFill>
@@ -13242,7 +13477,7 @@
               </a:rPr>
               <a:t>ancestor</a:t>
             </a:r>
-            <a:endParaRPr i="0" sz="2000" u="none" cap="none" strike="noStrike">
+            <a:endParaRPr b="0" i="0" sz="2000" u="none" cap="none" strike="noStrike">
               <a:solidFill>
                 <a:srgbClr val="000000"/>
               </a:solidFill>
@@ -13283,7 +13518,7 @@
               <a:t>html </a:t>
             </a:r>
             <a:r>
-              <a:rPr i="0" lang="en" sz="2000" u="none" cap="none" strike="noStrike">
+              <a:rPr b="0" i="0" lang="en" sz="2000" u="none" cap="none" strike="noStrike">
                 <a:solidFill>
                   <a:srgbClr val="000000"/>
                 </a:solidFill>
@@ -13295,7 +13530,7 @@
               <a:t>element by default defines position </a:t>
             </a:r>
             <a:r>
-              <a:rPr i="0" lang="en" sz="2000" u="none" cap="none" strike="noStrike">
+              <a:rPr b="0" i="0" lang="en" sz="2000" u="none" cap="none" strike="noStrike">
                 <a:solidFill>
                   <a:srgbClr val="548235"/>
                 </a:solidFill>
@@ -13306,7 +13541,7 @@
               </a:rPr>
               <a:t>relative</a:t>
             </a:r>
-            <a:endParaRPr i="0" sz="2000" u="none" cap="none" strike="noStrike">
+            <a:endParaRPr b="0" i="0" sz="2000" u="none" cap="none" strike="noStrike">
               <a:solidFill>
                 <a:srgbClr val="000000"/>
               </a:solidFill>
@@ -13320,7 +13555,7 @@
       </p:sp>
       <p:sp>
         <p:nvSpPr>
-          <p:cNvPr id="136" name="Google Shape;136;g2face097e27_0_130"/>
+          <p:cNvPr id="141" name="Google Shape;141;g2face097e27_0_130"/>
           <p:cNvSpPr txBox="1"/>
           <p:nvPr/>
         </p:nvSpPr>
@@ -13361,7 +13596,7 @@
               <a:buNone/>
             </a:pPr>
             <a:r>
-              <a:rPr i="0" lang="en" sz="2400" u="sng" cap="none" strike="noStrike">
+              <a:rPr b="0" i="0" lang="en" sz="2400" u="sng" cap="none" strike="noStrike">
                 <a:solidFill>
                   <a:srgbClr val="000000"/>
                 </a:solidFill>
@@ -13373,7 +13608,7 @@
               <a:t>Paragraph 1</a:t>
             </a:r>
             <a:r>
-              <a:rPr i="0" lang="en" sz="2400" u="none" cap="none" strike="noStrike">
+              <a:rPr b="0" i="0" lang="en" sz="2400" u="none" cap="none" strike="noStrike">
                 <a:solidFill>
                   <a:srgbClr val="000000"/>
                 </a:solidFill>
@@ -13385,7 +13620,7 @@
               <a:t> is </a:t>
             </a:r>
             <a:r>
-              <a:rPr i="0" lang="en" sz="2400" u="none" cap="none" strike="noStrike">
+              <a:rPr b="0" i="0" lang="en" sz="2400" u="none" cap="none" strike="noStrike">
                 <a:solidFill>
                   <a:srgbClr val="FF0000"/>
                 </a:solidFill>
@@ -13396,7 +13631,7 @@
               </a:rPr>
               <a:t>absolute</a:t>
             </a:r>
-            <a:endParaRPr i="0" sz="2400" u="none" cap="none" strike="noStrike">
+            <a:endParaRPr b="0" i="0" sz="2400" u="none" cap="none" strike="noStrike">
               <a:solidFill>
                 <a:srgbClr val="000000"/>
               </a:solidFill>
@@ -13427,7 +13662,10 @@
             <a:r>
               <a:t/>
             </a:r>
-            <a:endParaRPr sz="2400" u="sng">
+            <a:endParaRPr b="0" i="0" sz="2400" u="sng" cap="none" strike="noStrike">
+              <a:solidFill>
+                <a:srgbClr val="000000"/>
+              </a:solidFill>
               <a:latin typeface="Times New Roman"/>
               <a:ea typeface="Times New Roman"/>
               <a:cs typeface="Times New Roman"/>
@@ -13453,7 +13691,7 @@
               <a:buNone/>
             </a:pPr>
             <a:r>
-              <a:rPr i="0" lang="en" sz="2400" u="sng" cap="none" strike="noStrike">
+              <a:rPr b="0" i="0" lang="en" sz="2400" u="sng" cap="none" strike="noStrike">
                 <a:solidFill>
                   <a:srgbClr val="000000"/>
                 </a:solidFill>
@@ -13465,7 +13703,7 @@
               <a:t>Paragraph 2</a:t>
             </a:r>
             <a:r>
-              <a:rPr i="0" lang="en" sz="2400" u="none" cap="none" strike="noStrike">
+              <a:rPr b="0" i="0" lang="en" sz="2400" u="none" cap="none" strike="noStrike">
                 <a:solidFill>
                   <a:srgbClr val="000000"/>
                 </a:solidFill>
@@ -13477,7 +13715,7 @@
               <a:t> is </a:t>
             </a:r>
             <a:r>
-              <a:rPr i="0" lang="en" sz="2400" u="none" cap="none" strike="noStrike">
+              <a:rPr b="0" i="0" lang="en" sz="2400" u="none" cap="none" strike="noStrike">
                 <a:solidFill>
                   <a:srgbClr val="FF0000"/>
                 </a:solidFill>
@@ -13488,7 +13726,7 @@
               </a:rPr>
               <a:t>static  </a:t>
             </a:r>
-            <a:endParaRPr i="0" sz="2400" u="none" cap="none" strike="noStrike">
+            <a:endParaRPr b="0" i="0" sz="2400" u="none" cap="none" strike="noStrike">
               <a:solidFill>
                 <a:srgbClr val="FF0000"/>
               </a:solidFill>
@@ -13519,7 +13757,10 @@
             <a:r>
               <a:t/>
             </a:r>
-            <a:endParaRPr sz="2400" u="sng">
+            <a:endParaRPr b="0" i="0" sz="2400" u="sng" cap="none" strike="noStrike">
+              <a:solidFill>
+                <a:srgbClr val="000000"/>
+              </a:solidFill>
               <a:latin typeface="Times New Roman"/>
               <a:ea typeface="Times New Roman"/>
               <a:cs typeface="Times New Roman"/>
@@ -13545,7 +13786,7 @@
               <a:buNone/>
             </a:pPr>
             <a:r>
-              <a:rPr i="0" lang="en" sz="2400" u="sng" cap="none" strike="noStrike">
+              <a:rPr b="0" i="0" lang="en" sz="2400" u="sng" cap="none" strike="noStrike">
                 <a:solidFill>
                   <a:srgbClr val="000000"/>
                 </a:solidFill>
@@ -13557,7 +13798,7 @@
               <a:t>Paragraph 3</a:t>
             </a:r>
             <a:r>
-              <a:rPr i="0" lang="en" sz="2400" u="none" cap="none" strike="noStrike">
+              <a:rPr b="0" i="0" lang="en" sz="2400" u="none" cap="none" strike="noStrike">
                 <a:solidFill>
                   <a:srgbClr val="000000"/>
                 </a:solidFill>
@@ -13566,19 +13807,10 @@
                 <a:cs typeface="Times New Roman"/>
                 <a:sym typeface="Times New Roman"/>
               </a:rPr>
-              <a:t> is</a:t>
-            </a:r>
-            <a:r>
-              <a:rPr lang="en" sz="2400">
-                <a:latin typeface="Times New Roman"/>
-                <a:ea typeface="Times New Roman"/>
-                <a:cs typeface="Times New Roman"/>
-                <a:sym typeface="Times New Roman"/>
-              </a:rPr>
-              <a:t> </a:t>
-            </a:r>
-            <a:r>
-              <a:rPr lang="en" sz="2400">
+              <a:t> is </a:t>
+            </a:r>
+            <a:r>
+              <a:rPr b="0" i="0" lang="en" sz="2400" u="none" cap="none" strike="noStrike">
                 <a:solidFill>
                   <a:srgbClr val="FF0000"/>
                 </a:solidFill>
@@ -13587,21 +13819,9 @@
                 <a:cs typeface="Times New Roman"/>
                 <a:sym typeface="Times New Roman"/>
               </a:rPr>
-              <a:t>r</a:t>
-            </a:r>
-            <a:r>
-              <a:rPr i="0" lang="en" sz="2400" u="none" cap="none" strike="noStrike">
-                <a:solidFill>
-                  <a:srgbClr val="FF0000"/>
-                </a:solidFill>
-                <a:latin typeface="Times New Roman"/>
-                <a:ea typeface="Times New Roman"/>
-                <a:cs typeface="Times New Roman"/>
-                <a:sym typeface="Times New Roman"/>
-              </a:rPr>
-              <a:t>elative</a:t>
-            </a:r>
-            <a:endParaRPr i="0" sz="2400" u="none" cap="none" strike="noStrike">
+              <a:t>relative</a:t>
+            </a:r>
+            <a:endParaRPr b="0" i="0" sz="2400" u="none" cap="none" strike="noStrike">
               <a:solidFill>
                 <a:srgbClr val="000000"/>
               </a:solidFill>
@@ -13609,6 +13829,192 @@
               <a:ea typeface="Times New Roman"/>
               <a:cs typeface="Times New Roman"/>
               <a:sym typeface="Times New Roman"/>
+            </a:endParaRPr>
+          </a:p>
+        </p:txBody>
+      </p:sp>
+      <p:sp>
+        <p:nvSpPr>
+          <p:cNvPr id="142" name="Google Shape;142;g2face097e27_0_130"/>
+          <p:cNvSpPr txBox="1"/>
+          <p:nvPr/>
+        </p:nvSpPr>
+        <p:spPr>
+          <a:xfrm>
+            <a:off x="6336150" y="3171600"/>
+            <a:ext cx="2789100" cy="1185300"/>
+          </a:xfrm>
+          <a:prstGeom prst="rect">
+            <a:avLst/>
+          </a:prstGeom>
+          <a:noFill/>
+          <a:ln>
+            <a:noFill/>
+          </a:ln>
+        </p:spPr>
+        <p:txBody>
+          <a:bodyPr anchorCtr="0" anchor="t" bIns="91425" lIns="91425" spcFirstLastPara="1" rIns="91425" wrap="square" tIns="91425">
+            <a:spAutoFit/>
+          </a:bodyPr>
+          <a:lstStyle/>
+          <a:p>
+            <a:pPr indent="0" lvl="0" marL="0" rtl="0" algn="l">
+              <a:spcBef>
+                <a:spcPts val="0"/>
+              </a:spcBef>
+              <a:spcAft>
+                <a:spcPts val="0"/>
+              </a:spcAft>
+              <a:buNone/>
+            </a:pPr>
+            <a:r>
+              <a:rPr b="1" lang="en" sz="1300">
+                <a:solidFill>
+                  <a:srgbClr val="7030A0"/>
+                </a:solidFill>
+                <a:latin typeface="Courier New"/>
+                <a:ea typeface="Courier New"/>
+                <a:cs typeface="Courier New"/>
+                <a:sym typeface="Courier New"/>
+              </a:rPr>
+              <a:t>5.1 position_static.html</a:t>
+            </a:r>
+            <a:endParaRPr b="1" sz="1300">
+              <a:solidFill>
+                <a:srgbClr val="7030A0"/>
+              </a:solidFill>
+              <a:latin typeface="Courier New"/>
+              <a:ea typeface="Courier New"/>
+              <a:cs typeface="Courier New"/>
+              <a:sym typeface="Courier New"/>
+            </a:endParaRPr>
+          </a:p>
+          <a:p>
+            <a:pPr indent="0" lvl="0" marL="0" rtl="0" algn="l">
+              <a:spcBef>
+                <a:spcPts val="0"/>
+              </a:spcBef>
+              <a:spcAft>
+                <a:spcPts val="0"/>
+              </a:spcAft>
+              <a:buNone/>
+            </a:pPr>
+            <a:r>
+              <a:rPr b="1" lang="en" sz="1300">
+                <a:solidFill>
+                  <a:srgbClr val="7030A0"/>
+                </a:solidFill>
+                <a:latin typeface="Courier New"/>
+                <a:ea typeface="Courier New"/>
+                <a:cs typeface="Courier New"/>
+                <a:sym typeface="Courier New"/>
+              </a:rPr>
+              <a:t>5.2 position_relative.html</a:t>
+            </a:r>
+            <a:endParaRPr b="1" sz="1300">
+              <a:solidFill>
+                <a:srgbClr val="7030A0"/>
+              </a:solidFill>
+              <a:latin typeface="Courier New"/>
+              <a:ea typeface="Courier New"/>
+              <a:cs typeface="Courier New"/>
+              <a:sym typeface="Courier New"/>
+            </a:endParaRPr>
+          </a:p>
+          <a:p>
+            <a:pPr indent="0" lvl="0" marL="0" rtl="0" algn="l">
+              <a:spcBef>
+                <a:spcPts val="0"/>
+              </a:spcBef>
+              <a:spcAft>
+                <a:spcPts val="0"/>
+              </a:spcAft>
+              <a:buNone/>
+            </a:pPr>
+            <a:r>
+              <a:rPr b="1" lang="en" sz="1300">
+                <a:solidFill>
+                  <a:srgbClr val="7030A0"/>
+                </a:solidFill>
+                <a:latin typeface="Courier New"/>
+                <a:ea typeface="Courier New"/>
+                <a:cs typeface="Courier New"/>
+                <a:sym typeface="Courier New"/>
+              </a:rPr>
+              <a:t>5.3 position_absolute.html</a:t>
+            </a:r>
+            <a:endParaRPr b="1" sz="1300">
+              <a:solidFill>
+                <a:srgbClr val="7030A0"/>
+              </a:solidFill>
+              <a:latin typeface="Courier New"/>
+              <a:ea typeface="Courier New"/>
+              <a:cs typeface="Courier New"/>
+              <a:sym typeface="Courier New"/>
+            </a:endParaRPr>
+          </a:p>
+          <a:p>
+            <a:pPr indent="0" lvl="0" marL="0" rtl="0" algn="l">
+              <a:spcBef>
+                <a:spcPts val="0"/>
+              </a:spcBef>
+              <a:spcAft>
+                <a:spcPts val="0"/>
+              </a:spcAft>
+              <a:buNone/>
+            </a:pPr>
+            <a:r>
+              <a:rPr b="1" lang="en" sz="1300">
+                <a:solidFill>
+                  <a:srgbClr val="7030A0"/>
+                </a:solidFill>
+                <a:latin typeface="Courier New"/>
+                <a:ea typeface="Courier New"/>
+                <a:cs typeface="Courier New"/>
+                <a:sym typeface="Courier New"/>
+              </a:rPr>
+              <a:t>5.4 position_fixed.html</a:t>
+            </a:r>
+            <a:endParaRPr b="1" sz="1300">
+              <a:solidFill>
+                <a:srgbClr val="7030A0"/>
+              </a:solidFill>
+              <a:latin typeface="Courier New"/>
+              <a:ea typeface="Courier New"/>
+              <a:cs typeface="Courier New"/>
+              <a:sym typeface="Courier New"/>
+            </a:endParaRPr>
+          </a:p>
+          <a:p>
+            <a:pPr indent="0" lvl="0" marL="0" rtl="0" algn="l">
+              <a:spcBef>
+                <a:spcPts val="0"/>
+              </a:spcBef>
+              <a:spcAft>
+                <a:spcPts val="0"/>
+              </a:spcAft>
+              <a:buNone/>
+            </a:pPr>
+            <a:r>
+              <a:rPr b="1" lang="en" sz="1300">
+                <a:solidFill>
+                  <a:srgbClr val="7030A0"/>
+                </a:solidFill>
+                <a:latin typeface="Courier New"/>
+                <a:ea typeface="Courier New"/>
+                <a:cs typeface="Courier New"/>
+                <a:sym typeface="Courier New"/>
+              </a:rPr>
+              <a:t>5.5 position_sticky.html</a:t>
+            </a:r>
+            <a:endParaRPr b="1" sz="1300">
+              <a:solidFill>
+                <a:srgbClr val="7030A0"/>
+              </a:solidFill>
+              <a:latin typeface="Courier New"/>
+              <a:ea typeface="Courier New"/>
+              <a:cs typeface="Courier New"/>
+              <a:sym typeface="Courier New"/>
             </a:endParaRPr>
           </a:p>
         </p:txBody>
@@ -13626,7 +14032,7 @@
   <p:cSld>
     <p:spTree>
       <p:nvGrpSpPr>
-        <p:cNvPr id="140" name="Shape 140"/>
+        <p:cNvPr id="146" name="Shape 146"/>
         <p:cNvGrpSpPr/>
         <p:nvPr/>
       </p:nvGrpSpPr>
@@ -13640,7 +14046,7 @@
       </p:grpSpPr>
       <p:sp>
         <p:nvSpPr>
-          <p:cNvPr id="141" name="Google Shape;141;g2face097e27_0_139"/>
+          <p:cNvPr id="147" name="Google Shape;147;g2face097e27_0_139"/>
           <p:cNvSpPr txBox="1"/>
           <p:nvPr>
             <p:ph type="title"/>
@@ -13666,6 +14072,9 @@
           <a:lstStyle/>
           <a:p>
             <a:pPr indent="0" lvl="0" marL="0" rtl="0" algn="l">
+              <a:lnSpc>
+                <a:spcPct val="100000"/>
+              </a:lnSpc>
               <a:spcBef>
                 <a:spcPts val="0"/>
               </a:spcBef>
@@ -13695,7 +14104,7 @@
       </p:sp>
       <p:sp>
         <p:nvSpPr>
-          <p:cNvPr id="142" name="Google Shape;142;g2face097e27_0_139"/>
+          <p:cNvPr id="148" name="Google Shape;148;g2face097e27_0_139"/>
           <p:cNvSpPr txBox="1"/>
           <p:nvPr>
             <p:ph idx="1" type="body"/>
@@ -13747,7 +14156,7 @@
                 <a:cs typeface="Times New Roman"/>
                 <a:sym typeface="Times New Roman"/>
               </a:rPr>
-              <a:t>We can restructure our HTML document to have  different layouts depending on:</a:t>
+              <a:t>We can restructure our HTML document to have different layouts depending on:</a:t>
             </a:r>
             <a:endParaRPr sz="2400">
               <a:solidFill>
@@ -13890,6 +14299,7 @@
               <a:spcAft>
                 <a:spcPts val="0"/>
               </a:spcAft>
+              <a:buSzPts val="1800"/>
               <a:buNone/>
             </a:pPr>
             <a:r>
@@ -13929,7 +14339,7 @@
   <p:cSld>
     <p:spTree>
       <p:nvGrpSpPr>
-        <p:cNvPr id="146" name="Shape 146"/>
+        <p:cNvPr id="152" name="Shape 152"/>
         <p:cNvGrpSpPr/>
         <p:nvPr/>
       </p:nvGrpSpPr>
@@ -13943,7 +14353,7 @@
       </p:grpSpPr>
       <p:sp>
         <p:nvSpPr>
-          <p:cNvPr id="147" name="Google Shape;147;g2face097e27_0_144"/>
+          <p:cNvPr id="153" name="Google Shape;153;g2face097e27_0_144"/>
           <p:cNvSpPr txBox="1"/>
           <p:nvPr>
             <p:ph type="title"/>
@@ -13969,6 +14379,9 @@
           <a:lstStyle/>
           <a:p>
             <a:pPr indent="0" lvl="0" marL="0" rtl="0" algn="l">
+              <a:lnSpc>
+                <a:spcPct val="100000"/>
+              </a:lnSpc>
               <a:spcBef>
                 <a:spcPts val="0"/>
               </a:spcBef>
@@ -13998,7 +14411,7 @@
       </p:sp>
       <p:sp>
         <p:nvSpPr>
-          <p:cNvPr id="148" name="Google Shape;148;g2face097e27_0_144"/>
+          <p:cNvPr id="154" name="Google Shape;154;g2face097e27_0_144"/>
           <p:cNvSpPr txBox="1"/>
           <p:nvPr>
             <p:ph idx="1" type="body"/>
@@ -14033,6 +14446,7 @@
               <a:spcAft>
                 <a:spcPts val="0"/>
               </a:spcAft>
+              <a:buSzPts val="1800"/>
               <a:buNone/>
             </a:pPr>
             <a:r>
@@ -14061,7 +14475,7 @@
       </p:sp>
       <p:pic>
         <p:nvPicPr>
-          <p:cNvPr id="149" name="Google Shape;149;g2face097e27_0_144"/>
+          <p:cNvPr id="155" name="Google Shape;155;g2face097e27_0_144"/>
           <p:cNvPicPr preferRelativeResize="0"/>
           <p:nvPr/>
         </p:nvPicPr>
@@ -14099,7 +14513,7 @@
   <p:cSld>
     <p:spTree>
       <p:nvGrpSpPr>
-        <p:cNvPr id="153" name="Shape 153"/>
+        <p:cNvPr id="159" name="Shape 159"/>
         <p:cNvGrpSpPr/>
         <p:nvPr/>
       </p:nvGrpSpPr>
@@ -14113,7 +14527,7 @@
       </p:grpSpPr>
       <p:sp>
         <p:nvSpPr>
-          <p:cNvPr id="154" name="Google Shape;154;g2face097e27_0_149"/>
+          <p:cNvPr id="160" name="Google Shape;160;g2face097e27_0_149"/>
           <p:cNvSpPr txBox="1"/>
           <p:nvPr>
             <p:ph type="title"/>
@@ -14139,6 +14553,9 @@
           <a:lstStyle/>
           <a:p>
             <a:pPr indent="0" lvl="0" marL="0" rtl="0" algn="l">
+              <a:lnSpc>
+                <a:spcPct val="100000"/>
+              </a:lnSpc>
               <a:spcBef>
                 <a:spcPts val="0"/>
               </a:spcBef>
@@ -14168,7 +14585,7 @@
       </p:sp>
       <p:sp>
         <p:nvSpPr>
-          <p:cNvPr id="155" name="Google Shape;155;g2face097e27_0_149"/>
+          <p:cNvPr id="161" name="Google Shape;161;g2face097e27_0_149"/>
           <p:cNvSpPr txBox="1"/>
           <p:nvPr>
             <p:ph idx="1" type="body"/>
@@ -14579,7 +14996,7 @@
   <p:cSld>
     <p:spTree>
       <p:nvGrpSpPr>
-        <p:cNvPr id="159" name="Shape 159"/>
+        <p:cNvPr id="165" name="Shape 165"/>
         <p:cNvGrpSpPr/>
         <p:nvPr/>
       </p:nvGrpSpPr>
@@ -14593,7 +15010,7 @@
       </p:grpSpPr>
       <p:sp>
         <p:nvSpPr>
-          <p:cNvPr id="160" name="Google Shape;160;p16"/>
+          <p:cNvPr id="166" name="Google Shape;166;p16"/>
           <p:cNvSpPr txBox="1"/>
           <p:nvPr>
             <p:ph type="title"/>
@@ -14651,7 +15068,7 @@
       </p:sp>
       <p:sp>
         <p:nvSpPr>
-          <p:cNvPr id="161" name="Google Shape;161;p16"/>
+          <p:cNvPr id="167" name="Google Shape;167;p16"/>
           <p:cNvSpPr txBox="1"/>
           <p:nvPr>
             <p:ph idx="1" type="body"/>
@@ -14933,6 +15350,7 @@
               <a:spcAft>
                 <a:spcPts val="0"/>
               </a:spcAft>
+              <a:buSzPct val="69498"/>
               <a:buNone/>
             </a:pPr>
             <a:r>
@@ -15119,6 +15537,7 @@
               <a:spcAft>
                 <a:spcPts val="0"/>
               </a:spcAft>
+              <a:buSzPct val="69498"/>
               <a:buNone/>
             </a:pPr>
             <a:r>
@@ -15198,7 +15617,7 @@
   <p:cSld>
     <p:spTree>
       <p:nvGrpSpPr>
-        <p:cNvPr id="165" name="Shape 165"/>
+        <p:cNvPr id="171" name="Shape 171"/>
         <p:cNvGrpSpPr/>
         <p:nvPr/>
       </p:nvGrpSpPr>
@@ -15212,7 +15631,7 @@
       </p:grpSpPr>
       <p:sp>
         <p:nvSpPr>
-          <p:cNvPr id="166" name="Google Shape;166;g2f62552a751_0_76"/>
+          <p:cNvPr id="172" name="Google Shape;172;g2f62552a751_0_76"/>
           <p:cNvSpPr txBox="1"/>
           <p:nvPr>
             <p:ph idx="1" type="body"/>
@@ -15329,6 +15748,7 @@
               <a:spcAft>
                 <a:spcPts val="0"/>
               </a:spcAft>
+              <a:buSzPts val="1800"/>
               <a:buNone/>
             </a:pPr>
             <a:r>
@@ -15364,6 +15784,7 @@
               <a:spcAft>
                 <a:spcPts val="0"/>
               </a:spcAft>
+              <a:buSzPts val="1800"/>
               <a:buNone/>
             </a:pPr>
             <a:r>
@@ -15399,6 +15820,7 @@
               <a:spcAft>
                 <a:spcPts val="0"/>
               </a:spcAft>
+              <a:buSzPts val="1800"/>
               <a:buNone/>
             </a:pPr>
             <a:r>
@@ -15434,6 +15856,7 @@
               <a:spcAft>
                 <a:spcPts val="0"/>
               </a:spcAft>
+              <a:buSzPts val="1800"/>
               <a:buNone/>
             </a:pPr>
             <a:r>
@@ -15469,6 +15892,7 @@
               <a:spcAft>
                 <a:spcPts val="0"/>
               </a:spcAft>
+              <a:buSzPts val="1800"/>
               <a:buNone/>
             </a:pPr>
             <a:r>
@@ -15504,6 +15928,7 @@
               <a:spcAft>
                 <a:spcPts val="0"/>
               </a:spcAft>
+              <a:buSzPts val="1800"/>
               <a:buNone/>
             </a:pPr>
             <a:r>
@@ -15539,6 +15964,7 @@
               <a:spcAft>
                 <a:spcPts val="0"/>
               </a:spcAft>
+              <a:buSzPts val="1800"/>
               <a:buNone/>
             </a:pPr>
             <a:r>
@@ -15574,6 +16000,7 @@
               <a:spcAft>
                 <a:spcPts val="0"/>
               </a:spcAft>
+              <a:buSzPts val="1800"/>
               <a:buNone/>
             </a:pPr>
             <a:r>
@@ -15609,6 +16036,7 @@
               <a:spcAft>
                 <a:spcPts val="0"/>
               </a:spcAft>
+              <a:buSzPts val="1800"/>
               <a:buNone/>
             </a:pPr>
             <a:r>
@@ -15644,6 +16072,7 @@
               <a:spcAft>
                 <a:spcPts val="0"/>
               </a:spcAft>
+              <a:buSzPts val="1800"/>
               <a:buNone/>
             </a:pPr>
             <a:r>
@@ -15679,6 +16108,7 @@
               <a:spcAft>
                 <a:spcPts val="0"/>
               </a:spcAft>
+              <a:buSzPts val="1800"/>
               <a:buNone/>
             </a:pPr>
             <a:r>
@@ -15714,6 +16144,7 @@
               <a:spcAft>
                 <a:spcPts val="0"/>
               </a:spcAft>
+              <a:buSzPts val="1800"/>
               <a:buNone/>
             </a:pPr>
             <a:r>
@@ -15749,6 +16180,7 @@
               <a:spcAft>
                 <a:spcPts val="0"/>
               </a:spcAft>
+              <a:buSzPts val="1800"/>
               <a:buNone/>
             </a:pPr>
             <a:r>
@@ -15784,6 +16216,7 @@
               <a:spcAft>
                 <a:spcPts val="0"/>
               </a:spcAft>
+              <a:buSzPts val="1800"/>
               <a:buNone/>
             </a:pPr>
             <a:r>
@@ -15859,6 +16292,7 @@
               <a:spcAft>
                 <a:spcPts val="0"/>
               </a:spcAft>
+              <a:buSzPts val="1800"/>
               <a:buNone/>
             </a:pPr>
             <a:r>
@@ -15885,12 +16319,16 @@
           </a:p>
           <a:p>
             <a:pPr indent="457200" lvl="0" marL="0" rtl="0" algn="l">
-              <a:spcBef>
-                <a:spcPts val="0"/>
-              </a:spcBef>
-              <a:spcAft>
-                <a:spcPts val="0"/>
-              </a:spcAft>
+              <a:lnSpc>
+                <a:spcPct val="115000"/>
+              </a:lnSpc>
+              <a:spcBef>
+                <a:spcPts val="0"/>
+              </a:spcBef>
+              <a:spcAft>
+                <a:spcPts val="0"/>
+              </a:spcAft>
+              <a:buSzPts val="1800"/>
               <a:buNone/>
             </a:pPr>
             <a:r>
@@ -16072,6 +16510,9 @@
           <a:lstStyle/>
           <a:p>
             <a:pPr indent="0" lvl="0" marL="12700" rtl="0" algn="l">
+              <a:lnSpc>
+                <a:spcPct val="100000"/>
+              </a:lnSpc>
               <a:spcBef>
                 <a:spcPts val="0"/>
               </a:spcBef>
@@ -16262,6 +16703,42 @@
               <a:buNone/>
             </a:pPr>
             <a:r>
+              <a:rPr b="1" lang="en" sz="2400">
+                <a:solidFill>
+                  <a:srgbClr val="7030A0"/>
+                </a:solidFill>
+                <a:latin typeface="Courier New"/>
+                <a:ea typeface="Courier New"/>
+                <a:cs typeface="Courier New"/>
+                <a:sym typeface="Courier New"/>
+              </a:rPr>
+              <a:t>1.1  box_model.html</a:t>
+            </a:r>
+            <a:endParaRPr b="1" sz="2400">
+              <a:solidFill>
+                <a:srgbClr val="7030A0"/>
+              </a:solidFill>
+              <a:latin typeface="Courier New"/>
+              <a:ea typeface="Courier New"/>
+              <a:cs typeface="Courier New"/>
+              <a:sym typeface="Courier New"/>
+            </a:endParaRPr>
+          </a:p>
+          <a:p>
+            <a:pPr indent="0" lvl="0" marL="12700" rtl="0" algn="l">
+              <a:lnSpc>
+                <a:spcPct val="100000"/>
+              </a:lnSpc>
+              <a:spcBef>
+                <a:spcPts val="0"/>
+              </a:spcBef>
+              <a:spcAft>
+                <a:spcPts val="0"/>
+              </a:spcAft>
+              <a:buSzPts val="2800"/>
+              <a:buNone/>
+            </a:pPr>
+            <a:r>
               <a:t/>
             </a:r>
             <a:endParaRPr sz="2400">
@@ -16285,7 +16762,11 @@
               <a:spcAft>
                 <a:spcPts val="0"/>
               </a:spcAft>
+              <a:buClr>
+                <a:schemeClr val="dk1"/>
+              </a:buClr>
               <a:buSzPts val="2800"/>
+              <a:buFont typeface="Arial"/>
               <a:buNone/>
             </a:pPr>
             <a:r>
@@ -16312,33 +16793,6 @@
               <a:spcAft>
                 <a:spcPts val="0"/>
               </a:spcAft>
-              <a:buSzPts val="2800"/>
-              <a:buNone/>
-            </a:pPr>
-            <a:r>
-              <a:t/>
-            </a:r>
-            <a:endParaRPr sz="2400">
-              <a:solidFill>
-                <a:schemeClr val="dk1"/>
-              </a:solidFill>
-              <a:latin typeface="Times New Roman"/>
-              <a:ea typeface="Times New Roman"/>
-              <a:cs typeface="Times New Roman"/>
-              <a:sym typeface="Times New Roman"/>
-            </a:endParaRPr>
-          </a:p>
-          <a:p>
-            <a:pPr indent="0" lvl="0" marL="12700" rtl="0" algn="l">
-              <a:lnSpc>
-                <a:spcPct val="100000"/>
-              </a:lnSpc>
-              <a:spcBef>
-                <a:spcPts val="0"/>
-              </a:spcBef>
-              <a:spcAft>
-                <a:spcPts val="0"/>
-              </a:spcAft>
               <a:buClr>
                 <a:schemeClr val="dk1"/>
               </a:buClr>
@@ -16407,7 +16861,19 @@
                 <a:cs typeface="Times New Roman"/>
                 <a:sym typeface="Times New Roman"/>
               </a:rPr>
-              <a:t>- actual content of the box.</a:t>
+              <a:t>–</a:t>
+            </a:r>
+            <a:r>
+              <a:rPr lang="en" sz="2400">
+                <a:solidFill>
+                  <a:schemeClr val="dk1"/>
+                </a:solidFill>
+                <a:latin typeface="Times New Roman"/>
+                <a:ea typeface="Times New Roman"/>
+                <a:cs typeface="Times New Roman"/>
+                <a:sym typeface="Times New Roman"/>
+              </a:rPr>
+              <a:t> actual content of the box</a:t>
             </a:r>
             <a:endParaRPr sz="2400">
               <a:solidFill>
@@ -16482,7 +16948,7 @@
                 <a:cs typeface="Times New Roman"/>
                 <a:sym typeface="Times New Roman"/>
               </a:rPr>
-              <a:t> area around the content.</a:t>
+              <a:t> area around the content</a:t>
             </a:r>
             <a:endParaRPr sz="2400">
               <a:solidFill>
@@ -16608,7 +17074,7 @@
                 <a:cs typeface="Times New Roman"/>
                 <a:sym typeface="Times New Roman"/>
               </a:rPr>
-              <a:t> rea outside the border.</a:t>
+              <a:t> area outside the border</a:t>
             </a:r>
             <a:endParaRPr sz="2400">
               <a:solidFill>
@@ -16690,6 +17156,10 @@
           <a:prstGeom prst="rect">
             <a:avLst/>
           </a:prstGeom>
+          <a:noFill/>
+          <a:ln>
+            <a:noFill/>
+          </a:ln>
         </p:spPr>
         <p:txBody>
           <a:bodyPr anchorCtr="0" anchor="t" bIns="91425" lIns="91425" spcFirstLastPara="1" rIns="91425" wrap="square" tIns="91425">
@@ -16698,12 +17168,16 @@
           <a:lstStyle/>
           <a:p>
             <a:pPr indent="0" lvl="0" marL="0" rtl="0" algn="l">
-              <a:spcBef>
-                <a:spcPts val="0"/>
-              </a:spcBef>
-              <a:spcAft>
-                <a:spcPts val="0"/>
-              </a:spcAft>
+              <a:lnSpc>
+                <a:spcPct val="100000"/>
+              </a:lnSpc>
+              <a:spcBef>
+                <a:spcPts val="0"/>
+              </a:spcBef>
+              <a:spcAft>
+                <a:spcPts val="0"/>
+              </a:spcAft>
+              <a:buSzPts val="2800"/>
               <a:buNone/>
             </a:pPr>
             <a:r>
@@ -16740,6 +17214,10 @@
           <a:prstGeom prst="rect">
             <a:avLst/>
           </a:prstGeom>
+          <a:noFill/>
+          <a:ln>
+            <a:noFill/>
+          </a:ln>
         </p:spPr>
         <p:txBody>
           <a:bodyPr anchorCtr="0" anchor="t" bIns="91425" lIns="91425" spcFirstLastPara="1" rIns="91425" wrap="square" tIns="91425">
@@ -16757,6 +17235,7 @@
               <a:spcAft>
                 <a:spcPts val="0"/>
               </a:spcAft>
+              <a:buSzPct val="77419"/>
               <a:buNone/>
             </a:pPr>
             <a:r>
@@ -16792,6 +17271,7 @@
               <a:spcAft>
                 <a:spcPts val="0"/>
               </a:spcAft>
+              <a:buSzPct val="77419"/>
               <a:buNone/>
             </a:pPr>
             <a:r>
@@ -17055,7 +17535,7 @@
                 <a:cs typeface="Times New Roman"/>
                 <a:sym typeface="Times New Roman"/>
               </a:rPr>
-              <a:t>: 20px;</a:t>
+              <a:t>: 20px</a:t>
             </a:r>
             <a:endParaRPr sz="3000">
               <a:solidFill>
@@ -17107,7 +17587,7 @@
                 <a:cs typeface="Times New Roman"/>
                 <a:sym typeface="Times New Roman"/>
               </a:rPr>
-              <a:t>: 50px 30px 50px 30px;</a:t>
+              <a:t>: 50px 30px 50px 30px</a:t>
             </a:r>
             <a:endParaRPr sz="3000">
               <a:solidFill>
@@ -17130,6 +17610,7 @@
               <a:spcAft>
                 <a:spcPts val="0"/>
               </a:spcAft>
+              <a:buSzPct val="77419"/>
               <a:buNone/>
             </a:pPr>
             <a:r>
@@ -17220,6 +17701,7 @@
               <a:spcAft>
                 <a:spcPts val="0"/>
               </a:spcAft>
+              <a:buSzPct val="77419"/>
               <a:buNone/>
             </a:pPr>
             <a:r>
@@ -17399,18 +17881,199 @@
           </a:p>
           <a:p>
             <a:pPr indent="0" lvl="0" marL="0" rtl="0" algn="l">
-              <a:spcBef>
-                <a:spcPts val="0"/>
-              </a:spcBef>
-              <a:spcAft>
-                <a:spcPts val="0"/>
-              </a:spcAft>
+              <a:lnSpc>
+                <a:spcPct val="115000"/>
+              </a:lnSpc>
+              <a:spcBef>
+                <a:spcPts val="0"/>
+              </a:spcBef>
+              <a:spcAft>
+                <a:spcPts val="0"/>
+              </a:spcAft>
+              <a:buSzPct val="129032"/>
               <a:buNone/>
             </a:pPr>
             <a:r>
               <a:t/>
             </a:r>
             <a:endParaRPr/>
+          </a:p>
+        </p:txBody>
+      </p:sp>
+      <p:sp>
+        <p:nvSpPr>
+          <p:cNvPr id="74" name="Google Shape;74;g2face097e27_0_63"/>
+          <p:cNvSpPr txBox="1"/>
+          <p:nvPr/>
+        </p:nvSpPr>
+        <p:spPr>
+          <a:xfrm>
+            <a:off x="5283600" y="1835425"/>
+            <a:ext cx="3860400" cy="923400"/>
+          </a:xfrm>
+          <a:prstGeom prst="rect">
+            <a:avLst/>
+          </a:prstGeom>
+          <a:noFill/>
+          <a:ln>
+            <a:noFill/>
+          </a:ln>
+        </p:spPr>
+        <p:txBody>
+          <a:bodyPr anchorCtr="0" anchor="t" bIns="91425" lIns="91425" spcFirstLastPara="1" rIns="91425" wrap="square" tIns="91425">
+            <a:spAutoFit/>
+          </a:bodyPr>
+          <a:lstStyle/>
+          <a:p>
+            <a:pPr indent="0" lvl="0" marL="12700" rtl="0" algn="l">
+              <a:spcBef>
+                <a:spcPts val="0"/>
+              </a:spcBef>
+              <a:spcAft>
+                <a:spcPts val="0"/>
+              </a:spcAft>
+              <a:buNone/>
+            </a:pPr>
+            <a:r>
+              <a:rPr b="1" lang="en" sz="2400">
+                <a:solidFill>
+                  <a:srgbClr val="7030A0"/>
+                </a:solidFill>
+                <a:latin typeface="Courier New"/>
+                <a:ea typeface="Courier New"/>
+                <a:cs typeface="Courier New"/>
+                <a:sym typeface="Courier New"/>
+              </a:rPr>
+              <a:t>1.2  box_model</a:t>
+            </a:r>
+            <a:r>
+              <a:rPr b="1" lang="en" sz="2400">
+                <a:solidFill>
+                  <a:srgbClr val="7030A0"/>
+                </a:solidFill>
+                <a:latin typeface="Courier New"/>
+                <a:ea typeface="Courier New"/>
+                <a:cs typeface="Courier New"/>
+                <a:sym typeface="Courier New"/>
+              </a:rPr>
+              <a:t>.html</a:t>
+            </a:r>
+            <a:endParaRPr b="1" sz="2400">
+              <a:solidFill>
+                <a:srgbClr val="7030A0"/>
+              </a:solidFill>
+              <a:latin typeface="Courier New"/>
+              <a:ea typeface="Courier New"/>
+              <a:cs typeface="Courier New"/>
+              <a:sym typeface="Courier New"/>
+            </a:endParaRPr>
+          </a:p>
+          <a:p>
+            <a:pPr indent="0" lvl="0" marL="12700" rtl="0" algn="l">
+              <a:spcBef>
+                <a:spcPts val="0"/>
+              </a:spcBef>
+              <a:spcAft>
+                <a:spcPts val="0"/>
+              </a:spcAft>
+              <a:buClr>
+                <a:schemeClr val="dk1"/>
+              </a:buClr>
+              <a:buSzPts val="1100"/>
+              <a:buFont typeface="Arial"/>
+              <a:buNone/>
+            </a:pPr>
+            <a:r>
+              <a:rPr b="1" lang="en" sz="2400">
+                <a:solidFill>
+                  <a:srgbClr val="7030A0"/>
+                </a:solidFill>
+                <a:latin typeface="Courier New"/>
+                <a:ea typeface="Courier New"/>
+                <a:cs typeface="Courier New"/>
+                <a:sym typeface="Courier New"/>
+              </a:rPr>
+              <a:t>1.3  box_model.html</a:t>
+            </a:r>
+            <a:endParaRPr b="1" sz="2400">
+              <a:solidFill>
+                <a:srgbClr val="7030A0"/>
+              </a:solidFill>
+              <a:latin typeface="Courier New"/>
+              <a:ea typeface="Courier New"/>
+              <a:cs typeface="Courier New"/>
+              <a:sym typeface="Courier New"/>
+            </a:endParaRPr>
+          </a:p>
+        </p:txBody>
+      </p:sp>
+      <p:sp>
+        <p:nvSpPr>
+          <p:cNvPr id="75" name="Google Shape;75;g2face097e27_0_63"/>
+          <p:cNvSpPr txBox="1"/>
+          <p:nvPr/>
+        </p:nvSpPr>
+        <p:spPr>
+          <a:xfrm>
+            <a:off x="0" y="4681800"/>
+            <a:ext cx="9144000" cy="461700"/>
+          </a:xfrm>
+          <a:prstGeom prst="rect">
+            <a:avLst/>
+          </a:prstGeom>
+          <a:noFill/>
+          <a:ln>
+            <a:noFill/>
+          </a:ln>
+        </p:spPr>
+        <p:txBody>
+          <a:bodyPr anchorCtr="0" anchor="t" bIns="91425" lIns="91425" spcFirstLastPara="1" rIns="91425" wrap="square" tIns="91425">
+            <a:spAutoFit/>
+          </a:bodyPr>
+          <a:lstStyle/>
+          <a:p>
+            <a:pPr indent="0" lvl="0" marL="12700" rtl="0" algn="ctr">
+              <a:spcBef>
+                <a:spcPts val="0"/>
+              </a:spcBef>
+              <a:spcAft>
+                <a:spcPts val="0"/>
+              </a:spcAft>
+              <a:buNone/>
+            </a:pPr>
+            <a:r>
+              <a:rPr b="1" lang="en" sz="1800">
+                <a:solidFill>
+                  <a:srgbClr val="7030A0"/>
+                </a:solidFill>
+                <a:latin typeface="Courier New"/>
+                <a:ea typeface="Courier New"/>
+                <a:cs typeface="Courier New"/>
+                <a:sym typeface="Courier New"/>
+              </a:rPr>
+              <a:t>2.1 overflow_auto, </a:t>
+            </a:r>
+            <a:r>
+              <a:rPr b="1" lang="en" sz="1800">
+                <a:solidFill>
+                  <a:srgbClr val="7030A0"/>
+                </a:solidFill>
+                <a:latin typeface="Courier New"/>
+                <a:ea typeface="Courier New"/>
+                <a:cs typeface="Courier New"/>
+                <a:sym typeface="Courier New"/>
+              </a:rPr>
+              <a:t>2.2 overflow_hidden, 2.3 overflow_scroll</a:t>
+            </a:r>
+            <a:endParaRPr sz="1800">
+              <a:solidFill>
+                <a:srgbClr val="7030A0"/>
+              </a:solidFill>
+              <a:latin typeface="Courier New"/>
+              <a:ea typeface="Courier New"/>
+              <a:cs typeface="Courier New"/>
+              <a:sym typeface="Courier New"/>
+            </a:endParaRPr>
           </a:p>
         </p:txBody>
       </p:sp>
@@ -17427,7 +18090,7 @@
   <p:cSld>
     <p:spTree>
       <p:nvGrpSpPr>
-        <p:cNvPr id="77" name="Shape 77"/>
+        <p:cNvPr id="79" name="Shape 79"/>
         <p:cNvGrpSpPr/>
         <p:nvPr/>
       </p:nvGrpSpPr>
@@ -17441,7 +18104,7 @@
       </p:grpSpPr>
       <p:sp>
         <p:nvSpPr>
-          <p:cNvPr id="78" name="Google Shape;78;g2face097e27_0_68"/>
+          <p:cNvPr id="80" name="Google Shape;80;g2face097e27_0_68"/>
           <p:cNvSpPr txBox="1"/>
           <p:nvPr>
             <p:ph type="title"/>
@@ -17455,6 +18118,10 @@
           <a:prstGeom prst="rect">
             <a:avLst/>
           </a:prstGeom>
+          <a:noFill/>
+          <a:ln>
+            <a:noFill/>
+          </a:ln>
         </p:spPr>
         <p:txBody>
           <a:bodyPr anchorCtr="0" anchor="t" bIns="91425" lIns="91425" spcFirstLastPara="1" rIns="91425" wrap="square" tIns="91425">
@@ -17463,12 +18130,16 @@
           <a:lstStyle/>
           <a:p>
             <a:pPr indent="0" lvl="0" marL="0" rtl="0" algn="l">
-              <a:spcBef>
-                <a:spcPts val="0"/>
-              </a:spcBef>
-              <a:spcAft>
-                <a:spcPts val="0"/>
-              </a:spcAft>
+              <a:lnSpc>
+                <a:spcPct val="100000"/>
+              </a:lnSpc>
+              <a:spcBef>
+                <a:spcPts val="0"/>
+              </a:spcBef>
+              <a:spcAft>
+                <a:spcPts val="0"/>
+              </a:spcAft>
+              <a:buSzPts val="2800"/>
               <a:buNone/>
             </a:pPr>
             <a:r>
@@ -17491,7 +18162,7 @@
       </p:sp>
       <p:sp>
         <p:nvSpPr>
-          <p:cNvPr id="79" name="Google Shape;79;g2face097e27_0_68"/>
+          <p:cNvPr id="81" name="Google Shape;81;g2face097e27_0_68"/>
           <p:cNvSpPr txBox="1"/>
           <p:nvPr>
             <p:ph idx="1" type="body"/>
@@ -17505,6 +18176,10 @@
           <a:prstGeom prst="rect">
             <a:avLst/>
           </a:prstGeom>
+          <a:noFill/>
+          <a:ln>
+            <a:noFill/>
+          </a:ln>
         </p:spPr>
         <p:txBody>
           <a:bodyPr anchorCtr="0" anchor="t" bIns="91425" lIns="91425" spcFirstLastPara="1" rIns="91425" wrap="square" tIns="91425">
@@ -17522,6 +18197,7 @@
               <a:spcAft>
                 <a:spcPts val="0"/>
               </a:spcAft>
+              <a:buSzPts val="1800"/>
               <a:buNone/>
             </a:pPr>
             <a:r>
@@ -17629,6 +18305,7 @@
               <a:spcAft>
                 <a:spcPts val="0"/>
               </a:spcAft>
+              <a:buSzPts val="1800"/>
               <a:buNone/>
             </a:pPr>
             <a:r>
@@ -17820,19 +18497,7 @@
                 <a:cs typeface="Times New Roman"/>
                 <a:sym typeface="Times New Roman"/>
               </a:rPr>
-              <a:t>borders, padding and conten</a:t>
-            </a:r>
-            <a:r>
-              <a:rPr b="1" i="1" lang="en" sz="2600">
-                <a:solidFill>
-                  <a:schemeClr val="dk1"/>
-                </a:solidFill>
-                <a:latin typeface="Times New Roman"/>
-                <a:ea typeface="Times New Roman"/>
-                <a:cs typeface="Times New Roman"/>
-                <a:sym typeface="Times New Roman"/>
-              </a:rPr>
-              <a:t>t </a:t>
+              <a:t>borders, padding and content </a:t>
             </a:r>
             <a:r>
               <a:rPr lang="en" sz="2600">
@@ -18082,12 +18747,16 @@
           </a:p>
           <a:p>
             <a:pPr indent="0" lvl="0" marL="0" rtl="0" algn="l">
-              <a:spcBef>
-                <a:spcPts val="0"/>
-              </a:spcBef>
-              <a:spcAft>
-                <a:spcPts val="0"/>
-              </a:spcAft>
+              <a:lnSpc>
+                <a:spcPct val="115000"/>
+              </a:lnSpc>
+              <a:spcBef>
+                <a:spcPts val="0"/>
+              </a:spcBef>
+              <a:spcAft>
+                <a:spcPts val="0"/>
+              </a:spcAft>
+              <a:buSzPts val="1800"/>
               <a:buNone/>
             </a:pPr>
             <a:r>
@@ -18104,13 +18773,13 @@
       </p:sp>
       <p:sp>
         <p:nvSpPr>
-          <p:cNvPr id="80" name="Google Shape;80;g2face097e27_0_68"/>
+          <p:cNvPr id="82" name="Google Shape;82;g2face097e27_0_68"/>
           <p:cNvSpPr txBox="1"/>
           <p:nvPr/>
         </p:nvSpPr>
         <p:spPr>
           <a:xfrm>
-            <a:off x="10" y="3571495"/>
+            <a:off x="0" y="3571500"/>
             <a:ext cx="4715400" cy="1572000"/>
           </a:xfrm>
           <a:prstGeom prst="rect">
@@ -18308,7 +18977,7 @@
       </p:sp>
       <p:sp>
         <p:nvSpPr>
-          <p:cNvPr id="81" name="Google Shape;81;g2face097e27_0_68"/>
+          <p:cNvPr id="83" name="Google Shape;83;g2face097e27_0_68"/>
           <p:cNvSpPr/>
           <p:nvPr/>
         </p:nvSpPr>
@@ -18432,7 +19101,7 @@
       </p:sp>
       <p:sp>
         <p:nvSpPr>
-          <p:cNvPr id="82" name="Google Shape;82;g2face097e27_0_68"/>
+          <p:cNvPr id="84" name="Google Shape;84;g2face097e27_0_68"/>
           <p:cNvSpPr txBox="1"/>
           <p:nvPr/>
         </p:nvSpPr>
@@ -18473,7 +19142,7 @@
               <a:buNone/>
             </a:pPr>
             <a:r>
-              <a:rPr i="0" lang="en" sz="2400" u="none" cap="none" strike="noStrike">
+              <a:rPr b="0" i="0" lang="en" sz="2400" u="none" cap="none" strike="noStrike">
                 <a:solidFill>
                   <a:srgbClr val="000000"/>
                 </a:solidFill>
@@ -18484,7 +19153,7 @@
               </a:rPr>
               <a:t>Applied to all elements</a:t>
             </a:r>
-            <a:endParaRPr i="0" sz="2400" u="none" cap="none" strike="noStrike">
+            <a:endParaRPr b="0" i="0" sz="2400" u="none" cap="none" strike="noStrike">
               <a:solidFill>
                 <a:srgbClr val="000000"/>
               </a:solidFill>
@@ -18492,6 +19161,76 @@
               <a:ea typeface="Times New Roman"/>
               <a:cs typeface="Times New Roman"/>
               <a:sym typeface="Times New Roman"/>
+            </a:endParaRPr>
+          </a:p>
+        </p:txBody>
+      </p:sp>
+      <p:sp>
+        <p:nvSpPr>
+          <p:cNvPr id="85" name="Google Shape;85;g2face097e27_0_68"/>
+          <p:cNvSpPr txBox="1"/>
+          <p:nvPr/>
+        </p:nvSpPr>
+        <p:spPr>
+          <a:xfrm>
+            <a:off x="4715400" y="4774200"/>
+            <a:ext cx="4428600" cy="384900"/>
+          </a:xfrm>
+          <a:prstGeom prst="rect">
+            <a:avLst/>
+          </a:prstGeom>
+          <a:noFill/>
+          <a:ln>
+            <a:noFill/>
+          </a:ln>
+        </p:spPr>
+        <p:txBody>
+          <a:bodyPr anchorCtr="0" anchor="t" bIns="91425" lIns="91425" spcFirstLastPara="1" rIns="91425" wrap="square" tIns="91425">
+            <a:spAutoFit/>
+          </a:bodyPr>
+          <a:lstStyle/>
+          <a:p>
+            <a:pPr indent="0" lvl="0" marL="0" rtl="0" algn="l">
+              <a:spcBef>
+                <a:spcPts val="0"/>
+              </a:spcBef>
+              <a:spcAft>
+                <a:spcPts val="0"/>
+              </a:spcAft>
+              <a:buNone/>
+            </a:pPr>
+            <a:r>
+              <a:rPr b="1" lang="en" sz="1300">
+                <a:solidFill>
+                  <a:srgbClr val="7030A0"/>
+                </a:solidFill>
+                <a:latin typeface="Courier New"/>
+                <a:ea typeface="Courier New"/>
+                <a:cs typeface="Courier New"/>
+                <a:sym typeface="Courier New"/>
+              </a:rPr>
+              <a:t>3.1 box_sizing-.html, </a:t>
+            </a:r>
+            <a:r>
+              <a:rPr b="1" lang="en" sz="1300">
+                <a:solidFill>
+                  <a:srgbClr val="7030A0"/>
+                </a:solidFill>
+                <a:latin typeface="Courier New"/>
+                <a:ea typeface="Courier New"/>
+                <a:cs typeface="Courier New"/>
+                <a:sym typeface="Courier New"/>
+              </a:rPr>
+              <a:t>3.2 box_sizing+.html</a:t>
+            </a:r>
+            <a:endParaRPr b="1" sz="1300">
+              <a:solidFill>
+                <a:srgbClr val="7030A0"/>
+              </a:solidFill>
+              <a:latin typeface="Courier New"/>
+              <a:ea typeface="Courier New"/>
+              <a:cs typeface="Courier New"/>
+              <a:sym typeface="Courier New"/>
             </a:endParaRPr>
           </a:p>
         </p:txBody>
@@ -18509,7 +19248,7 @@
   <p:cSld>
     <p:spTree>
       <p:nvGrpSpPr>
-        <p:cNvPr id="86" name="Shape 86"/>
+        <p:cNvPr id="89" name="Shape 89"/>
         <p:cNvGrpSpPr/>
         <p:nvPr/>
       </p:nvGrpSpPr>
@@ -18523,7 +19262,7 @@
       </p:grpSpPr>
       <p:sp>
         <p:nvSpPr>
-          <p:cNvPr id="87" name="Google Shape;87;g2face097e27_0_77"/>
+          <p:cNvPr id="90" name="Google Shape;90;g2face097e27_0_77"/>
           <p:cNvSpPr txBox="1"/>
           <p:nvPr>
             <p:ph type="title"/>
@@ -18537,6 +19276,10 @@
           <a:prstGeom prst="rect">
             <a:avLst/>
           </a:prstGeom>
+          <a:noFill/>
+          <a:ln>
+            <a:noFill/>
+          </a:ln>
         </p:spPr>
         <p:txBody>
           <a:bodyPr anchorCtr="0" anchor="t" bIns="91425" lIns="91425" spcFirstLastPara="1" rIns="91425" wrap="square" tIns="91425">
@@ -18545,12 +19288,16 @@
           <a:lstStyle/>
           <a:p>
             <a:pPr indent="0" lvl="0" marL="12700" rtl="0" algn="l">
-              <a:spcBef>
-                <a:spcPts val="0"/>
-              </a:spcBef>
-              <a:spcAft>
-                <a:spcPts val="0"/>
-              </a:spcAft>
+              <a:lnSpc>
+                <a:spcPct val="100000"/>
+              </a:lnSpc>
+              <a:spcBef>
+                <a:spcPts val="0"/>
+              </a:spcBef>
+              <a:spcAft>
+                <a:spcPts val="0"/>
+              </a:spcAft>
+              <a:buSzPts val="2800"/>
               <a:buNone/>
             </a:pPr>
             <a:r>
@@ -18573,7 +19320,7 @@
       </p:sp>
       <p:sp>
         <p:nvSpPr>
-          <p:cNvPr id="88" name="Google Shape;88;g2face097e27_0_77"/>
+          <p:cNvPr id="91" name="Google Shape;91;g2face097e27_0_77"/>
           <p:cNvSpPr txBox="1"/>
           <p:nvPr>
             <p:ph idx="1" type="body"/>
@@ -18587,6 +19334,10 @@
           <a:prstGeom prst="rect">
             <a:avLst/>
           </a:prstGeom>
+          <a:noFill/>
+          <a:ln>
+            <a:noFill/>
+          </a:ln>
         </p:spPr>
         <p:txBody>
           <a:bodyPr anchorCtr="0" anchor="t" bIns="91425" lIns="91425" spcFirstLastPara="1" rIns="91425" wrap="square" tIns="91425">
@@ -18784,7 +19535,7 @@
                 <a:cs typeface="Times New Roman"/>
                 <a:sym typeface="Times New Roman"/>
               </a:rPr>
-              <a:t>flow</a:t>
+              <a:t>float</a:t>
             </a:r>
             <a:endParaRPr sz="2800">
               <a:solidFill>
@@ -18848,7 +19599,7 @@
   <p:cSld>
     <p:spTree>
       <p:nvGrpSpPr>
-        <p:cNvPr id="92" name="Shape 92"/>
+        <p:cNvPr id="95" name="Shape 95"/>
         <p:cNvGrpSpPr/>
         <p:nvPr/>
       </p:nvGrpSpPr>
@@ -18862,7 +19613,7 @@
       </p:grpSpPr>
       <p:sp>
         <p:nvSpPr>
-          <p:cNvPr id="93" name="Google Shape;93;g2face097e27_0_82"/>
+          <p:cNvPr id="96" name="Google Shape;96;g2face097e27_0_82"/>
           <p:cNvSpPr txBox="1"/>
           <p:nvPr>
             <p:ph type="title"/>
@@ -18876,6 +19627,10 @@
           <a:prstGeom prst="rect">
             <a:avLst/>
           </a:prstGeom>
+          <a:noFill/>
+          <a:ln>
+            <a:noFill/>
+          </a:ln>
         </p:spPr>
         <p:txBody>
           <a:bodyPr anchorCtr="0" anchor="t" bIns="91425" lIns="91425" spcFirstLastPara="1" rIns="91425" wrap="square" tIns="91425">
@@ -18884,6 +19639,9 @@
           <a:lstStyle/>
           <a:p>
             <a:pPr indent="0" lvl="0" marL="0" rtl="0" algn="l">
+              <a:lnSpc>
+                <a:spcPct val="100000"/>
+              </a:lnSpc>
               <a:spcBef>
                 <a:spcPts val="0"/>
               </a:spcBef>
@@ -18913,7 +19671,7 @@
       </p:sp>
       <p:sp>
         <p:nvSpPr>
-          <p:cNvPr id="94" name="Google Shape;94;g2face097e27_0_82"/>
+          <p:cNvPr id="97" name="Google Shape;97;g2face097e27_0_82"/>
           <p:cNvSpPr txBox="1"/>
           <p:nvPr>
             <p:ph idx="1" type="body"/>
@@ -18927,6 +19685,10 @@
           <a:prstGeom prst="rect">
             <a:avLst/>
           </a:prstGeom>
+          <a:noFill/>
+          <a:ln>
+            <a:noFill/>
+          </a:ln>
         </p:spPr>
         <p:txBody>
           <a:bodyPr anchorCtr="0" anchor="t" bIns="91425" lIns="91425" spcFirstLastPara="1" rIns="91425" wrap="square" tIns="91425">
@@ -19297,7 +20059,7 @@
   <p:cSld>
     <p:spTree>
       <p:nvGrpSpPr>
-        <p:cNvPr id="98" name="Shape 98"/>
+        <p:cNvPr id="101" name="Shape 101"/>
         <p:cNvGrpSpPr/>
         <p:nvPr/>
       </p:nvGrpSpPr>
@@ -19311,7 +20073,7 @@
       </p:grpSpPr>
       <p:sp>
         <p:nvSpPr>
-          <p:cNvPr id="99" name="Google Shape;99;g2face097e27_0_87"/>
+          <p:cNvPr id="102" name="Google Shape;102;g2face097e27_0_87"/>
           <p:cNvSpPr txBox="1"/>
           <p:nvPr>
             <p:ph type="title"/>
@@ -19325,6 +20087,10 @@
           <a:prstGeom prst="rect">
             <a:avLst/>
           </a:prstGeom>
+          <a:noFill/>
+          <a:ln>
+            <a:noFill/>
+          </a:ln>
         </p:spPr>
         <p:txBody>
           <a:bodyPr anchorCtr="0" anchor="t" bIns="91425" lIns="91425" spcFirstLastPara="1" rIns="91425" wrap="square" tIns="91425">
@@ -19333,6 +20099,9 @@
           <a:lstStyle/>
           <a:p>
             <a:pPr indent="0" lvl="0" marL="0" rtl="0" algn="l">
+              <a:lnSpc>
+                <a:spcPct val="100000"/>
+              </a:lnSpc>
               <a:spcBef>
                 <a:spcPts val="0"/>
               </a:spcBef>
@@ -19362,7 +20131,7 @@
       </p:sp>
       <p:grpSp>
         <p:nvGrpSpPr>
-          <p:cNvPr id="100" name="Google Shape;100;g2face097e27_0_87"/>
+          <p:cNvPr id="103" name="Google Shape;103;g2face097e27_0_87"/>
           <p:cNvGrpSpPr/>
           <p:nvPr/>
         </p:nvGrpSpPr>
@@ -19376,7 +20145,7 @@
         </p:grpSpPr>
         <p:pic>
           <p:nvPicPr>
-            <p:cNvPr id="101" name="Google Shape;101;g2face097e27_0_87"/>
+            <p:cNvPr id="104" name="Google Shape;104;g2face097e27_0_87"/>
             <p:cNvPicPr preferRelativeResize="0"/>
             <p:nvPr/>
           </p:nvPicPr>
@@ -19403,7 +20172,7 @@
         </p:pic>
         <p:sp>
           <p:nvSpPr>
-            <p:cNvPr id="102" name="Google Shape;102;g2face097e27_0_87"/>
+            <p:cNvPr id="105" name="Google Shape;105;g2face097e27_0_87"/>
             <p:cNvSpPr/>
             <p:nvPr/>
           </p:nvSpPr>
@@ -19606,7 +20375,7 @@
       </p:grpSp>
       <p:sp>
         <p:nvSpPr>
-          <p:cNvPr id="103" name="Google Shape;103;g2face097e27_0_87"/>
+          <p:cNvPr id="106" name="Google Shape;106;g2face097e27_0_87"/>
           <p:cNvSpPr txBox="1"/>
           <p:nvPr/>
         </p:nvSpPr>
@@ -19647,7 +20416,7 @@
               <a:buNone/>
             </a:pPr>
             <a:r>
-              <a:rPr i="0" lang="en" sz="2400" u="none" cap="none" strike="noStrike">
+              <a:rPr b="0" i="0" lang="en" sz="2400" u="none" cap="none" strike="noStrike">
                 <a:solidFill>
                   <a:srgbClr val="FF0000"/>
                 </a:solidFill>
@@ -19659,7 +20428,7 @@
               <a:t>Block </a:t>
             </a:r>
             <a:r>
-              <a:rPr i="0" lang="en" sz="2400" u="none" cap="none" strike="noStrike">
+              <a:rPr b="0" i="0" lang="en" sz="2400" u="none" cap="none" strike="noStrike">
                 <a:solidFill>
                   <a:srgbClr val="000000"/>
                 </a:solidFill>
@@ -19670,7 +20439,7 @@
               </a:rPr>
               <a:t>elements</a:t>
             </a:r>
-            <a:endParaRPr i="0" sz="2400" u="none" cap="none" strike="noStrike">
+            <a:endParaRPr b="0" i="0" sz="2400" u="none" cap="none" strike="noStrike">
               <a:solidFill>
                 <a:srgbClr val="000000"/>
               </a:solidFill>
@@ -19684,7 +20453,7 @@
       </p:sp>
       <p:sp>
         <p:nvSpPr>
-          <p:cNvPr id="104" name="Google Shape;104;g2face097e27_0_87"/>
+          <p:cNvPr id="107" name="Google Shape;107;g2face097e27_0_87"/>
           <p:cNvSpPr txBox="1"/>
           <p:nvPr/>
         </p:nvSpPr>
@@ -19737,7 +20506,7 @@
               <a:t>Inline </a:t>
             </a:r>
             <a:r>
-              <a:rPr i="0" lang="en" sz="2400" u="none" cap="none" strike="noStrike">
+              <a:rPr b="0" i="0" lang="en" sz="2400" u="none" cap="none" strike="noStrike">
                 <a:solidFill>
                   <a:srgbClr val="000000"/>
                 </a:solidFill>
@@ -19748,7 +20517,7 @@
               </a:rPr>
               <a:t>element</a:t>
             </a:r>
-            <a:endParaRPr i="0" sz="2400" u="none" cap="none" strike="noStrike">
+            <a:endParaRPr b="0" i="0" sz="2400" u="none" cap="none" strike="noStrike">
               <a:solidFill>
                 <a:srgbClr val="000000"/>
               </a:solidFill>
@@ -19779,7 +20548,7 @@
             <a:r>
               <a:t/>
             </a:r>
-            <a:endParaRPr i="0" sz="3800" u="none" cap="none" strike="noStrike">
+            <a:endParaRPr b="0" i="0" sz="3800" u="none" cap="none" strike="noStrike">
               <a:solidFill>
                 <a:srgbClr val="000000"/>
               </a:solidFill>
@@ -19820,7 +20589,7 @@
               <a:t>Inline-block </a:t>
             </a:r>
             <a:r>
-              <a:rPr i="0" lang="en" sz="2400" u="none" cap="none" strike="noStrike">
+              <a:rPr b="0" i="0" lang="en" sz="2400" u="none" cap="none" strike="noStrike">
                 <a:solidFill>
                   <a:srgbClr val="000000"/>
                 </a:solidFill>
@@ -19831,7 +20600,7 @@
               </a:rPr>
               <a:t>element</a:t>
             </a:r>
-            <a:endParaRPr i="0" sz="2400" u="none" cap="none" strike="noStrike">
+            <a:endParaRPr b="0" i="0" sz="2400" u="none" cap="none" strike="noStrike">
               <a:solidFill>
                 <a:srgbClr val="000000"/>
               </a:solidFill>
@@ -19840,6 +20609,124 @@
               <a:cs typeface="Times New Roman"/>
               <a:sym typeface="Times New Roman"/>
             </a:endParaRPr>
+          </a:p>
+        </p:txBody>
+      </p:sp>
+      <p:sp>
+        <p:nvSpPr>
+          <p:cNvPr id="108" name="Google Shape;108;g2face097e27_0_87"/>
+          <p:cNvSpPr txBox="1"/>
+          <p:nvPr/>
+        </p:nvSpPr>
+        <p:spPr>
+          <a:xfrm>
+            <a:off x="6540475" y="674975"/>
+            <a:ext cx="2603400" cy="1046700"/>
+          </a:xfrm>
+          <a:prstGeom prst="rect">
+            <a:avLst/>
+          </a:prstGeom>
+          <a:noFill/>
+          <a:ln>
+            <a:noFill/>
+          </a:ln>
+        </p:spPr>
+        <p:txBody>
+          <a:bodyPr anchorCtr="0" anchor="t" bIns="91425" lIns="91425" spcFirstLastPara="1" rIns="91425" wrap="square" tIns="91425">
+            <a:spAutoFit/>
+          </a:bodyPr>
+          <a:lstStyle/>
+          <a:p>
+            <a:pPr indent="0" lvl="0" marL="0" rtl="0" algn="l">
+              <a:spcBef>
+                <a:spcPts val="0"/>
+              </a:spcBef>
+              <a:spcAft>
+                <a:spcPts val="0"/>
+              </a:spcAft>
+              <a:buNone/>
+            </a:pPr>
+            <a:r>
+              <a:rPr lang="en" u="sng">
+                <a:solidFill>
+                  <a:schemeClr val="hlink"/>
+                </a:solidFill>
+                <a:hlinkClick r:id="rId4"/>
+              </a:rPr>
+              <a:t>css display</a:t>
+            </a:r>
+            <a:endParaRPr/>
+          </a:p>
+          <a:p>
+            <a:pPr indent="0" lvl="0" marL="0" rtl="0" algn="l">
+              <a:spcBef>
+                <a:spcPts val="0"/>
+              </a:spcBef>
+              <a:spcAft>
+                <a:spcPts val="0"/>
+              </a:spcAft>
+              <a:buNone/>
+            </a:pPr>
+            <a:r>
+              <a:rPr lang="en" u="sng">
+                <a:solidFill>
+                  <a:schemeClr val="hlink"/>
+                </a:solidFill>
+                <a:hlinkClick r:id="rId5"/>
+              </a:rPr>
+              <a:t>c</a:t>
+            </a:r>
+            <a:r>
+              <a:rPr lang="en" u="sng">
+                <a:solidFill>
+                  <a:schemeClr val="hlink"/>
+                </a:solidFill>
+                <a:hlinkClick r:id="rId6"/>
+              </a:rPr>
+              <a:t>ss inline-block</a:t>
+            </a:r>
+            <a:endParaRPr/>
+          </a:p>
+          <a:p>
+            <a:pPr indent="457200" lvl="0" marL="0" rtl="0" algn="l">
+              <a:spcBef>
+                <a:spcPts val="0"/>
+              </a:spcBef>
+              <a:spcAft>
+                <a:spcPts val="0"/>
+              </a:spcAft>
+              <a:buNone/>
+            </a:pPr>
+            <a:r>
+              <a:rPr lang="en" u="sng">
+                <a:solidFill>
+                  <a:schemeClr val="hlink"/>
+                </a:solidFill>
+                <a:hlinkClick r:id="rId7"/>
+              </a:rPr>
+              <a:t>inline-block example</a:t>
+            </a:r>
+            <a:endParaRPr/>
+          </a:p>
+          <a:p>
+            <a:pPr indent="0" lvl="0" marL="457200" rtl="0" algn="l">
+              <a:spcBef>
+                <a:spcPts val="0"/>
+              </a:spcBef>
+              <a:spcAft>
+                <a:spcPts val="0"/>
+              </a:spcAft>
+              <a:buNone/>
+            </a:pPr>
+            <a:r>
+              <a:rPr lang="en"/>
+              <a:t>t</a:t>
+            </a:r>
+            <a:r>
+              <a:rPr lang="en"/>
+              <a:t>ry to add margin</a:t>
+            </a:r>
+            <a:endParaRPr/>
           </a:p>
         </p:txBody>
       </p:sp>
@@ -19856,7 +20743,7 @@
   <p:cSld>
     <p:spTree>
       <p:nvGrpSpPr>
-        <p:cNvPr id="108" name="Shape 108"/>
+        <p:cNvPr id="112" name="Shape 112"/>
         <p:cNvGrpSpPr/>
         <p:nvPr/>
       </p:nvGrpSpPr>
@@ -19870,7 +20757,7 @@
       </p:grpSpPr>
       <p:sp>
         <p:nvSpPr>
-          <p:cNvPr id="109" name="Google Shape;109;g2f615a3eae8_0_32"/>
+          <p:cNvPr id="113" name="Google Shape;113;g2face097e27_0_103"/>
           <p:cNvSpPr txBox="1"/>
           <p:nvPr>
             <p:ph type="title"/>
@@ -19926,18 +20813,97 @@
           </a:p>
         </p:txBody>
       </p:sp>
+      <p:pic>
+        <p:nvPicPr>
+          <p:cNvPr id="114" name="Google Shape;114;g2face097e27_0_103"/>
+          <p:cNvPicPr preferRelativeResize="0"/>
+          <p:nvPr/>
+        </p:nvPicPr>
+        <p:blipFill rotWithShape="1">
+          <a:blip r:embed="rId3">
+            <a:alphaModFix/>
+          </a:blip>
+          <a:srcRect b="0" l="0" r="2666" t="0"/>
+          <a:stretch/>
+        </p:blipFill>
+        <p:spPr>
+          <a:xfrm>
+            <a:off x="27525" y="572700"/>
+            <a:ext cx="5603649" cy="1265475"/>
+          </a:xfrm>
+          <a:prstGeom prst="rect">
+            <a:avLst/>
+          </a:prstGeom>
+          <a:noFill/>
+          <a:ln>
+            <a:noFill/>
+          </a:ln>
+        </p:spPr>
+      </p:pic>
+      <p:pic>
+        <p:nvPicPr>
+          <p:cNvPr id="115" name="Google Shape;115;g2face097e27_0_103"/>
+          <p:cNvPicPr preferRelativeResize="0"/>
+          <p:nvPr/>
+        </p:nvPicPr>
+        <p:blipFill rotWithShape="1">
+          <a:blip r:embed="rId4">
+            <a:alphaModFix/>
+          </a:blip>
+          <a:srcRect b="0" l="0" r="0" t="0"/>
+          <a:stretch/>
+        </p:blipFill>
+        <p:spPr>
+          <a:xfrm>
+            <a:off x="3" y="2379419"/>
+            <a:ext cx="5603646" cy="953456"/>
+          </a:xfrm>
+          <a:prstGeom prst="rect">
+            <a:avLst/>
+          </a:prstGeom>
+          <a:noFill/>
+          <a:ln>
+            <a:noFill/>
+          </a:ln>
+        </p:spPr>
+      </p:pic>
+      <p:pic>
+        <p:nvPicPr>
+          <p:cNvPr id="116" name="Google Shape;116;g2face097e27_0_103"/>
+          <p:cNvPicPr preferRelativeResize="0"/>
+          <p:nvPr/>
+        </p:nvPicPr>
+        <p:blipFill rotWithShape="1">
+          <a:blip r:embed="rId5">
+            <a:alphaModFix/>
+          </a:blip>
+          <a:srcRect b="0" l="0" r="0" t="0"/>
+          <a:stretch/>
+        </p:blipFill>
+        <p:spPr>
+          <a:xfrm>
+            <a:off x="5" y="3874124"/>
+            <a:ext cx="5603645" cy="1269379"/>
+          </a:xfrm>
+          <a:prstGeom prst="rect">
+            <a:avLst/>
+          </a:prstGeom>
+          <a:noFill/>
+          <a:ln>
+            <a:noFill/>
+          </a:ln>
+        </p:spPr>
+      </p:pic>
       <p:sp>
         <p:nvSpPr>
-          <p:cNvPr id="110" name="Google Shape;110;g2f615a3eae8_0_32"/>
+          <p:cNvPr id="117" name="Google Shape;117;g2face097e27_0_103"/>
           <p:cNvSpPr txBox="1"/>
-          <p:nvPr>
-            <p:ph idx="1" type="body"/>
-          </p:nvPr>
+          <p:nvPr/>
         </p:nvSpPr>
         <p:spPr>
           <a:xfrm>
-            <a:off x="0" y="572700"/>
-            <a:ext cx="9144000" cy="4570800"/>
+            <a:off x="6026108" y="829683"/>
+            <a:ext cx="3117900" cy="751500"/>
           </a:xfrm>
           <a:prstGeom prst="rect">
             <a:avLst/>
@@ -19948,37 +20914,42 @@
           </a:ln>
         </p:spPr>
         <p:txBody>
-          <a:bodyPr anchorCtr="0" anchor="t" bIns="91425" lIns="91425" spcFirstLastPara="1" rIns="91425" wrap="square" tIns="91425">
-            <a:normAutofit/>
+          <a:bodyPr anchorCtr="0" anchor="t" bIns="0" lIns="0" spcFirstLastPara="1" rIns="0" wrap="square" tIns="9525">
+            <a:spAutoFit/>
           </a:bodyPr>
           <a:lstStyle/>
           <a:p>
-            <a:pPr indent="0" lvl="0" marL="12700" rtl="0" algn="l">
-              <a:lnSpc>
-                <a:spcPct val="100000"/>
-              </a:lnSpc>
-              <a:spcBef>
-                <a:spcPts val="0"/>
-              </a:spcBef>
-              <a:spcAft>
-                <a:spcPts val="0"/>
-              </a:spcAft>
+            <a:pPr indent="0" lvl="0" marL="12700" marR="5080" rtl="0" algn="l">
+              <a:lnSpc>
+                <a:spcPct val="100800"/>
+              </a:lnSpc>
+              <a:spcBef>
+                <a:spcPts val="0"/>
+              </a:spcBef>
+              <a:spcAft>
+                <a:spcPts val="0"/>
+              </a:spcAft>
+              <a:buClr>
+                <a:srgbClr val="000000"/>
+              </a:buClr>
+              <a:buSzPts val="2400"/>
+              <a:buFont typeface="Arial"/>
               <a:buNone/>
             </a:pPr>
             <a:r>
-              <a:rPr lang="en" sz="2800">
-                <a:solidFill>
-                  <a:schemeClr val="dk1"/>
-                </a:solidFill>
-                <a:latin typeface="Times New Roman"/>
-                <a:ea typeface="Times New Roman"/>
-                <a:cs typeface="Times New Roman"/>
-                <a:sym typeface="Times New Roman"/>
-              </a:rPr>
-              <a:t>The </a:t>
-            </a:r>
-            <a:r>
-              <a:rPr b="1" lang="en" sz="2800">
+              <a:rPr b="0" i="0" lang="en" sz="2400" u="none" cap="none" strike="noStrike">
+                <a:solidFill>
+                  <a:srgbClr val="000000"/>
+                </a:solidFill>
+                <a:latin typeface="Times New Roman"/>
+                <a:ea typeface="Times New Roman"/>
+                <a:cs typeface="Times New Roman"/>
+                <a:sym typeface="Times New Roman"/>
+              </a:rPr>
+              <a:t>Elements in Normal flow,  </a:t>
+            </a:r>
+            <a:r>
+              <a:rPr b="0" i="0" lang="en" sz="2400" u="none" cap="none" strike="noStrike">
                 <a:solidFill>
                   <a:srgbClr val="FF0000"/>
                 </a:solidFill>
@@ -19987,23 +20958,11 @@
                 <a:cs typeface="Times New Roman"/>
                 <a:sym typeface="Times New Roman"/>
               </a:rPr>
-              <a:t>float </a:t>
-            </a:r>
-            <a:r>
-              <a:rPr lang="en" sz="2800">
-                <a:solidFill>
-                  <a:schemeClr val="dk1"/>
-                </a:solidFill>
-                <a:latin typeface="Times New Roman"/>
-                <a:ea typeface="Times New Roman"/>
-                <a:cs typeface="Times New Roman"/>
-                <a:sym typeface="Times New Roman"/>
-              </a:rPr>
-              <a:t>property specifies how an element should float:</a:t>
-            </a:r>
-            <a:endParaRPr sz="2800">
+              <a:t>not floated</a:t>
+            </a:r>
+            <a:endParaRPr b="0" i="0" sz="2400" u="none" cap="none" strike="noStrike">
               <a:solidFill>
-                <a:schemeClr val="dk1"/>
+                <a:srgbClr val="000000"/>
               </a:solidFill>
               <a:latin typeface="Times New Roman"/>
               <a:ea typeface="Times New Roman"/>
@@ -20011,38 +20970,76 @@
               <a:sym typeface="Times New Roman"/>
             </a:endParaRPr>
           </a:p>
+        </p:txBody>
+      </p:sp>
+      <p:sp>
+        <p:nvSpPr>
+          <p:cNvPr id="118" name="Google Shape;118;g2face097e27_0_103"/>
+          <p:cNvSpPr txBox="1"/>
+          <p:nvPr/>
+        </p:nvSpPr>
+        <p:spPr>
+          <a:xfrm>
+            <a:off x="6026102" y="2380650"/>
+            <a:ext cx="3117900" cy="751800"/>
+          </a:xfrm>
+          <a:prstGeom prst="rect">
+            <a:avLst/>
+          </a:prstGeom>
+          <a:noFill/>
+          <a:ln>
+            <a:noFill/>
+          </a:ln>
+        </p:spPr>
+        <p:txBody>
+          <a:bodyPr anchorCtr="0" anchor="t" bIns="0" lIns="0" spcFirstLastPara="1" rIns="0" wrap="square" tIns="12700">
+            <a:spAutoFit/>
+          </a:bodyPr>
+          <a:lstStyle/>
           <a:p>
-            <a:pPr indent="-228600" lvl="0" marL="698500" rtl="0" algn="l">
-              <a:lnSpc>
-                <a:spcPct val="100000"/>
-              </a:lnSpc>
-              <a:spcBef>
-                <a:spcPts val="1145"/>
-              </a:spcBef>
-              <a:spcAft>
-                <a:spcPts val="0"/>
-              </a:spcAft>
-              <a:buClr>
-                <a:schemeClr val="dk1"/>
-              </a:buClr>
-              <a:buSzPts val="2800"/>
-              <a:buFont typeface="Times New Roman"/>
-              <a:buChar char="•"/>
+            <a:pPr indent="0" lvl="0" marL="12700" marR="0" rtl="0" algn="l">
+              <a:lnSpc>
+                <a:spcPct val="100000"/>
+              </a:lnSpc>
+              <a:spcBef>
+                <a:spcPts val="0"/>
+              </a:spcBef>
+              <a:spcAft>
+                <a:spcPts val="0"/>
+              </a:spcAft>
+              <a:buClr>
+                <a:srgbClr val="000000"/>
+              </a:buClr>
+              <a:buSzPts val="2400"/>
+              <a:buFont typeface="Arial"/>
+              <a:buNone/>
             </a:pPr>
             <a:r>
-              <a:rPr lang="en" sz="2800">
-                <a:solidFill>
-                  <a:schemeClr val="dk1"/>
-                </a:solidFill>
-                <a:latin typeface="Times New Roman"/>
-                <a:ea typeface="Times New Roman"/>
-                <a:cs typeface="Times New Roman"/>
-                <a:sym typeface="Times New Roman"/>
-              </a:rPr>
-              <a:t>Elements can float to the </a:t>
-            </a:r>
-            <a:r>
-              <a:rPr lang="en" sz="2800">
+              <a:rPr b="0" i="0" lang="en" sz="2400" u="sng" cap="none" strike="noStrike">
+                <a:solidFill>
+                  <a:srgbClr val="000000"/>
+                </a:solidFill>
+                <a:latin typeface="Times New Roman"/>
+                <a:ea typeface="Times New Roman"/>
+                <a:cs typeface="Times New Roman"/>
+                <a:sym typeface="Times New Roman"/>
+              </a:rPr>
+              <a:t>Paragraph 1</a:t>
+            </a:r>
+            <a:r>
+              <a:rPr b="0" i="0" lang="en" sz="2400" u="none" cap="none" strike="noStrike">
+                <a:solidFill>
+                  <a:srgbClr val="000000"/>
+                </a:solidFill>
+                <a:latin typeface="Times New Roman"/>
+                <a:ea typeface="Times New Roman"/>
+                <a:cs typeface="Times New Roman"/>
+                <a:sym typeface="Times New Roman"/>
+              </a:rPr>
+              <a:t> is </a:t>
+            </a:r>
+            <a:r>
+              <a:rPr b="0" i="0" lang="en" sz="2400" u="none" cap="none" strike="noStrike">
                 <a:solidFill>
                   <a:srgbClr val="FF0000"/>
                 </a:solidFill>
@@ -20051,71 +21048,23 @@
                 <a:cs typeface="Times New Roman"/>
                 <a:sym typeface="Times New Roman"/>
               </a:rPr>
-              <a:t>right </a:t>
-            </a:r>
-            <a:r>
-              <a:rPr lang="en" sz="2800">
-                <a:solidFill>
-                  <a:schemeClr val="dk1"/>
-                </a:solidFill>
-                <a:latin typeface="Times New Roman"/>
-                <a:ea typeface="Times New Roman"/>
-                <a:cs typeface="Times New Roman"/>
-                <a:sym typeface="Times New Roman"/>
-              </a:rPr>
-              <a:t>or </a:t>
-            </a:r>
-            <a:r>
-              <a:rPr lang="en" sz="2800">
-                <a:solidFill>
-                  <a:srgbClr val="FF0000"/>
-                </a:solidFill>
-                <a:latin typeface="Times New Roman"/>
-                <a:ea typeface="Times New Roman"/>
-                <a:cs typeface="Times New Roman"/>
-                <a:sym typeface="Times New Roman"/>
-              </a:rPr>
-              <a:t>left </a:t>
-            </a:r>
-            <a:r>
-              <a:rPr lang="en" sz="2800">
-                <a:solidFill>
-                  <a:schemeClr val="dk1"/>
-                </a:solidFill>
-                <a:latin typeface="Times New Roman"/>
-                <a:ea typeface="Times New Roman"/>
-                <a:cs typeface="Times New Roman"/>
-                <a:sym typeface="Times New Roman"/>
-              </a:rPr>
-              <a:t>(</a:t>
-            </a:r>
-            <a:r>
-              <a:rPr lang="en" sz="2800">
-                <a:solidFill>
-                  <a:srgbClr val="FF0000"/>
-                </a:solidFill>
-                <a:latin typeface="Times New Roman"/>
-                <a:ea typeface="Times New Roman"/>
-                <a:cs typeface="Times New Roman"/>
-                <a:sym typeface="Times New Roman"/>
-              </a:rPr>
-              <a:t>none </a:t>
-            </a:r>
-            <a:r>
-              <a:rPr lang="en" sz="2800">
-                <a:solidFill>
-                  <a:schemeClr val="dk1"/>
-                </a:solidFill>
-                <a:latin typeface="Times New Roman"/>
-                <a:ea typeface="Times New Roman"/>
-                <a:cs typeface="Times New Roman"/>
-                <a:sym typeface="Times New Roman"/>
-              </a:rPr>
-              <a:t>is default)</a:t>
-            </a:r>
-            <a:endParaRPr sz="2800">
+              <a:t>floated </a:t>
+            </a:r>
+            <a:r>
+              <a:rPr b="0" i="0" lang="en" sz="2400" u="none" cap="none" strike="noStrike">
+                <a:solidFill>
+                  <a:srgbClr val="000000"/>
+                </a:solidFill>
+                <a:latin typeface="Times New Roman"/>
+                <a:ea typeface="Times New Roman"/>
+                <a:cs typeface="Times New Roman"/>
+                <a:sym typeface="Times New Roman"/>
+              </a:rPr>
+              <a:t>to the right</a:t>
+            </a:r>
+            <a:endParaRPr b="0" i="0" sz="2400" u="none" cap="none" strike="noStrike">
               <a:solidFill>
-                <a:schemeClr val="dk1"/>
+                <a:srgbClr val="000000"/>
               </a:solidFill>
               <a:latin typeface="Times New Roman"/>
               <a:ea typeface="Times New Roman"/>
@@ -20123,38 +21072,76 @@
               <a:sym typeface="Times New Roman"/>
             </a:endParaRPr>
           </a:p>
+        </p:txBody>
+      </p:sp>
+      <p:sp>
+        <p:nvSpPr>
+          <p:cNvPr id="119" name="Google Shape;119;g2face097e27_0_103"/>
+          <p:cNvSpPr txBox="1"/>
+          <p:nvPr/>
+        </p:nvSpPr>
+        <p:spPr>
+          <a:xfrm>
+            <a:off x="6026102" y="3874125"/>
+            <a:ext cx="3117900" cy="1121100"/>
+          </a:xfrm>
+          <a:prstGeom prst="rect">
+            <a:avLst/>
+          </a:prstGeom>
+          <a:noFill/>
+          <a:ln>
+            <a:noFill/>
+          </a:ln>
+        </p:spPr>
+        <p:txBody>
+          <a:bodyPr anchorCtr="0" anchor="t" bIns="0" lIns="0" spcFirstLastPara="1" rIns="0" wrap="square" tIns="12700">
+            <a:spAutoFit/>
+          </a:bodyPr>
+          <a:lstStyle/>
           <a:p>
-            <a:pPr indent="-228600" lvl="0" marL="698500" rtl="0" algn="l">
-              <a:lnSpc>
-                <a:spcPct val="100000"/>
-              </a:lnSpc>
-              <a:spcBef>
-                <a:spcPts val="1250"/>
-              </a:spcBef>
-              <a:spcAft>
-                <a:spcPts val="0"/>
-              </a:spcAft>
-              <a:buClr>
-                <a:schemeClr val="dk1"/>
-              </a:buClr>
-              <a:buSzPts val="2800"/>
-              <a:buFont typeface="Times New Roman"/>
-              <a:buChar char="•"/>
+            <a:pPr indent="0" lvl="0" marL="12700" marR="5080" rtl="0" algn="l">
+              <a:lnSpc>
+                <a:spcPct val="100000"/>
+              </a:lnSpc>
+              <a:spcBef>
+                <a:spcPts val="0"/>
+              </a:spcBef>
+              <a:spcAft>
+                <a:spcPts val="0"/>
+              </a:spcAft>
+              <a:buClr>
+                <a:srgbClr val="000000"/>
+              </a:buClr>
+              <a:buSzPts val="2400"/>
+              <a:buFont typeface="Arial"/>
+              <a:buNone/>
             </a:pPr>
             <a:r>
-              <a:rPr lang="en" sz="2800">
-                <a:solidFill>
-                  <a:schemeClr val="dk1"/>
-                </a:solidFill>
-                <a:latin typeface="Times New Roman"/>
-                <a:ea typeface="Times New Roman"/>
-                <a:cs typeface="Times New Roman"/>
-                <a:sym typeface="Times New Roman"/>
-              </a:rPr>
-              <a:t>Floated elements are </a:t>
-            </a:r>
-            <a:r>
-              <a:rPr lang="en" sz="2800">
+              <a:rPr b="0" i="0" lang="en" sz="2400" u="sng" cap="none" strike="noStrike">
+                <a:solidFill>
+                  <a:srgbClr val="000000"/>
+                </a:solidFill>
+                <a:latin typeface="Times New Roman"/>
+                <a:ea typeface="Times New Roman"/>
+                <a:cs typeface="Times New Roman"/>
+                <a:sym typeface="Times New Roman"/>
+              </a:rPr>
+              <a:t>Paragraph 1</a:t>
+            </a:r>
+            <a:r>
+              <a:rPr b="0" i="0" lang="en" sz="2400" u="none" cap="none" strike="noStrike">
+                <a:solidFill>
+                  <a:srgbClr val="000000"/>
+                </a:solidFill>
+                <a:latin typeface="Times New Roman"/>
+                <a:ea typeface="Times New Roman"/>
+                <a:cs typeface="Times New Roman"/>
+                <a:sym typeface="Times New Roman"/>
+              </a:rPr>
+              <a:t> is </a:t>
+            </a:r>
+            <a:r>
+              <a:rPr b="0" i="0" lang="en" sz="2400" u="none" cap="none" strike="noStrike">
                 <a:solidFill>
                   <a:srgbClr val="FF0000"/>
                 </a:solidFill>
@@ -20163,150 +21150,59 @@
                 <a:cs typeface="Times New Roman"/>
                 <a:sym typeface="Times New Roman"/>
               </a:rPr>
-              <a:t>removed </a:t>
-            </a:r>
-            <a:r>
-              <a:rPr lang="en" sz="2800">
-                <a:solidFill>
-                  <a:schemeClr val="dk1"/>
-                </a:solidFill>
-                <a:latin typeface="Times New Roman"/>
-                <a:ea typeface="Times New Roman"/>
-                <a:cs typeface="Times New Roman"/>
-                <a:sym typeface="Times New Roman"/>
-              </a:rPr>
-              <a:t>from the Normal flow</a:t>
-            </a:r>
-            <a:endParaRPr sz="2800">
+              <a:t>floated </a:t>
+            </a:r>
+            <a:r>
+              <a:rPr b="0" i="0" lang="en" sz="2400" u="none" cap="none" strike="noStrike">
+                <a:solidFill>
+                  <a:srgbClr val="000000"/>
+                </a:solidFill>
+                <a:latin typeface="Times New Roman"/>
+                <a:ea typeface="Times New Roman"/>
+                <a:cs typeface="Times New Roman"/>
+                <a:sym typeface="Times New Roman"/>
+              </a:rPr>
+              <a:t>to the right,  </a:t>
+            </a:r>
+            <a:r>
+              <a:rPr b="0" i="0" lang="en" sz="2400" u="sng" cap="none" strike="noStrike">
+                <a:solidFill>
+                  <a:srgbClr val="000000"/>
+                </a:solidFill>
+                <a:latin typeface="Times New Roman"/>
+                <a:ea typeface="Times New Roman"/>
+                <a:cs typeface="Times New Roman"/>
+                <a:sym typeface="Times New Roman"/>
+              </a:rPr>
+              <a:t>Paragraph 2</a:t>
+            </a:r>
+            <a:r>
+              <a:rPr b="0" i="0" lang="en" sz="2400" u="none" cap="none" strike="noStrike">
+                <a:solidFill>
+                  <a:srgbClr val="000000"/>
+                </a:solidFill>
+                <a:latin typeface="Times New Roman"/>
+                <a:ea typeface="Times New Roman"/>
+                <a:cs typeface="Times New Roman"/>
+                <a:sym typeface="Times New Roman"/>
+              </a:rPr>
+              <a:t> is </a:t>
+            </a:r>
+            <a:r>
+              <a:rPr b="1" i="0" lang="en" sz="2400" u="none" cap="none" strike="noStrike">
+                <a:solidFill>
+                  <a:srgbClr val="4472C4"/>
+                </a:solidFill>
+                <a:latin typeface="Times New Roman"/>
+                <a:ea typeface="Times New Roman"/>
+                <a:cs typeface="Times New Roman"/>
+                <a:sym typeface="Times New Roman"/>
+              </a:rPr>
+              <a:t>cleared</a:t>
+            </a:r>
+            <a:endParaRPr b="0" i="0" sz="2400" u="none" cap="none" strike="noStrike">
               <a:solidFill>
-                <a:schemeClr val="dk1"/>
-              </a:solidFill>
-              <a:latin typeface="Times New Roman"/>
-              <a:ea typeface="Times New Roman"/>
-              <a:cs typeface="Times New Roman"/>
-              <a:sym typeface="Times New Roman"/>
-            </a:endParaRPr>
-          </a:p>
-          <a:p>
-            <a:pPr indent="-228600" lvl="0" marL="698500" marR="850263" rtl="0" algn="l">
-              <a:lnSpc>
-                <a:spcPct val="118600"/>
-              </a:lnSpc>
-              <a:spcBef>
-                <a:spcPts val="525"/>
-              </a:spcBef>
-              <a:spcAft>
-                <a:spcPts val="0"/>
-              </a:spcAft>
-              <a:buClr>
-                <a:schemeClr val="dk1"/>
-              </a:buClr>
-              <a:buSzPts val="2800"/>
-              <a:buFont typeface="Times New Roman"/>
-              <a:buChar char="•"/>
-            </a:pPr>
-            <a:r>
-              <a:rPr lang="en" sz="2800">
-                <a:solidFill>
-                  <a:schemeClr val="dk1"/>
-                </a:solidFill>
-                <a:latin typeface="Times New Roman"/>
-                <a:ea typeface="Times New Roman"/>
-                <a:cs typeface="Times New Roman"/>
-                <a:sym typeface="Times New Roman"/>
-              </a:rPr>
-              <a:t>The next element </a:t>
-            </a:r>
-            <a:r>
-              <a:rPr lang="en" sz="2800">
-                <a:solidFill>
-                  <a:srgbClr val="FF0000"/>
-                </a:solidFill>
-                <a:latin typeface="Times New Roman"/>
-                <a:ea typeface="Times New Roman"/>
-                <a:cs typeface="Times New Roman"/>
-                <a:sym typeface="Times New Roman"/>
-              </a:rPr>
-              <a:t>occupies </a:t>
-            </a:r>
-            <a:r>
-              <a:rPr lang="en" sz="2800">
-                <a:solidFill>
-                  <a:schemeClr val="dk1"/>
-                </a:solidFill>
-                <a:latin typeface="Times New Roman"/>
-                <a:ea typeface="Times New Roman"/>
-                <a:cs typeface="Times New Roman"/>
-                <a:sym typeface="Times New Roman"/>
-              </a:rPr>
-              <a:t>the free space of the floated  element</a:t>
-            </a:r>
-            <a:endParaRPr sz="2800">
-              <a:solidFill>
-                <a:schemeClr val="dk1"/>
-              </a:solidFill>
-              <a:latin typeface="Times New Roman"/>
-              <a:ea typeface="Times New Roman"/>
-              <a:cs typeface="Times New Roman"/>
-              <a:sym typeface="Times New Roman"/>
-            </a:endParaRPr>
-          </a:p>
-          <a:p>
-            <a:pPr indent="-228600" lvl="0" marL="698500" marR="5080" rtl="0" algn="l">
-              <a:lnSpc>
-                <a:spcPct val="119300"/>
-              </a:lnSpc>
-              <a:spcBef>
-                <a:spcPts val="600"/>
-              </a:spcBef>
-              <a:spcAft>
-                <a:spcPts val="0"/>
-              </a:spcAft>
-              <a:buClr>
-                <a:schemeClr val="dk1"/>
-              </a:buClr>
-              <a:buSzPts val="2800"/>
-              <a:buChar char="•"/>
-            </a:pPr>
-            <a:r>
-              <a:rPr lang="en" sz="2800">
-                <a:solidFill>
-                  <a:schemeClr val="dk1"/>
-                </a:solidFill>
-                <a:latin typeface="Times New Roman"/>
-                <a:ea typeface="Times New Roman"/>
-                <a:cs typeface="Times New Roman"/>
-                <a:sym typeface="Times New Roman"/>
-              </a:rPr>
-              <a:t>The </a:t>
-            </a:r>
-            <a:r>
-              <a:rPr b="1" lang="en" sz="2800">
-                <a:solidFill>
-                  <a:srgbClr val="FF0000"/>
-                </a:solidFill>
-                <a:latin typeface="Times New Roman"/>
-                <a:ea typeface="Times New Roman"/>
-                <a:cs typeface="Times New Roman"/>
-                <a:sym typeface="Times New Roman"/>
-              </a:rPr>
-              <a:t>clear </a:t>
-            </a:r>
-            <a:r>
-              <a:rPr lang="en" sz="2800">
-                <a:solidFill>
-                  <a:schemeClr val="dk1"/>
-                </a:solidFill>
-                <a:latin typeface="Times New Roman"/>
-                <a:ea typeface="Times New Roman"/>
-                <a:cs typeface="Times New Roman"/>
-                <a:sym typeface="Times New Roman"/>
-              </a:rPr>
-              <a:t>property prevents the next element from occupying  free space of the floating element</a:t>
-            </a:r>
-            <a:endParaRPr sz="2800">
-              <a:solidFill>
-                <a:schemeClr val="dk1"/>
+                <a:srgbClr val="000000"/>
               </a:solidFill>
               <a:latin typeface="Times New Roman"/>
               <a:ea typeface="Times New Roman"/>
@@ -20325,6 +21221,285 @@
 </file>
 
 <file path=ppt/theme/theme1.xml><?xml version="1.0" encoding="utf-8"?>
+<a:theme xmlns:a="http://schemas.openxmlformats.org/drawingml/2006/main" xmlns:r="http://schemas.openxmlformats.org/officeDocument/2006/relationships">
+  <a:themeElements>
+    <a:clrScheme name="Default">
+      <a:dk1>
+        <a:srgbClr val="000000"/>
+      </a:dk1>
+      <a:lt1>
+        <a:srgbClr val="FFFFFF"/>
+      </a:lt1>
+      <a:dk2>
+        <a:srgbClr val="158158"/>
+      </a:dk2>
+      <a:lt2>
+        <a:srgbClr val="F3F3F3"/>
+      </a:lt2>
+      <a:accent1>
+        <a:srgbClr val="058DC7"/>
+      </a:accent1>
+      <a:accent2>
+        <a:srgbClr val="50B432"/>
+      </a:accent2>
+      <a:accent3>
+        <a:srgbClr val="ED561B"/>
+      </a:accent3>
+      <a:accent4>
+        <a:srgbClr val="EDEF00"/>
+      </a:accent4>
+      <a:accent5>
+        <a:srgbClr val="24CBE5"/>
+      </a:accent5>
+      <a:accent6>
+        <a:srgbClr val="64E572"/>
+      </a:accent6>
+      <a:hlink>
+        <a:srgbClr val="2200CC"/>
+      </a:hlink>
+      <a:folHlink>
+        <a:srgbClr val="551A8B"/>
+      </a:folHlink>
+    </a:clrScheme>
+    <a:fontScheme name="Office">
+      <a:majorFont>
+        <a:latin typeface="Arial"/>
+        <a:ea typeface=""/>
+        <a:cs typeface=""/>
+        <a:font script="Jpan" typeface="ＭＳ Ｐゴシック"/>
+        <a:font script="Hang" typeface="맑은 고딕"/>
+        <a:font script="Hans" typeface="宋体"/>
+        <a:font script="Hant" typeface="新細明體"/>
+        <a:font script="Arab" typeface="Times New Roman"/>
+        <a:font script="Hebr" typeface="Times New Roman"/>
+        <a:font script="Thai" typeface="Angsana New"/>
+        <a:font script="Ethi" typeface="Nyala"/>
+        <a:font script="Beng" typeface="Vrinda"/>
+        <a:font script="Gujr" typeface="Shruti"/>
+        <a:font script="Khmr" typeface="MoolBoran"/>
+        <a:font script="Knda" typeface="Tunga"/>
+        <a:font script="Guru" typeface="Raavi"/>
+        <a:font script="Cans" typeface="Euphemia"/>
+        <a:font script="Cher" typeface="Plantagenet Cherokee"/>
+        <a:font script="Yiii" typeface="Microsoft Yi Baiti"/>
+        <a:font script="Tibt" typeface="Microsoft Himalaya"/>
+        <a:font script="Thaa" typeface="MV Boli"/>
+        <a:font script="Deva" typeface="Mangal"/>
+        <a:font script="Telu" typeface="Gautami"/>
+        <a:font script="Taml" typeface="Latha"/>
+        <a:font script="Syrc" typeface="Estrangelo Edessa"/>
+        <a:font script="Orya" typeface="Kalinga"/>
+        <a:font script="Mlym" typeface="Kartika"/>
+        <a:font script="Laoo" typeface="DokChampa"/>
+        <a:font script="Sinh" typeface="Iskoola Pota"/>
+        <a:font script="Mong" typeface="Mongolian Baiti"/>
+        <a:font script="Viet" typeface="Times New Roman"/>
+        <a:font script="Uigh" typeface="Microsoft Uighur"/>
+        <a:font script="Geor" typeface="Sylfaen"/>
+      </a:majorFont>
+      <a:minorFont>
+        <a:latin typeface="Arial"/>
+        <a:ea typeface=""/>
+        <a:cs typeface=""/>
+        <a:font script="Jpan" typeface="ＭＳ Ｐゴシック"/>
+        <a:font script="Hang" typeface="맑은 고딕"/>
+        <a:font script="Hans" typeface="宋体"/>
+        <a:font script="Hant" typeface="新細明體"/>
+        <a:font script="Arab" typeface="Arial"/>
+        <a:font script="Hebr" typeface="Arial"/>
+        <a:font script="Thai" typeface="Cordia New"/>
+        <a:font script="Ethi" typeface="Nyala"/>
+        <a:font script="Beng" typeface="Vrinda"/>
+        <a:font script="Gujr" typeface="Shruti"/>
+        <a:font script="Khmr" typeface="DaunPenh"/>
+        <a:font script="Knda" typeface="Tunga"/>
+        <a:font script="Guru" typeface="Raavi"/>
+        <a:font script="Cans" typeface="Euphemia"/>
+        <a:font script="Cher" typeface="Plantagenet Cherokee"/>
+        <a:font script="Yiii" typeface="Microsoft Yi Baiti"/>
+        <a:font script="Tibt" typeface="Microsoft Himalaya"/>
+        <a:font script="Thaa" typeface="MV Boli"/>
+        <a:font script="Deva" typeface="Mangal"/>
+        <a:font script="Telu" typeface="Gautami"/>
+        <a:font script="Taml" typeface="Latha"/>
+        <a:font script="Syrc" typeface="Estrangelo Edessa"/>
+        <a:font script="Orya" typeface="Kalinga"/>
+        <a:font script="Mlym" typeface="Kartika"/>
+        <a:font script="Laoo" typeface="DokChampa"/>
+        <a:font script="Sinh" typeface="Iskoola Pota"/>
+        <a:font script="Mong" typeface="Mongolian Baiti"/>
+        <a:font script="Viet" typeface="Arial"/>
+        <a:font script="Uigh" typeface="Microsoft Uighur"/>
+        <a:font script="Geor" typeface="Sylfaen"/>
+      </a:minorFont>
+    </a:fontScheme>
+    <a:fmtScheme name="Office">
+      <a:fillStyleLst>
+        <a:solidFill>
+          <a:schemeClr val="phClr"/>
+        </a:solidFill>
+        <a:gradFill rotWithShape="1">
+          <a:gsLst>
+            <a:gs pos="0">
+              <a:schemeClr val="phClr">
+                <a:tint val="50000"/>
+                <a:satMod val="300000"/>
+              </a:schemeClr>
+            </a:gs>
+            <a:gs pos="35000">
+              <a:schemeClr val="phClr">
+                <a:tint val="37000"/>
+                <a:satMod val="300000"/>
+              </a:schemeClr>
+            </a:gs>
+            <a:gs pos="100000">
+              <a:schemeClr val="phClr">
+                <a:tint val="15000"/>
+                <a:satMod val="350000"/>
+              </a:schemeClr>
+            </a:gs>
+          </a:gsLst>
+          <a:lin ang="16200000" scaled="1"/>
+        </a:gradFill>
+        <a:gradFill rotWithShape="1">
+          <a:gsLst>
+            <a:gs pos="0">
+              <a:schemeClr val="phClr">
+                <a:tint val="100000"/>
+                <a:shade val="100000"/>
+                <a:satMod val="130000"/>
+              </a:schemeClr>
+            </a:gs>
+            <a:gs pos="100000">
+              <a:schemeClr val="phClr">
+                <a:tint val="50000"/>
+                <a:shade val="100000"/>
+                <a:satMod val="350000"/>
+              </a:schemeClr>
+            </a:gs>
+          </a:gsLst>
+          <a:lin ang="16200000" scaled="0"/>
+        </a:gradFill>
+      </a:fillStyleLst>
+      <a:lnStyleLst>
+        <a:ln w="9525" cap="flat" cmpd="sng" algn="ctr">
+          <a:solidFill>
+            <a:schemeClr val="phClr">
+              <a:shade val="95000"/>
+              <a:satMod val="105000"/>
+            </a:schemeClr>
+          </a:solidFill>
+          <a:prstDash val="solid"/>
+        </a:ln>
+        <a:ln w="25400" cap="flat" cmpd="sng" algn="ctr">
+          <a:solidFill>
+            <a:schemeClr val="phClr"/>
+          </a:solidFill>
+          <a:prstDash val="solid"/>
+        </a:ln>
+        <a:ln w="38100" cap="flat" cmpd="sng" algn="ctr">
+          <a:solidFill>
+            <a:schemeClr val="phClr"/>
+          </a:solidFill>
+          <a:prstDash val="solid"/>
+        </a:ln>
+      </a:lnStyleLst>
+      <a:effectStyleLst>
+        <a:effectStyle>
+          <a:effectLst>
+            <a:outerShdw blurRad="40000" dist="20000" dir="5400000" rotWithShape="0">
+              <a:srgbClr val="000000">
+                <a:alpha val="38000"/>
+              </a:srgbClr>
+            </a:outerShdw>
+          </a:effectLst>
+        </a:effectStyle>
+        <a:effectStyle>
+          <a:effectLst>
+            <a:outerShdw blurRad="40000" dist="23000" dir="5400000" rotWithShape="0">
+              <a:srgbClr val="000000">
+                <a:alpha val="35000"/>
+              </a:srgbClr>
+            </a:outerShdw>
+          </a:effectLst>
+        </a:effectStyle>
+        <a:effectStyle>
+          <a:effectLst>
+            <a:outerShdw blurRad="40000" dist="23000" dir="5400000" rotWithShape="0">
+              <a:srgbClr val="000000">
+                <a:alpha val="35000"/>
+              </a:srgbClr>
+            </a:outerShdw>
+          </a:effectLst>
+          <a:scene3d>
+            <a:camera prst="orthographicFront">
+              <a:rot lat="0" lon="0" rev="0"/>
+            </a:camera>
+            <a:lightRig rig="threePt" dir="t">
+              <a:rot lat="0" lon="0" rev="1200000"/>
+            </a:lightRig>
+          </a:scene3d>
+          <a:sp3d>
+            <a:bevelT w="63500" h="25400"/>
+          </a:sp3d>
+        </a:effectStyle>
+      </a:effectStyleLst>
+      <a:bgFillStyleLst>
+        <a:solidFill>
+          <a:schemeClr val="phClr"/>
+        </a:solidFill>
+        <a:gradFill rotWithShape="1">
+          <a:gsLst>
+            <a:gs pos="0">
+              <a:schemeClr val="phClr">
+                <a:tint val="40000"/>
+                <a:satMod val="350000"/>
+              </a:schemeClr>
+            </a:gs>
+            <a:gs pos="40000">
+              <a:schemeClr val="phClr">
+                <a:tint val="45000"/>
+                <a:shade val="99000"/>
+                <a:satMod val="350000"/>
+              </a:schemeClr>
+            </a:gs>
+            <a:gs pos="100000">
+              <a:schemeClr val="phClr">
+                <a:shade val="20000"/>
+                <a:satMod val="255000"/>
+              </a:schemeClr>
+            </a:gs>
+          </a:gsLst>
+          <a:path path="circle">
+            <a:fillToRect l="50000" t="-80000" r="50000" b="180000"/>
+          </a:path>
+        </a:gradFill>
+        <a:gradFill rotWithShape="1">
+          <a:gsLst>
+            <a:gs pos="0">
+              <a:schemeClr val="phClr">
+                <a:tint val="80000"/>
+                <a:satMod val="300000"/>
+              </a:schemeClr>
+            </a:gs>
+            <a:gs pos="100000">
+              <a:schemeClr val="phClr">
+                <a:shade val="30000"/>
+                <a:satMod val="200000"/>
+              </a:schemeClr>
+            </a:gs>
+          </a:gsLst>
+          <a:path path="circle">
+            <a:fillToRect l="50000" t="50000" r="50000" b="50000"/>
+          </a:path>
+        </a:gradFill>
+      </a:bgFillStyleLst>
+    </a:fmtScheme>
+  </a:themeElements>
+</a:theme>
+</file>
+
+<file path=ppt/theme/theme2.xml><?xml version="1.0" encoding="utf-8"?>
 <a:theme xmlns:a="http://schemas.openxmlformats.org/drawingml/2006/main" xmlns:r="http://schemas.openxmlformats.org/officeDocument/2006/relationships" name="Simple Light">
   <a:themeElements>
     <a:clrScheme name="Simple Light">
@@ -20601,283 +21776,4 @@
     </a:fmtScheme>
   </a:themeElements>
 </a:theme>
-</file>
-
-<file path=ppt/theme/theme2.xml><?xml version="1.0" encoding="utf-8"?>
-<a:theme xmlns:a="http://schemas.openxmlformats.org/drawingml/2006/main" xmlns:r="http://schemas.openxmlformats.org/officeDocument/2006/relationships">
-  <a:themeElements>
-    <a:clrScheme name="Default">
-      <a:dk1>
-        <a:srgbClr val="000000"/>
-      </a:dk1>
-      <a:lt1>
-        <a:srgbClr val="FFFFFF"/>
-      </a:lt1>
-      <a:dk2>
-        <a:srgbClr val="158158"/>
-      </a:dk2>
-      <a:lt2>
-        <a:srgbClr val="F3F3F3"/>
-      </a:lt2>
-      <a:accent1>
-        <a:srgbClr val="058DC7"/>
-      </a:accent1>
-      <a:accent2>
-        <a:srgbClr val="50B432"/>
-      </a:accent2>
-      <a:accent3>
-        <a:srgbClr val="ED561B"/>
-      </a:accent3>
-      <a:accent4>
-        <a:srgbClr val="EDEF00"/>
-      </a:accent4>
-      <a:accent5>
-        <a:srgbClr val="24CBE5"/>
-      </a:accent5>
-      <a:accent6>
-        <a:srgbClr val="64E572"/>
-      </a:accent6>
-      <a:hlink>
-        <a:srgbClr val="2200CC"/>
-      </a:hlink>
-      <a:folHlink>
-        <a:srgbClr val="551A8B"/>
-      </a:folHlink>
-    </a:clrScheme>
-    <a:fontScheme name="Office">
-      <a:majorFont>
-        <a:latin typeface="Arial"/>
-        <a:ea typeface=""/>
-        <a:cs typeface=""/>
-        <a:font script="Jpan" typeface="ＭＳ Ｐゴシック"/>
-        <a:font script="Hang" typeface="맑은 고딕"/>
-        <a:font script="Hans" typeface="宋体"/>
-        <a:font script="Hant" typeface="新細明體"/>
-        <a:font script="Arab" typeface="Times New Roman"/>
-        <a:font script="Hebr" typeface="Times New Roman"/>
-        <a:font script="Thai" typeface="Angsana New"/>
-        <a:font script="Ethi" typeface="Nyala"/>
-        <a:font script="Beng" typeface="Vrinda"/>
-        <a:font script="Gujr" typeface="Shruti"/>
-        <a:font script="Khmr" typeface="MoolBoran"/>
-        <a:font script="Knda" typeface="Tunga"/>
-        <a:font script="Guru" typeface="Raavi"/>
-        <a:font script="Cans" typeface="Euphemia"/>
-        <a:font script="Cher" typeface="Plantagenet Cherokee"/>
-        <a:font script="Yiii" typeface="Microsoft Yi Baiti"/>
-        <a:font script="Tibt" typeface="Microsoft Himalaya"/>
-        <a:font script="Thaa" typeface="MV Boli"/>
-        <a:font script="Deva" typeface="Mangal"/>
-        <a:font script="Telu" typeface="Gautami"/>
-        <a:font script="Taml" typeface="Latha"/>
-        <a:font script="Syrc" typeface="Estrangelo Edessa"/>
-        <a:font script="Orya" typeface="Kalinga"/>
-        <a:font script="Mlym" typeface="Kartika"/>
-        <a:font script="Laoo" typeface="DokChampa"/>
-        <a:font script="Sinh" typeface="Iskoola Pota"/>
-        <a:font script="Mong" typeface="Mongolian Baiti"/>
-        <a:font script="Viet" typeface="Times New Roman"/>
-        <a:font script="Uigh" typeface="Microsoft Uighur"/>
-        <a:font script="Geor" typeface="Sylfaen"/>
-      </a:majorFont>
-      <a:minorFont>
-        <a:latin typeface="Arial"/>
-        <a:ea typeface=""/>
-        <a:cs typeface=""/>
-        <a:font script="Jpan" typeface="ＭＳ Ｐゴシック"/>
-        <a:font script="Hang" typeface="맑은 고딕"/>
-        <a:font script="Hans" typeface="宋体"/>
-        <a:font script="Hant" typeface="新細明體"/>
-        <a:font script="Arab" typeface="Arial"/>
-        <a:font script="Hebr" typeface="Arial"/>
-        <a:font script="Thai" typeface="Cordia New"/>
-        <a:font script="Ethi" typeface="Nyala"/>
-        <a:font script="Beng" typeface="Vrinda"/>
-        <a:font script="Gujr" typeface="Shruti"/>
-        <a:font script="Khmr" typeface="DaunPenh"/>
-        <a:font script="Knda" typeface="Tunga"/>
-        <a:font script="Guru" typeface="Raavi"/>
-        <a:font script="Cans" typeface="Euphemia"/>
-        <a:font script="Cher" typeface="Plantagenet Cherokee"/>
-        <a:font script="Yiii" typeface="Microsoft Yi Baiti"/>
-        <a:font script="Tibt" typeface="Microsoft Himalaya"/>
-        <a:font script="Thaa" typeface="MV Boli"/>
-        <a:font script="Deva" typeface="Mangal"/>
-        <a:font script="Telu" typeface="Gautami"/>
-        <a:font script="Taml" typeface="Latha"/>
-        <a:font script="Syrc" typeface="Estrangelo Edessa"/>
-        <a:font script="Orya" typeface="Kalinga"/>
-        <a:font script="Mlym" typeface="Kartika"/>
-        <a:font script="Laoo" typeface="DokChampa"/>
-        <a:font script="Sinh" typeface="Iskoola Pota"/>
-        <a:font script="Mong" typeface="Mongolian Baiti"/>
-        <a:font script="Viet" typeface="Arial"/>
-        <a:font script="Uigh" typeface="Microsoft Uighur"/>
-        <a:font script="Geor" typeface="Sylfaen"/>
-      </a:minorFont>
-    </a:fontScheme>
-    <a:fmtScheme name="Office">
-      <a:fillStyleLst>
-        <a:solidFill>
-          <a:schemeClr val="phClr"/>
-        </a:solidFill>
-        <a:gradFill rotWithShape="1">
-          <a:gsLst>
-            <a:gs pos="0">
-              <a:schemeClr val="phClr">
-                <a:tint val="50000"/>
-                <a:satMod val="300000"/>
-              </a:schemeClr>
-            </a:gs>
-            <a:gs pos="35000">
-              <a:schemeClr val="phClr">
-                <a:tint val="37000"/>
-                <a:satMod val="300000"/>
-              </a:schemeClr>
-            </a:gs>
-            <a:gs pos="100000">
-              <a:schemeClr val="phClr">
-                <a:tint val="15000"/>
-                <a:satMod val="350000"/>
-              </a:schemeClr>
-            </a:gs>
-          </a:gsLst>
-          <a:lin ang="16200000" scaled="1"/>
-        </a:gradFill>
-        <a:gradFill rotWithShape="1">
-          <a:gsLst>
-            <a:gs pos="0">
-              <a:schemeClr val="phClr">
-                <a:tint val="100000"/>
-                <a:shade val="100000"/>
-                <a:satMod val="130000"/>
-              </a:schemeClr>
-            </a:gs>
-            <a:gs pos="100000">
-              <a:schemeClr val="phClr">
-                <a:tint val="50000"/>
-                <a:shade val="100000"/>
-                <a:satMod val="350000"/>
-              </a:schemeClr>
-            </a:gs>
-          </a:gsLst>
-          <a:lin ang="16200000" scaled="0"/>
-        </a:gradFill>
-      </a:fillStyleLst>
-      <a:lnStyleLst>
-        <a:ln w="9525" cap="flat" cmpd="sng" algn="ctr">
-          <a:solidFill>
-            <a:schemeClr val="phClr">
-              <a:shade val="95000"/>
-              <a:satMod val="105000"/>
-            </a:schemeClr>
-          </a:solidFill>
-          <a:prstDash val="solid"/>
-        </a:ln>
-        <a:ln w="25400" cap="flat" cmpd="sng" algn="ctr">
-          <a:solidFill>
-            <a:schemeClr val="phClr"/>
-          </a:solidFill>
-          <a:prstDash val="solid"/>
-        </a:ln>
-        <a:ln w="38100" cap="flat" cmpd="sng" algn="ctr">
-          <a:solidFill>
-            <a:schemeClr val="phClr"/>
-          </a:solidFill>
-          <a:prstDash val="solid"/>
-        </a:ln>
-      </a:lnStyleLst>
-      <a:effectStyleLst>
-        <a:effectStyle>
-          <a:effectLst>
-            <a:outerShdw blurRad="40000" dist="20000" dir="5400000" rotWithShape="0">
-              <a:srgbClr val="000000">
-                <a:alpha val="38000"/>
-              </a:srgbClr>
-            </a:outerShdw>
-          </a:effectLst>
-        </a:effectStyle>
-        <a:effectStyle>
-          <a:effectLst>
-            <a:outerShdw blurRad="40000" dist="23000" dir="5400000" rotWithShape="0">
-              <a:srgbClr val="000000">
-                <a:alpha val="35000"/>
-              </a:srgbClr>
-            </a:outerShdw>
-          </a:effectLst>
-        </a:effectStyle>
-        <a:effectStyle>
-          <a:effectLst>
-            <a:outerShdw blurRad="40000" dist="23000" dir="5400000" rotWithShape="0">
-              <a:srgbClr val="000000">
-                <a:alpha val="35000"/>
-              </a:srgbClr>
-            </a:outerShdw>
-          </a:effectLst>
-          <a:scene3d>
-            <a:camera prst="orthographicFront">
-              <a:rot lat="0" lon="0" rev="0"/>
-            </a:camera>
-            <a:lightRig rig="threePt" dir="t">
-              <a:rot lat="0" lon="0" rev="1200000"/>
-            </a:lightRig>
-          </a:scene3d>
-          <a:sp3d>
-            <a:bevelT w="63500" h="25400"/>
-          </a:sp3d>
-        </a:effectStyle>
-      </a:effectStyleLst>
-      <a:bgFillStyleLst>
-        <a:solidFill>
-          <a:schemeClr val="phClr"/>
-        </a:solidFill>
-        <a:gradFill rotWithShape="1">
-          <a:gsLst>
-            <a:gs pos="0">
-              <a:schemeClr val="phClr">
-                <a:tint val="40000"/>
-                <a:satMod val="350000"/>
-              </a:schemeClr>
-            </a:gs>
-            <a:gs pos="40000">
-              <a:schemeClr val="phClr">
-                <a:tint val="45000"/>
-                <a:shade val="99000"/>
-                <a:satMod val="350000"/>
-              </a:schemeClr>
-            </a:gs>
-            <a:gs pos="100000">
-              <a:schemeClr val="phClr">
-                <a:shade val="20000"/>
-                <a:satMod val="255000"/>
-              </a:schemeClr>
-            </a:gs>
-          </a:gsLst>
-          <a:path path="circle">
-            <a:fillToRect l="50000" t="-80000" r="50000" b="180000"/>
-          </a:path>
-        </a:gradFill>
-        <a:gradFill rotWithShape="1">
-          <a:gsLst>
-            <a:gs pos="0">
-              <a:schemeClr val="phClr">
-                <a:tint val="80000"/>
-                <a:satMod val="300000"/>
-              </a:schemeClr>
-            </a:gs>
-            <a:gs pos="100000">
-              <a:schemeClr val="phClr">
-                <a:shade val="30000"/>
-                <a:satMod val="200000"/>
-              </a:schemeClr>
-            </a:gs>
-          </a:gsLst>
-          <a:path path="circle">
-            <a:fillToRect l="50000" t="50000" r="50000" b="50000"/>
-          </a:path>
-        </a:gradFill>
-      </a:bgFillStyleLst>
-    </a:fmtScheme>
-  </a:themeElements>
-</a:theme>
 </file>